--- a/MOD02_Algoritmos_de_ordenamiento_y_busqueda/01 Presentacion/INFO2_MOD2-Ordenamiento_y_Busqueda.pptx
+++ b/MOD02_Algoritmos_de_ordenamiento_y_busqueda/01 Presentacion/INFO2_MOD2-Ordenamiento_y_Busqueda.pptx
@@ -3,34 +3,36 @@
 <p:presentation xmlns:a="http://schemas.openxmlformats.org/drawingml/2006/main" xmlns:r="http://schemas.openxmlformats.org/officeDocument/2006/relationships" xmlns:p="http://schemas.openxmlformats.org/presentationml/2006/main" saveSubsetFonts="1">
   <p:sldMasterIdLst>
     <p:sldMasterId id="2147483756" r:id="rId1"/>
+    <p:sldMasterId id="2147483913" r:id="rId2"/>
   </p:sldMasterIdLst>
   <p:notesMasterIdLst>
-    <p:notesMasterId r:id="rId25"/>
+    <p:notesMasterId r:id="rId27"/>
   </p:notesMasterIdLst>
   <p:sldIdLst>
-    <p:sldId id="256" r:id="rId2"/>
-    <p:sldId id="274" r:id="rId3"/>
-    <p:sldId id="306" r:id="rId4"/>
-    <p:sldId id="328" r:id="rId5"/>
-    <p:sldId id="326" r:id="rId6"/>
-    <p:sldId id="327" r:id="rId7"/>
-    <p:sldId id="278" r:id="rId8"/>
-    <p:sldId id="329" r:id="rId9"/>
-    <p:sldId id="330" r:id="rId10"/>
-    <p:sldId id="276" r:id="rId11"/>
-    <p:sldId id="307" r:id="rId12"/>
-    <p:sldId id="308" r:id="rId13"/>
-    <p:sldId id="331" r:id="rId14"/>
-    <p:sldId id="309" r:id="rId15"/>
-    <p:sldId id="277" r:id="rId16"/>
-    <p:sldId id="320" r:id="rId17"/>
-    <p:sldId id="321" r:id="rId18"/>
-    <p:sldId id="322" r:id="rId19"/>
-    <p:sldId id="323" r:id="rId20"/>
-    <p:sldId id="332" r:id="rId21"/>
-    <p:sldId id="324" r:id="rId22"/>
-    <p:sldId id="325" r:id="rId23"/>
-    <p:sldId id="333" r:id="rId24"/>
+    <p:sldId id="256" r:id="rId3"/>
+    <p:sldId id="274" r:id="rId4"/>
+    <p:sldId id="306" r:id="rId5"/>
+    <p:sldId id="328" r:id="rId6"/>
+    <p:sldId id="326" r:id="rId7"/>
+    <p:sldId id="334" r:id="rId8"/>
+    <p:sldId id="327" r:id="rId9"/>
+    <p:sldId id="278" r:id="rId10"/>
+    <p:sldId id="329" r:id="rId11"/>
+    <p:sldId id="330" r:id="rId12"/>
+    <p:sldId id="276" r:id="rId13"/>
+    <p:sldId id="307" r:id="rId14"/>
+    <p:sldId id="308" r:id="rId15"/>
+    <p:sldId id="331" r:id="rId16"/>
+    <p:sldId id="309" r:id="rId17"/>
+    <p:sldId id="277" r:id="rId18"/>
+    <p:sldId id="320" r:id="rId19"/>
+    <p:sldId id="321" r:id="rId20"/>
+    <p:sldId id="322" r:id="rId21"/>
+    <p:sldId id="323" r:id="rId22"/>
+    <p:sldId id="332" r:id="rId23"/>
+    <p:sldId id="324" r:id="rId24"/>
+    <p:sldId id="325" r:id="rId25"/>
+    <p:sldId id="333" r:id="rId26"/>
   </p:sldIdLst>
   <p:sldSz cx="9144000" cy="6858000" type="screen4x3"/>
   <p:notesSz cx="6858000" cy="9144000"/>
@@ -260,7 +262,7 @@
           <a:p>
             <a:fld id="{502DC4F2-4218-4162-BA3D-B14DE8F619FF}" type="datetimeFigureOut">
               <a:rPr lang="en-US" smtClean="0"/>
-              <a:t>2/6/19</a:t>
+              <a:t>1/19/2020</a:t>
             </a:fld>
             <a:endParaRPr lang="en-US"/>
           </a:p>
@@ -592,7 +594,7 @@
           <a:p>
             <a:fld id="{BD8656B0-F731-4880-84A4-483AAA08A66D}" type="slidenum">
               <a:rPr lang="en-US" smtClean="0"/>
-              <a:t>20</a:t>
+              <a:t>21</a:t>
             </a:fld>
             <a:endParaRPr lang="en-US"/>
           </a:p>
@@ -1486,6 +1488,550 @@
     <p:extLst>
       <p:ext uri="{BB962C8B-B14F-4D97-AF65-F5344CB8AC3E}">
         <p14:creationId xmlns:p14="http://schemas.microsoft.com/office/powerpoint/2010/main" val="332424624"/>
+      </p:ext>
+    </p:extLst>
+  </p:cSld>
+  <p:clrMapOvr>
+    <a:masterClrMapping/>
+  </p:clrMapOvr>
+</p:sldLayout>
+</file>
+
+<file path=ppt/slideLayouts/slideLayout13.xml><?xml version="1.0" encoding="utf-8"?>
+<p:sldLayout xmlns:a="http://schemas.openxmlformats.org/drawingml/2006/main" xmlns:r="http://schemas.openxmlformats.org/officeDocument/2006/relationships" xmlns:p="http://schemas.openxmlformats.org/presentationml/2006/main" showMasterSp="0" type="title" preserve="1">
+  <p:cSld name="Title Slide">
+    <p:spTree>
+      <p:nvGrpSpPr>
+        <p:cNvPr id="1" name=""/>
+        <p:cNvGrpSpPr/>
+        <p:nvPr/>
+      </p:nvGrpSpPr>
+      <p:grpSpPr>
+        <a:xfrm>
+          <a:off x="0" y="0"/>
+          <a:ext cx="0" cy="0"/>
+          <a:chOff x="0" y="0"/>
+          <a:chExt cx="0" cy="0"/>
+        </a:xfrm>
+      </p:grpSpPr>
+      <p:sp>
+        <p:nvSpPr>
+          <p:cNvPr id="125954" name="Rectangle 2"/>
+          <p:cNvSpPr>
+            <a:spLocks noGrp="1" noChangeArrowheads="1"/>
+          </p:cNvSpPr>
+          <p:nvPr>
+            <p:ph type="ctrTitle"/>
+          </p:nvPr>
+        </p:nvSpPr>
+        <p:spPr>
+          <a:xfrm>
+            <a:off x="671513" y="2914650"/>
+            <a:ext cx="7772400" cy="1470025"/>
+          </a:xfrm>
+        </p:spPr>
+        <p:txBody>
+          <a:bodyPr/>
+          <a:lstStyle>
+            <a:lvl1pPr>
+              <a:defRPr/>
+            </a:lvl1pPr>
+          </a:lstStyle>
+          <a:p>
+            <a:r>
+              <a:rPr lang="en-US"/>
+              <a:t>Click to edit Master title style</a:t>
+            </a:r>
+            <a:endParaRPr lang="en-US" dirty="0"/>
+          </a:p>
+        </p:txBody>
+      </p:sp>
+      <p:sp>
+        <p:nvSpPr>
+          <p:cNvPr id="125955" name="Rectangle 3"/>
+          <p:cNvSpPr>
+            <a:spLocks noGrp="1" noChangeArrowheads="1"/>
+          </p:cNvSpPr>
+          <p:nvPr>
+            <p:ph type="subTitle" idx="1"/>
+          </p:nvPr>
+        </p:nvSpPr>
+        <p:spPr>
+          <a:xfrm>
+            <a:off x="1330325" y="4603750"/>
+            <a:ext cx="6400800" cy="1752600"/>
+          </a:xfrm>
+        </p:spPr>
+        <p:txBody>
+          <a:bodyPr/>
+          <a:lstStyle>
+            <a:lvl1pPr marL="0" indent="0" algn="ctr">
+              <a:buFontTx/>
+              <a:buNone/>
+              <a:defRPr/>
+            </a:lvl1pPr>
+          </a:lstStyle>
+          <a:p>
+            <a:r>
+              <a:rPr lang="en-US"/>
+              <a:t>Click to edit Master subtitle style</a:t>
+            </a:r>
+          </a:p>
+        </p:txBody>
+      </p:sp>
+      <p:pic>
+        <p:nvPicPr>
+          <p:cNvPr id="5" name="Picture 2">
+            <a:extLst>
+              <a:ext uri="{FF2B5EF4-FFF2-40B4-BE49-F238E27FC236}">
+                <a16:creationId xmlns:a16="http://schemas.microsoft.com/office/drawing/2014/main" id="{82634D20-8D1C-444A-B646-9ADB9D7942C5}"/>
+              </a:ext>
+            </a:extLst>
+          </p:cNvPr>
+          <p:cNvPicPr>
+            <a:picLocks noChangeAspect="1" noChangeArrowheads="1"/>
+          </p:cNvPicPr>
+          <p:nvPr userDrawn="1"/>
+        </p:nvPicPr>
+        <p:blipFill>
+          <a:blip r:embed="rId2">
+            <a:extLst>
+              <a:ext uri="{28A0092B-C50C-407E-A947-70E740481C1C}">
+                <a14:useLocalDpi xmlns:a14="http://schemas.microsoft.com/office/drawing/2010/main" val="0"/>
+              </a:ext>
+            </a:extLst>
+          </a:blip>
+          <a:srcRect/>
+          <a:stretch>
+            <a:fillRect/>
+          </a:stretch>
+        </p:blipFill>
+        <p:spPr bwMode="auto">
+          <a:xfrm>
+            <a:off x="2071688" y="461963"/>
+            <a:ext cx="5000625" cy="2171700"/>
+          </a:xfrm>
+          <a:prstGeom prst="rect">
+            <a:avLst/>
+          </a:prstGeom>
+          <a:noFill/>
+          <a:ln>
+            <a:noFill/>
+          </a:ln>
+          <a:effectLst/>
+          <a:extLst>
+            <a:ext uri="{909E8E84-426E-40DD-AFC4-6F175D3DCCD1}">
+              <a14:hiddenFill xmlns:a14="http://schemas.microsoft.com/office/drawing/2010/main">
+                <a:solidFill>
+                  <a:schemeClr val="accent1"/>
+                </a:solidFill>
+              </a14:hiddenFill>
+            </a:ext>
+            <a:ext uri="{91240B29-F687-4F45-9708-019B960494DF}">
+              <a14:hiddenLine xmlns:a14="http://schemas.microsoft.com/office/drawing/2010/main" w="12700" algn="ctr">
+                <a:solidFill>
+                  <a:srgbClr val="FF0000"/>
+                </a:solidFill>
+                <a:miter lim="800000"/>
+                <a:headEnd/>
+                <a:tailEnd/>
+              </a14:hiddenLine>
+            </a:ext>
+            <a:ext uri="{AF507438-7753-43E0-B8FC-AC1667EBCBE1}">
+              <a14:hiddenEffects xmlns:a14="http://schemas.microsoft.com/office/drawing/2010/main">
+                <a:effectLst>
+                  <a:outerShdw dist="35921" dir="2700000" algn="ctr" rotWithShape="0">
+                    <a:schemeClr val="bg2"/>
+                  </a:outerShdw>
+                </a:effectLst>
+              </a14:hiddenEffects>
+            </a:ext>
+          </a:extLst>
+        </p:spPr>
+      </p:pic>
+      <p:pic>
+        <p:nvPicPr>
+          <p:cNvPr id="6" name="Picture 3">
+            <a:extLst>
+              <a:ext uri="{FF2B5EF4-FFF2-40B4-BE49-F238E27FC236}">
+                <a16:creationId xmlns:a16="http://schemas.microsoft.com/office/drawing/2014/main" id="{352BD0CB-DC22-436E-A242-D02279304C19}"/>
+              </a:ext>
+            </a:extLst>
+          </p:cNvPr>
+          <p:cNvPicPr>
+            <a:picLocks noChangeAspect="1" noChangeArrowheads="1"/>
+          </p:cNvPicPr>
+          <p:nvPr userDrawn="1"/>
+        </p:nvPicPr>
+        <p:blipFill>
+          <a:blip r:embed="rId3">
+            <a:extLst>
+              <a:ext uri="{28A0092B-C50C-407E-A947-70E740481C1C}">
+                <a14:useLocalDpi xmlns:a14="http://schemas.microsoft.com/office/drawing/2010/main" val="0"/>
+              </a:ext>
+            </a:extLst>
+          </a:blip>
+          <a:srcRect/>
+          <a:stretch>
+            <a:fillRect/>
+          </a:stretch>
+        </p:blipFill>
+        <p:spPr bwMode="auto">
+          <a:xfrm>
+            <a:off x="5724525" y="2343150"/>
+            <a:ext cx="1952625" cy="581025"/>
+          </a:xfrm>
+          <a:prstGeom prst="rect">
+            <a:avLst/>
+          </a:prstGeom>
+          <a:noFill/>
+          <a:ln>
+            <a:noFill/>
+          </a:ln>
+          <a:effectLst/>
+          <a:extLst>
+            <a:ext uri="{909E8E84-426E-40DD-AFC4-6F175D3DCCD1}">
+              <a14:hiddenFill xmlns:a14="http://schemas.microsoft.com/office/drawing/2010/main">
+                <a:solidFill>
+                  <a:schemeClr val="accent1"/>
+                </a:solidFill>
+              </a14:hiddenFill>
+            </a:ext>
+            <a:ext uri="{91240B29-F687-4F45-9708-019B960494DF}">
+              <a14:hiddenLine xmlns:a14="http://schemas.microsoft.com/office/drawing/2010/main" w="12700" algn="ctr">
+                <a:solidFill>
+                  <a:srgbClr val="FF0000"/>
+                </a:solidFill>
+                <a:miter lim="800000"/>
+                <a:headEnd/>
+                <a:tailEnd/>
+              </a14:hiddenLine>
+            </a:ext>
+            <a:ext uri="{AF507438-7753-43E0-B8FC-AC1667EBCBE1}">
+              <a14:hiddenEffects xmlns:a14="http://schemas.microsoft.com/office/drawing/2010/main">
+                <a:effectLst>
+                  <a:outerShdw dist="35921" dir="2700000" algn="ctr" rotWithShape="0">
+                    <a:schemeClr val="bg2"/>
+                  </a:outerShdw>
+                </a:effectLst>
+              </a14:hiddenEffects>
+            </a:ext>
+          </a:extLst>
+        </p:spPr>
+      </p:pic>
+    </p:spTree>
+    <p:extLst>
+      <p:ext uri="{BB962C8B-B14F-4D97-AF65-F5344CB8AC3E}">
+        <p14:creationId xmlns:p14="http://schemas.microsoft.com/office/powerpoint/2010/main" val="881592329"/>
+      </p:ext>
+    </p:extLst>
+  </p:cSld>
+  <p:clrMapOvr>
+    <a:masterClrMapping/>
+  </p:clrMapOvr>
+</p:sldLayout>
+</file>
+
+<file path=ppt/slideLayouts/slideLayout14.xml><?xml version="1.0" encoding="utf-8"?>
+<p:sldLayout xmlns:a="http://schemas.openxmlformats.org/drawingml/2006/main" xmlns:r="http://schemas.openxmlformats.org/officeDocument/2006/relationships" xmlns:p="http://schemas.openxmlformats.org/presentationml/2006/main" showMasterSp="0" type="obj" preserve="1">
+  <p:cSld name="Title and Content">
+    <p:spTree>
+      <p:nvGrpSpPr>
+        <p:cNvPr id="1" name=""/>
+        <p:cNvGrpSpPr/>
+        <p:nvPr/>
+      </p:nvGrpSpPr>
+      <p:grpSpPr>
+        <a:xfrm>
+          <a:off x="0" y="0"/>
+          <a:ext cx="0" cy="0"/>
+          <a:chOff x="0" y="0"/>
+          <a:chExt cx="0" cy="0"/>
+        </a:xfrm>
+      </p:grpSpPr>
+      <p:sp>
+        <p:nvSpPr>
+          <p:cNvPr id="2" name="Title 1"/>
+          <p:cNvSpPr>
+            <a:spLocks noGrp="1"/>
+          </p:cNvSpPr>
+          <p:nvPr>
+            <p:ph type="title"/>
+          </p:nvPr>
+        </p:nvSpPr>
+        <p:spPr/>
+        <p:txBody>
+          <a:bodyPr/>
+          <a:lstStyle/>
+          <a:p>
+            <a:r>
+              <a:rPr lang="en-US"/>
+              <a:t>Click to edit Master title style</a:t>
+            </a:r>
+            <a:endParaRPr lang="en-US" dirty="0"/>
+          </a:p>
+        </p:txBody>
+      </p:sp>
+      <p:sp>
+        <p:nvSpPr>
+          <p:cNvPr id="3" name="Content Placeholder 2"/>
+          <p:cNvSpPr>
+            <a:spLocks noGrp="1"/>
+          </p:cNvSpPr>
+          <p:nvPr>
+            <p:ph idx="1"/>
+          </p:nvPr>
+        </p:nvSpPr>
+        <p:spPr/>
+        <p:txBody>
+          <a:bodyPr/>
+          <a:lstStyle/>
+          <a:p>
+            <a:pPr lvl="0"/>
+            <a:r>
+              <a:rPr lang="en-US"/>
+              <a:t>Click to edit Master text styles</a:t>
+            </a:r>
+          </a:p>
+          <a:p>
+            <a:pPr lvl="1"/>
+            <a:r>
+              <a:rPr lang="en-US"/>
+              <a:t>Second level</a:t>
+            </a:r>
+          </a:p>
+          <a:p>
+            <a:pPr lvl="2"/>
+            <a:r>
+              <a:rPr lang="en-US"/>
+              <a:t>Third level</a:t>
+            </a:r>
+          </a:p>
+          <a:p>
+            <a:pPr lvl="3"/>
+            <a:r>
+              <a:rPr lang="en-US"/>
+              <a:t>Fourth level</a:t>
+            </a:r>
+          </a:p>
+          <a:p>
+            <a:pPr lvl="4"/>
+            <a:r>
+              <a:rPr lang="en-US"/>
+              <a:t>Fifth level</a:t>
+            </a:r>
+            <a:endParaRPr lang="en-US" dirty="0"/>
+          </a:p>
+        </p:txBody>
+      </p:sp>
+    </p:spTree>
+    <p:extLst>
+      <p:ext uri="{BB962C8B-B14F-4D97-AF65-F5344CB8AC3E}">
+        <p14:creationId xmlns:p14="http://schemas.microsoft.com/office/powerpoint/2010/main" val="1451280877"/>
+      </p:ext>
+    </p:extLst>
+  </p:cSld>
+  <p:clrMapOvr>
+    <a:masterClrMapping/>
+  </p:clrMapOvr>
+</p:sldLayout>
+</file>
+
+<file path=ppt/slideLayouts/slideLayout15.xml><?xml version="1.0" encoding="utf-8"?>
+<p:sldLayout xmlns:a="http://schemas.openxmlformats.org/drawingml/2006/main" xmlns:r="http://schemas.openxmlformats.org/officeDocument/2006/relationships" xmlns:p="http://schemas.openxmlformats.org/presentationml/2006/main" preserve="1">
+  <p:cSld name="Code">
+    <p:spTree>
+      <p:nvGrpSpPr>
+        <p:cNvPr id="1" name=""/>
+        <p:cNvGrpSpPr/>
+        <p:nvPr/>
+      </p:nvGrpSpPr>
+      <p:grpSpPr>
+        <a:xfrm>
+          <a:off x="0" y="0"/>
+          <a:ext cx="0" cy="0"/>
+          <a:chOff x="0" y="0"/>
+          <a:chExt cx="0" cy="0"/>
+        </a:xfrm>
+      </p:grpSpPr>
+      <p:sp>
+        <p:nvSpPr>
+          <p:cNvPr id="2" name="Title 1">
+            <a:extLst>
+              <a:ext uri="{FF2B5EF4-FFF2-40B4-BE49-F238E27FC236}">
+                <a16:creationId xmlns:a16="http://schemas.microsoft.com/office/drawing/2014/main" id="{69AC94B2-DE28-4D75-B5A3-51D68EE2CFE5}"/>
+              </a:ext>
+            </a:extLst>
+          </p:cNvPr>
+          <p:cNvSpPr>
+            <a:spLocks noGrp="1"/>
+          </p:cNvSpPr>
+          <p:nvPr>
+            <p:ph type="title"/>
+          </p:nvPr>
+        </p:nvSpPr>
+        <p:spPr/>
+        <p:txBody>
+          <a:bodyPr/>
+          <a:lstStyle/>
+          <a:p>
+            <a:r>
+              <a:rPr lang="en-US"/>
+              <a:t>Click to edit Master title style</a:t>
+            </a:r>
+            <a:endParaRPr lang="en-US" dirty="0"/>
+          </a:p>
+        </p:txBody>
+      </p:sp>
+      <p:sp>
+        <p:nvSpPr>
+          <p:cNvPr id="4" name="Text Placeholder 3">
+            <a:extLst>
+              <a:ext uri="{FF2B5EF4-FFF2-40B4-BE49-F238E27FC236}">
+                <a16:creationId xmlns:a16="http://schemas.microsoft.com/office/drawing/2014/main" id="{CDF35D1A-4CAF-40DF-A7EF-6F574FAB3906}"/>
+              </a:ext>
+            </a:extLst>
+          </p:cNvPr>
+          <p:cNvSpPr>
+            <a:spLocks noGrp="1"/>
+          </p:cNvSpPr>
+          <p:nvPr>
+            <p:ph type="body" sz="quarter" idx="10" hasCustomPrompt="1"/>
+          </p:nvPr>
+        </p:nvSpPr>
+        <p:spPr>
+          <a:xfrm>
+            <a:off x="457201" y="1335088"/>
+            <a:ext cx="8229600" cy="5248274"/>
+          </a:xfrm>
+          <a:solidFill>
+            <a:schemeClr val="tx1"/>
+          </a:solidFill>
+        </p:spPr>
+        <p:txBody>
+          <a:bodyPr/>
+          <a:lstStyle>
+            <a:lvl1pPr>
+              <a:defRPr>
+                <a:solidFill>
+                  <a:schemeClr val="bg1"/>
+                </a:solidFill>
+                <a:latin typeface="Cascadia Code" panose="00000509000000000000" pitchFamily="49" charset="0"/>
+              </a:defRPr>
+            </a:lvl1pPr>
+          </a:lstStyle>
+          <a:p>
+            <a:pPr lvl="0"/>
+            <a:r>
+              <a:rPr lang="es-MX" dirty="0" err="1"/>
+              <a:t>Insert</a:t>
+            </a:r>
+            <a:r>
+              <a:rPr lang="es-MX" dirty="0"/>
+              <a:t> </a:t>
+            </a:r>
+            <a:r>
+              <a:rPr lang="es-MX" dirty="0" err="1"/>
+              <a:t>code</a:t>
+            </a:r>
+            <a:r>
+              <a:rPr lang="es-MX" dirty="0"/>
+              <a:t> </a:t>
+            </a:r>
+            <a:r>
+              <a:rPr lang="es-MX" dirty="0" err="1"/>
+              <a:t>here</a:t>
+            </a:r>
+            <a:endParaRPr lang="en-US" dirty="0"/>
+          </a:p>
+        </p:txBody>
+      </p:sp>
+    </p:spTree>
+    <p:extLst>
+      <p:ext uri="{BB962C8B-B14F-4D97-AF65-F5344CB8AC3E}">
+        <p14:creationId xmlns:p14="http://schemas.microsoft.com/office/powerpoint/2010/main" val="3785066741"/>
+      </p:ext>
+    </p:extLst>
+  </p:cSld>
+  <p:clrMapOvr>
+    <a:masterClrMapping/>
+  </p:clrMapOvr>
+</p:sldLayout>
+</file>
+
+<file path=ppt/slideLayouts/slideLayout16.xml><?xml version="1.0" encoding="utf-8"?>
+<p:sldLayout xmlns:a="http://schemas.openxmlformats.org/drawingml/2006/main" xmlns:r="http://schemas.openxmlformats.org/officeDocument/2006/relationships" xmlns:p="http://schemas.openxmlformats.org/presentationml/2006/main" showMasterSp="0" type="titleOnly" preserve="1">
+  <p:cSld name="Title Only">
+    <p:spTree>
+      <p:nvGrpSpPr>
+        <p:cNvPr id="1" name=""/>
+        <p:cNvGrpSpPr/>
+        <p:nvPr/>
+      </p:nvGrpSpPr>
+      <p:grpSpPr>
+        <a:xfrm>
+          <a:off x="0" y="0"/>
+          <a:ext cx="0" cy="0"/>
+          <a:chOff x="0" y="0"/>
+          <a:chExt cx="0" cy="0"/>
+        </a:xfrm>
+      </p:grpSpPr>
+      <p:sp>
+        <p:nvSpPr>
+          <p:cNvPr id="2" name="Title 1"/>
+          <p:cNvSpPr>
+            <a:spLocks noGrp="1"/>
+          </p:cNvSpPr>
+          <p:nvPr>
+            <p:ph type="title"/>
+          </p:nvPr>
+        </p:nvSpPr>
+        <p:spPr/>
+        <p:txBody>
+          <a:bodyPr/>
+          <a:lstStyle/>
+          <a:p>
+            <a:r>
+              <a:rPr lang="en-US"/>
+              <a:t>Click to edit Master title style</a:t>
+            </a:r>
+          </a:p>
+        </p:txBody>
+      </p:sp>
+    </p:spTree>
+    <p:extLst>
+      <p:ext uri="{BB962C8B-B14F-4D97-AF65-F5344CB8AC3E}">
+        <p14:creationId xmlns:p14="http://schemas.microsoft.com/office/powerpoint/2010/main" val="3525597792"/>
+      </p:ext>
+    </p:extLst>
+  </p:cSld>
+  <p:clrMapOvr>
+    <a:masterClrMapping/>
+  </p:clrMapOvr>
+</p:sldLayout>
+</file>
+
+<file path=ppt/slideLayouts/slideLayout17.xml><?xml version="1.0" encoding="utf-8"?>
+<p:sldLayout xmlns:a="http://schemas.openxmlformats.org/drawingml/2006/main" xmlns:r="http://schemas.openxmlformats.org/officeDocument/2006/relationships" xmlns:p="http://schemas.openxmlformats.org/presentationml/2006/main" showMasterSp="0" type="blank" preserve="1">
+  <p:cSld name="Blank">
+    <p:spTree>
+      <p:nvGrpSpPr>
+        <p:cNvPr id="1" name=""/>
+        <p:cNvGrpSpPr/>
+        <p:nvPr/>
+      </p:nvGrpSpPr>
+      <p:grpSpPr>
+        <a:xfrm>
+          <a:off x="0" y="0"/>
+          <a:ext cx="0" cy="0"/>
+          <a:chOff x="0" y="0"/>
+          <a:chExt cx="0" cy="0"/>
+        </a:xfrm>
+      </p:grpSpPr>
+    </p:spTree>
+    <p:extLst>
+      <p:ext uri="{BB962C8B-B14F-4D97-AF65-F5344CB8AC3E}">
+        <p14:creationId xmlns:p14="http://schemas.microsoft.com/office/powerpoint/2010/main" val="2331083676"/>
       </p:ext>
     </p:extLst>
   </p:cSld>
@@ -3807,6 +4353,766 @@
 </p:sldMaster>
 </file>
 
+<file path=ppt/slideMasters/slideMaster2.xml><?xml version="1.0" encoding="utf-8"?>
+<p:sldMaster xmlns:a="http://schemas.openxmlformats.org/drawingml/2006/main" xmlns:r="http://schemas.openxmlformats.org/officeDocument/2006/relationships" xmlns:p="http://schemas.openxmlformats.org/presentationml/2006/main" preserve="1">
+  <p:cSld>
+    <p:bg>
+      <p:bgPr>
+        <a:solidFill>
+          <a:schemeClr val="bg1"/>
+        </a:solidFill>
+        <a:effectLst/>
+      </p:bgPr>
+    </p:bg>
+    <p:spTree>
+      <p:nvGrpSpPr>
+        <p:cNvPr id="1" name=""/>
+        <p:cNvGrpSpPr/>
+        <p:nvPr/>
+      </p:nvGrpSpPr>
+      <p:grpSpPr>
+        <a:xfrm>
+          <a:off x="0" y="0"/>
+          <a:ext cx="0" cy="0"/>
+          <a:chOff x="0" y="0"/>
+          <a:chExt cx="0" cy="0"/>
+        </a:xfrm>
+      </p:grpSpPr>
+      <p:sp>
+        <p:nvSpPr>
+          <p:cNvPr id="1026" name="Rectangle 2"/>
+          <p:cNvSpPr>
+            <a:spLocks noGrp="1" noChangeArrowheads="1"/>
+          </p:cNvSpPr>
+          <p:nvPr>
+            <p:ph type="title"/>
+          </p:nvPr>
+        </p:nvSpPr>
+        <p:spPr bwMode="auto">
+          <a:xfrm>
+            <a:off x="457200" y="274638"/>
+            <a:ext cx="8229600" cy="791066"/>
+          </a:xfrm>
+          <a:prstGeom prst="rect">
+            <a:avLst/>
+          </a:prstGeom>
+          <a:noFill/>
+          <a:ln>
+            <a:noFill/>
+          </a:ln>
+          <a:extLst>
+            <a:ext uri="{909E8E84-426E-40DD-AFC4-6F175D3DCCD1}">
+              <a14:hiddenFill xmlns:a14="http://schemas.microsoft.com/office/drawing/2010/main">
+                <a:solidFill>
+                  <a:srgbClr val="FFFFFF"/>
+                </a:solidFill>
+              </a14:hiddenFill>
+            </a:ext>
+            <a:ext uri="{91240B29-F687-4F45-9708-019B960494DF}">
+              <a14:hiddenLine xmlns:a14="http://schemas.microsoft.com/office/drawing/2010/main" w="9525">
+                <a:solidFill>
+                  <a:srgbClr val="000000"/>
+                </a:solidFill>
+                <a:miter lim="800000"/>
+                <a:headEnd/>
+                <a:tailEnd/>
+              </a14:hiddenLine>
+            </a:ext>
+          </a:extLst>
+        </p:spPr>
+        <p:txBody>
+          <a:bodyPr vert="horz" wrap="square" lIns="91440" tIns="45720" rIns="91440" bIns="45720" numCol="1" anchor="ctr" anchorCtr="0" compatLnSpc="1">
+            <a:prstTxWarp prst="textNoShape">
+              <a:avLst/>
+            </a:prstTxWarp>
+          </a:bodyPr>
+          <a:lstStyle/>
+          <a:p>
+            <a:pPr lvl="0"/>
+            <a:r>
+              <a:rPr lang="en-US" altLang="en-US"/>
+              <a:t>Click to edit Master title style</a:t>
+            </a:r>
+            <a:endParaRPr lang="en-US" altLang="en-US" dirty="0"/>
+          </a:p>
+        </p:txBody>
+      </p:sp>
+      <p:sp>
+        <p:nvSpPr>
+          <p:cNvPr id="1027" name="Rectangle 3"/>
+          <p:cNvSpPr>
+            <a:spLocks noGrp="1" noChangeArrowheads="1"/>
+          </p:cNvSpPr>
+          <p:nvPr>
+            <p:ph type="body" idx="1"/>
+          </p:nvPr>
+        </p:nvSpPr>
+        <p:spPr bwMode="auto">
+          <a:xfrm>
+            <a:off x="457200" y="1245092"/>
+            <a:ext cx="8229600" cy="5445158"/>
+          </a:xfrm>
+          <a:prstGeom prst="rect">
+            <a:avLst/>
+          </a:prstGeom>
+          <a:noFill/>
+          <a:ln>
+            <a:noFill/>
+          </a:ln>
+          <a:extLst>
+            <a:ext uri="{909E8E84-426E-40DD-AFC4-6F175D3DCCD1}">
+              <a14:hiddenFill xmlns:a14="http://schemas.microsoft.com/office/drawing/2010/main">
+                <a:solidFill>
+                  <a:srgbClr val="FFFFFF"/>
+                </a:solidFill>
+              </a14:hiddenFill>
+            </a:ext>
+            <a:ext uri="{91240B29-F687-4F45-9708-019B960494DF}">
+              <a14:hiddenLine xmlns:a14="http://schemas.microsoft.com/office/drawing/2010/main" w="9525">
+                <a:solidFill>
+                  <a:srgbClr val="000000"/>
+                </a:solidFill>
+                <a:miter lim="800000"/>
+                <a:headEnd/>
+                <a:tailEnd/>
+              </a14:hiddenLine>
+            </a:ext>
+          </a:extLst>
+        </p:spPr>
+        <p:txBody>
+          <a:bodyPr vert="horz" wrap="square" lIns="91440" tIns="45720" rIns="91440" bIns="45720" numCol="1" anchor="t" anchorCtr="0" compatLnSpc="1">
+            <a:prstTxWarp prst="textNoShape">
+              <a:avLst/>
+            </a:prstTxWarp>
+          </a:bodyPr>
+          <a:lstStyle/>
+          <a:p>
+            <a:pPr lvl="0"/>
+            <a:r>
+              <a:rPr lang="en-US" altLang="en-US"/>
+              <a:t>Click to edit Master text styles</a:t>
+            </a:r>
+          </a:p>
+          <a:p>
+            <a:pPr lvl="1"/>
+            <a:r>
+              <a:rPr lang="en-US" altLang="en-US"/>
+              <a:t>Second level</a:t>
+            </a:r>
+          </a:p>
+          <a:p>
+            <a:pPr lvl="2"/>
+            <a:r>
+              <a:rPr lang="en-US" altLang="en-US"/>
+              <a:t>Third level</a:t>
+            </a:r>
+          </a:p>
+          <a:p>
+            <a:pPr lvl="3"/>
+            <a:r>
+              <a:rPr lang="en-US" altLang="en-US"/>
+              <a:t>Fourth level</a:t>
+            </a:r>
+          </a:p>
+          <a:p>
+            <a:pPr lvl="4"/>
+            <a:r>
+              <a:rPr lang="en-US" altLang="en-US"/>
+              <a:t>Fifth level</a:t>
+            </a:r>
+            <a:endParaRPr lang="en-US" altLang="en-US" dirty="0"/>
+          </a:p>
+        </p:txBody>
+      </p:sp>
+      <p:sp>
+        <p:nvSpPr>
+          <p:cNvPr id="4" name="Text Box 6">
+            <a:extLst>
+              <a:ext uri="{FF2B5EF4-FFF2-40B4-BE49-F238E27FC236}">
+                <a16:creationId xmlns:a16="http://schemas.microsoft.com/office/drawing/2014/main" id="{A4C09C33-16AA-4945-A8C4-1FBB7E705417}"/>
+              </a:ext>
+            </a:extLst>
+          </p:cNvPr>
+          <p:cNvSpPr txBox="1">
+            <a:spLocks noChangeArrowheads="1"/>
+          </p:cNvSpPr>
+          <p:nvPr userDrawn="1"/>
+        </p:nvSpPr>
+        <p:spPr bwMode="auto">
+          <a:xfrm>
+            <a:off x="685800" y="6400800"/>
+            <a:ext cx="8229600" cy="369888"/>
+          </a:xfrm>
+          <a:prstGeom prst="rect">
+            <a:avLst/>
+          </a:prstGeom>
+          <a:noFill/>
+          <a:ln w="9525">
+            <a:noFill/>
+            <a:miter lim="800000"/>
+            <a:headEnd/>
+            <a:tailEnd/>
+          </a:ln>
+          <a:effectLst/>
+        </p:spPr>
+        <p:txBody>
+          <a:bodyPr>
+            <a:spAutoFit/>
+          </a:bodyPr>
+          <a:lstStyle>
+            <a:lvl1pPr eaLnBrk="0" hangingPunct="0">
+              <a:defRPr>
+                <a:solidFill>
+                  <a:schemeClr val="tx1"/>
+                </a:solidFill>
+                <a:latin typeface="Arial" charset="0"/>
+              </a:defRPr>
+            </a:lvl1pPr>
+            <a:lvl2pPr marL="742950" indent="-285750" eaLnBrk="0" hangingPunct="0">
+              <a:defRPr>
+                <a:solidFill>
+                  <a:schemeClr val="tx1"/>
+                </a:solidFill>
+                <a:latin typeface="Arial" charset="0"/>
+              </a:defRPr>
+            </a:lvl2pPr>
+            <a:lvl3pPr marL="1143000" indent="-228600" eaLnBrk="0" hangingPunct="0">
+              <a:defRPr>
+                <a:solidFill>
+                  <a:schemeClr val="tx1"/>
+                </a:solidFill>
+                <a:latin typeface="Arial" charset="0"/>
+              </a:defRPr>
+            </a:lvl3pPr>
+            <a:lvl4pPr marL="1600200" indent="-228600" eaLnBrk="0" hangingPunct="0">
+              <a:defRPr>
+                <a:solidFill>
+                  <a:schemeClr val="tx1"/>
+                </a:solidFill>
+                <a:latin typeface="Arial" charset="0"/>
+              </a:defRPr>
+            </a:lvl4pPr>
+            <a:lvl5pPr marL="2057400" indent="-228600" eaLnBrk="0" hangingPunct="0">
+              <a:defRPr>
+                <a:solidFill>
+                  <a:schemeClr val="tx1"/>
+                </a:solidFill>
+                <a:latin typeface="Arial" charset="0"/>
+              </a:defRPr>
+            </a:lvl5pPr>
+            <a:lvl6pPr marL="2514600" indent="-228600" algn="ctr" eaLnBrk="0" fontAlgn="base" hangingPunct="0">
+              <a:spcBef>
+                <a:spcPct val="0"/>
+              </a:spcBef>
+              <a:spcAft>
+                <a:spcPct val="0"/>
+              </a:spcAft>
+              <a:defRPr>
+                <a:solidFill>
+                  <a:schemeClr val="tx1"/>
+                </a:solidFill>
+                <a:latin typeface="Arial" charset="0"/>
+              </a:defRPr>
+            </a:lvl6pPr>
+            <a:lvl7pPr marL="2971800" indent="-228600" algn="ctr" eaLnBrk="0" fontAlgn="base" hangingPunct="0">
+              <a:spcBef>
+                <a:spcPct val="0"/>
+              </a:spcBef>
+              <a:spcAft>
+                <a:spcPct val="0"/>
+              </a:spcAft>
+              <a:defRPr>
+                <a:solidFill>
+                  <a:schemeClr val="tx1"/>
+                </a:solidFill>
+                <a:latin typeface="Arial" charset="0"/>
+              </a:defRPr>
+            </a:lvl7pPr>
+            <a:lvl8pPr marL="3429000" indent="-228600" algn="ctr" eaLnBrk="0" fontAlgn="base" hangingPunct="0">
+              <a:spcBef>
+                <a:spcPct val="0"/>
+              </a:spcBef>
+              <a:spcAft>
+                <a:spcPct val="0"/>
+              </a:spcAft>
+              <a:defRPr>
+                <a:solidFill>
+                  <a:schemeClr val="tx1"/>
+                </a:solidFill>
+                <a:latin typeface="Arial" charset="0"/>
+              </a:defRPr>
+            </a:lvl8pPr>
+            <a:lvl9pPr marL="3886200" indent="-228600" algn="ctr" eaLnBrk="0" fontAlgn="base" hangingPunct="0">
+              <a:spcBef>
+                <a:spcPct val="0"/>
+              </a:spcBef>
+              <a:spcAft>
+                <a:spcPct val="0"/>
+              </a:spcAft>
+              <a:defRPr>
+                <a:solidFill>
+                  <a:schemeClr val="tx1"/>
+                </a:solidFill>
+                <a:latin typeface="Arial" charset="0"/>
+              </a:defRPr>
+            </a:lvl9pPr>
+          </a:lstStyle>
+          <a:p>
+            <a:pPr algn="ctr" eaLnBrk="1" hangingPunct="1">
+              <a:spcBef>
+                <a:spcPct val="50000"/>
+              </a:spcBef>
+              <a:defRPr/>
+            </a:pPr>
+            <a:r>
+              <a:rPr lang="en-US" sz="900" i="1" dirty="0">
+                <a:solidFill>
+                  <a:prstClr val="black"/>
+                </a:solidFill>
+              </a:rPr>
+              <a:t>JAVA: An Introduction to Problem Solving &amp; Programming, 6</a:t>
+            </a:r>
+            <a:r>
+              <a:rPr lang="en-US" sz="900" baseline="30000" dirty="0">
+                <a:solidFill>
+                  <a:prstClr val="black"/>
+                </a:solidFill>
+              </a:rPr>
+              <a:t>th</a:t>
+            </a:r>
+            <a:r>
+              <a:rPr lang="en-US" sz="900" dirty="0">
+                <a:solidFill>
+                  <a:prstClr val="black"/>
+                </a:solidFill>
+              </a:rPr>
+              <a:t> Ed. By Walter </a:t>
+            </a:r>
+            <a:r>
+              <a:rPr lang="en-US" sz="900" dirty="0" err="1">
+                <a:solidFill>
+                  <a:prstClr val="black"/>
+                </a:solidFill>
+              </a:rPr>
+              <a:t>Savitch</a:t>
+            </a:r>
+            <a:br>
+              <a:rPr lang="en-US" sz="900" dirty="0">
+                <a:solidFill>
+                  <a:prstClr val="black"/>
+                </a:solidFill>
+              </a:rPr>
+            </a:br>
+            <a:r>
+              <a:rPr lang="en-US" sz="900" dirty="0">
+                <a:solidFill>
+                  <a:prstClr val="black"/>
+                </a:solidFill>
+              </a:rPr>
+              <a:t>ISBN 0132162709</a:t>
+            </a:r>
+            <a:r>
+              <a:rPr lang="en-US" sz="900" dirty="0">
+                <a:solidFill>
+                  <a:prstClr val="black"/>
+                </a:solidFill>
+                <a:cs typeface="Arial" charset="0"/>
+              </a:rPr>
+              <a:t> © 2012 Pearson Education, Inc., Upper Saddle River, NJ. All Rights Reserved</a:t>
+            </a:r>
+          </a:p>
+        </p:txBody>
+      </p:sp>
+    </p:spTree>
+    <p:extLst>
+      <p:ext uri="{BB962C8B-B14F-4D97-AF65-F5344CB8AC3E}">
+        <p14:creationId xmlns:p14="http://schemas.microsoft.com/office/powerpoint/2010/main" val="2566693780"/>
+      </p:ext>
+    </p:extLst>
+  </p:cSld>
+  <p:clrMap bg1="lt1" tx1="dk1" bg2="lt2" tx2="dk2" accent1="accent1" accent2="accent2" accent3="accent3" accent4="accent4" accent5="accent5" accent6="accent6" hlink="hlink" folHlink="folHlink"/>
+  <p:sldLayoutIdLst>
+    <p:sldLayoutId id="2147483914" r:id="rId1"/>
+    <p:sldLayoutId id="2147483915" r:id="rId2"/>
+    <p:sldLayoutId id="2147483916" r:id="rId3"/>
+    <p:sldLayoutId id="2147483917" r:id="rId4"/>
+    <p:sldLayoutId id="2147483918" r:id="rId5"/>
+  </p:sldLayoutIdLst>
+  <p:txStyles>
+    <p:titleStyle>
+      <a:lvl1pPr algn="ctr" rtl="0" eaLnBrk="1" fontAlgn="base" hangingPunct="1">
+        <a:spcBef>
+          <a:spcPct val="0"/>
+        </a:spcBef>
+        <a:spcAft>
+          <a:spcPct val="0"/>
+        </a:spcAft>
+        <a:defRPr sz="4400" b="1">
+          <a:solidFill>
+            <a:srgbClr val="4C8BF5"/>
+          </a:solidFill>
+          <a:latin typeface="Roboto" panose="02000000000000000000" pitchFamily="2" charset="0"/>
+          <a:ea typeface="Roboto" panose="02000000000000000000" pitchFamily="2" charset="0"/>
+          <a:cs typeface="Raavi" panose="020B0502040204020203" pitchFamily="34" charset="0"/>
+        </a:defRPr>
+      </a:lvl1pPr>
+      <a:lvl2pPr algn="ctr" rtl="0" eaLnBrk="1" fontAlgn="base" hangingPunct="1">
+        <a:spcBef>
+          <a:spcPct val="0"/>
+        </a:spcBef>
+        <a:spcAft>
+          <a:spcPct val="0"/>
+        </a:spcAft>
+        <a:defRPr sz="4400">
+          <a:solidFill>
+            <a:schemeClr val="tx2"/>
+          </a:solidFill>
+          <a:latin typeface="Arial" charset="0"/>
+        </a:defRPr>
+      </a:lvl2pPr>
+      <a:lvl3pPr algn="ctr" rtl="0" eaLnBrk="1" fontAlgn="base" hangingPunct="1">
+        <a:spcBef>
+          <a:spcPct val="0"/>
+        </a:spcBef>
+        <a:spcAft>
+          <a:spcPct val="0"/>
+        </a:spcAft>
+        <a:defRPr sz="4400">
+          <a:solidFill>
+            <a:schemeClr val="tx2"/>
+          </a:solidFill>
+          <a:latin typeface="Arial" charset="0"/>
+        </a:defRPr>
+      </a:lvl3pPr>
+      <a:lvl4pPr algn="ctr" rtl="0" eaLnBrk="1" fontAlgn="base" hangingPunct="1">
+        <a:spcBef>
+          <a:spcPct val="0"/>
+        </a:spcBef>
+        <a:spcAft>
+          <a:spcPct val="0"/>
+        </a:spcAft>
+        <a:defRPr sz="4400">
+          <a:solidFill>
+            <a:schemeClr val="tx2"/>
+          </a:solidFill>
+          <a:latin typeface="Arial" charset="0"/>
+        </a:defRPr>
+      </a:lvl4pPr>
+      <a:lvl5pPr algn="ctr" rtl="0" eaLnBrk="1" fontAlgn="base" hangingPunct="1">
+        <a:spcBef>
+          <a:spcPct val="0"/>
+        </a:spcBef>
+        <a:spcAft>
+          <a:spcPct val="0"/>
+        </a:spcAft>
+        <a:defRPr sz="4400">
+          <a:solidFill>
+            <a:schemeClr val="tx2"/>
+          </a:solidFill>
+          <a:latin typeface="Arial" charset="0"/>
+        </a:defRPr>
+      </a:lvl5pPr>
+      <a:lvl6pPr marL="457200" algn="ctr" rtl="0" eaLnBrk="1" fontAlgn="base" hangingPunct="1">
+        <a:spcBef>
+          <a:spcPct val="0"/>
+        </a:spcBef>
+        <a:spcAft>
+          <a:spcPct val="0"/>
+        </a:spcAft>
+        <a:defRPr sz="4400">
+          <a:solidFill>
+            <a:schemeClr val="tx2"/>
+          </a:solidFill>
+          <a:latin typeface="Arial" charset="0"/>
+        </a:defRPr>
+      </a:lvl6pPr>
+      <a:lvl7pPr marL="914400" algn="ctr" rtl="0" eaLnBrk="1" fontAlgn="base" hangingPunct="1">
+        <a:spcBef>
+          <a:spcPct val="0"/>
+        </a:spcBef>
+        <a:spcAft>
+          <a:spcPct val="0"/>
+        </a:spcAft>
+        <a:defRPr sz="4400">
+          <a:solidFill>
+            <a:schemeClr val="tx2"/>
+          </a:solidFill>
+          <a:latin typeface="Arial" charset="0"/>
+        </a:defRPr>
+      </a:lvl7pPr>
+      <a:lvl8pPr marL="1371600" algn="ctr" rtl="0" eaLnBrk="1" fontAlgn="base" hangingPunct="1">
+        <a:spcBef>
+          <a:spcPct val="0"/>
+        </a:spcBef>
+        <a:spcAft>
+          <a:spcPct val="0"/>
+        </a:spcAft>
+        <a:defRPr sz="4400">
+          <a:solidFill>
+            <a:schemeClr val="tx2"/>
+          </a:solidFill>
+          <a:latin typeface="Arial" charset="0"/>
+        </a:defRPr>
+      </a:lvl8pPr>
+      <a:lvl9pPr marL="1828800" algn="ctr" rtl="0" eaLnBrk="1" fontAlgn="base" hangingPunct="1">
+        <a:spcBef>
+          <a:spcPct val="0"/>
+        </a:spcBef>
+        <a:spcAft>
+          <a:spcPct val="0"/>
+        </a:spcAft>
+        <a:defRPr sz="4400">
+          <a:solidFill>
+            <a:schemeClr val="tx2"/>
+          </a:solidFill>
+          <a:latin typeface="Arial" charset="0"/>
+        </a:defRPr>
+      </a:lvl9pPr>
+    </p:titleStyle>
+    <p:bodyStyle>
+      <a:lvl1pPr marL="0" indent="0" algn="l" rtl="0" eaLnBrk="1" fontAlgn="base" hangingPunct="1">
+        <a:spcBef>
+          <a:spcPct val="20000"/>
+        </a:spcBef>
+        <a:spcAft>
+          <a:spcPct val="0"/>
+        </a:spcAft>
+        <a:buNone/>
+        <a:defRPr sz="3200">
+          <a:solidFill>
+            <a:schemeClr val="tx1"/>
+          </a:solidFill>
+          <a:latin typeface="Roboto" panose="02000000000000000000" pitchFamily="2" charset="0"/>
+          <a:ea typeface="Roboto" panose="02000000000000000000" pitchFamily="2" charset="0"/>
+          <a:cs typeface="+mn-cs"/>
+        </a:defRPr>
+      </a:lvl1pPr>
+      <a:lvl2pPr marL="742950" indent="-285750" algn="l" rtl="0" eaLnBrk="1" fontAlgn="base" hangingPunct="1">
+        <a:spcBef>
+          <a:spcPct val="20000"/>
+        </a:spcBef>
+        <a:spcAft>
+          <a:spcPct val="0"/>
+        </a:spcAft>
+        <a:buSzPct val="90000"/>
+        <a:buFont typeface="Wingdings" panose="05000000000000000000" pitchFamily="2" charset="2"/>
+        <a:buChar char="§"/>
+        <a:defRPr sz="2800">
+          <a:solidFill>
+            <a:schemeClr val="tx1"/>
+          </a:solidFill>
+          <a:latin typeface="Roboto" panose="02000000000000000000" pitchFamily="2" charset="0"/>
+          <a:ea typeface="Roboto" panose="02000000000000000000" pitchFamily="2" charset="0"/>
+        </a:defRPr>
+      </a:lvl2pPr>
+      <a:lvl3pPr marL="1143000" indent="-228600" algn="l" rtl="0" eaLnBrk="1" fontAlgn="base" hangingPunct="1">
+        <a:spcBef>
+          <a:spcPct val="20000"/>
+        </a:spcBef>
+        <a:spcAft>
+          <a:spcPct val="0"/>
+        </a:spcAft>
+        <a:buChar char="•"/>
+        <a:defRPr sz="2400">
+          <a:solidFill>
+            <a:schemeClr val="tx1"/>
+          </a:solidFill>
+          <a:latin typeface="Roboto" panose="02000000000000000000" pitchFamily="2" charset="0"/>
+          <a:ea typeface="Roboto" panose="02000000000000000000" pitchFamily="2" charset="0"/>
+        </a:defRPr>
+      </a:lvl3pPr>
+      <a:lvl4pPr marL="1600200" indent="-228600" algn="l" rtl="0" eaLnBrk="1" fontAlgn="base" hangingPunct="1">
+        <a:spcBef>
+          <a:spcPct val="20000"/>
+        </a:spcBef>
+        <a:spcAft>
+          <a:spcPct val="0"/>
+        </a:spcAft>
+        <a:buChar char="–"/>
+        <a:defRPr sz="2000">
+          <a:solidFill>
+            <a:schemeClr val="tx1"/>
+          </a:solidFill>
+          <a:latin typeface="Roboto" panose="02000000000000000000" pitchFamily="2" charset="0"/>
+          <a:ea typeface="Roboto" panose="02000000000000000000" pitchFamily="2" charset="0"/>
+        </a:defRPr>
+      </a:lvl4pPr>
+      <a:lvl5pPr marL="2057400" indent="-228600" algn="l" rtl="0" eaLnBrk="1" fontAlgn="base" hangingPunct="1">
+        <a:spcBef>
+          <a:spcPct val="20000"/>
+        </a:spcBef>
+        <a:spcAft>
+          <a:spcPct val="0"/>
+        </a:spcAft>
+        <a:buChar char="»"/>
+        <a:defRPr sz="2000">
+          <a:solidFill>
+            <a:schemeClr val="tx1"/>
+          </a:solidFill>
+          <a:latin typeface="Roboto" panose="02000000000000000000" pitchFamily="2" charset="0"/>
+          <a:ea typeface="Roboto" panose="02000000000000000000" pitchFamily="2" charset="0"/>
+        </a:defRPr>
+      </a:lvl5pPr>
+      <a:lvl6pPr marL="2514600" indent="-228600" algn="l" rtl="0" eaLnBrk="1" fontAlgn="base" hangingPunct="1">
+        <a:spcBef>
+          <a:spcPct val="20000"/>
+        </a:spcBef>
+        <a:spcAft>
+          <a:spcPct val="0"/>
+        </a:spcAft>
+        <a:buChar char="»"/>
+        <a:defRPr sz="2000">
+          <a:solidFill>
+            <a:schemeClr val="tx1"/>
+          </a:solidFill>
+          <a:latin typeface="+mn-lt"/>
+        </a:defRPr>
+      </a:lvl6pPr>
+      <a:lvl7pPr marL="2971800" indent="-228600" algn="l" rtl="0" eaLnBrk="1" fontAlgn="base" hangingPunct="1">
+        <a:spcBef>
+          <a:spcPct val="20000"/>
+        </a:spcBef>
+        <a:spcAft>
+          <a:spcPct val="0"/>
+        </a:spcAft>
+        <a:buChar char="»"/>
+        <a:defRPr sz="2000">
+          <a:solidFill>
+            <a:schemeClr val="tx1"/>
+          </a:solidFill>
+          <a:latin typeface="+mn-lt"/>
+        </a:defRPr>
+      </a:lvl7pPr>
+      <a:lvl8pPr marL="3429000" indent="-228600" algn="l" rtl="0" eaLnBrk="1" fontAlgn="base" hangingPunct="1">
+        <a:spcBef>
+          <a:spcPct val="20000"/>
+        </a:spcBef>
+        <a:spcAft>
+          <a:spcPct val="0"/>
+        </a:spcAft>
+        <a:buChar char="»"/>
+        <a:defRPr sz="2000">
+          <a:solidFill>
+            <a:schemeClr val="tx1"/>
+          </a:solidFill>
+          <a:latin typeface="+mn-lt"/>
+        </a:defRPr>
+      </a:lvl8pPr>
+      <a:lvl9pPr marL="3886200" indent="-228600" algn="l" rtl="0" eaLnBrk="1" fontAlgn="base" hangingPunct="1">
+        <a:spcBef>
+          <a:spcPct val="20000"/>
+        </a:spcBef>
+        <a:spcAft>
+          <a:spcPct val="0"/>
+        </a:spcAft>
+        <a:buChar char="»"/>
+        <a:defRPr sz="2000">
+          <a:solidFill>
+            <a:schemeClr val="tx1"/>
+          </a:solidFill>
+          <a:latin typeface="+mn-lt"/>
+        </a:defRPr>
+      </a:lvl9pPr>
+    </p:bodyStyle>
+    <p:otherStyle>
+      <a:defPPr>
+        <a:defRPr lang="en-US"/>
+      </a:defPPr>
+      <a:lvl1pPr marL="0" algn="l" defTabSz="914400" rtl="0" eaLnBrk="1" latinLnBrk="0" hangingPunct="1">
+        <a:defRPr sz="1800" kern="1200">
+          <a:solidFill>
+            <a:schemeClr val="tx1"/>
+          </a:solidFill>
+          <a:latin typeface="+mn-lt"/>
+          <a:ea typeface="+mn-ea"/>
+          <a:cs typeface="+mn-cs"/>
+        </a:defRPr>
+      </a:lvl1pPr>
+      <a:lvl2pPr marL="457200" algn="l" defTabSz="914400" rtl="0" eaLnBrk="1" latinLnBrk="0" hangingPunct="1">
+        <a:defRPr sz="1800" kern="1200">
+          <a:solidFill>
+            <a:schemeClr val="tx1"/>
+          </a:solidFill>
+          <a:latin typeface="+mn-lt"/>
+          <a:ea typeface="+mn-ea"/>
+          <a:cs typeface="+mn-cs"/>
+        </a:defRPr>
+      </a:lvl2pPr>
+      <a:lvl3pPr marL="914400" algn="l" defTabSz="914400" rtl="0" eaLnBrk="1" latinLnBrk="0" hangingPunct="1">
+        <a:defRPr sz="1800" kern="1200">
+          <a:solidFill>
+            <a:schemeClr val="tx1"/>
+          </a:solidFill>
+          <a:latin typeface="+mn-lt"/>
+          <a:ea typeface="+mn-ea"/>
+          <a:cs typeface="+mn-cs"/>
+        </a:defRPr>
+      </a:lvl3pPr>
+      <a:lvl4pPr marL="1371600" algn="l" defTabSz="914400" rtl="0" eaLnBrk="1" latinLnBrk="0" hangingPunct="1">
+        <a:defRPr sz="1800" kern="1200">
+          <a:solidFill>
+            <a:schemeClr val="tx1"/>
+          </a:solidFill>
+          <a:latin typeface="+mn-lt"/>
+          <a:ea typeface="+mn-ea"/>
+          <a:cs typeface="+mn-cs"/>
+        </a:defRPr>
+      </a:lvl4pPr>
+      <a:lvl5pPr marL="1828800" algn="l" defTabSz="914400" rtl="0" eaLnBrk="1" latinLnBrk="0" hangingPunct="1">
+        <a:defRPr sz="1800" kern="1200">
+          <a:solidFill>
+            <a:schemeClr val="tx1"/>
+          </a:solidFill>
+          <a:latin typeface="+mn-lt"/>
+          <a:ea typeface="+mn-ea"/>
+          <a:cs typeface="+mn-cs"/>
+        </a:defRPr>
+      </a:lvl5pPr>
+      <a:lvl6pPr marL="2286000" algn="l" defTabSz="914400" rtl="0" eaLnBrk="1" latinLnBrk="0" hangingPunct="1">
+        <a:defRPr sz="1800" kern="1200">
+          <a:solidFill>
+            <a:schemeClr val="tx1"/>
+          </a:solidFill>
+          <a:latin typeface="+mn-lt"/>
+          <a:ea typeface="+mn-ea"/>
+          <a:cs typeface="+mn-cs"/>
+        </a:defRPr>
+      </a:lvl6pPr>
+      <a:lvl7pPr marL="2743200" algn="l" defTabSz="914400" rtl="0" eaLnBrk="1" latinLnBrk="0" hangingPunct="1">
+        <a:defRPr sz="1800" kern="1200">
+          <a:solidFill>
+            <a:schemeClr val="tx1"/>
+          </a:solidFill>
+          <a:latin typeface="+mn-lt"/>
+          <a:ea typeface="+mn-ea"/>
+          <a:cs typeface="+mn-cs"/>
+        </a:defRPr>
+      </a:lvl7pPr>
+      <a:lvl8pPr marL="3200400" algn="l" defTabSz="914400" rtl="0" eaLnBrk="1" latinLnBrk="0" hangingPunct="1">
+        <a:defRPr sz="1800" kern="1200">
+          <a:solidFill>
+            <a:schemeClr val="tx1"/>
+          </a:solidFill>
+          <a:latin typeface="+mn-lt"/>
+          <a:ea typeface="+mn-ea"/>
+          <a:cs typeface="+mn-cs"/>
+        </a:defRPr>
+      </a:lvl8pPr>
+      <a:lvl9pPr marL="3657600" algn="l" defTabSz="914400" rtl="0" eaLnBrk="1" latinLnBrk="0" hangingPunct="1">
+        <a:defRPr sz="1800" kern="1200">
+          <a:solidFill>
+            <a:schemeClr val="tx1"/>
+          </a:solidFill>
+          <a:latin typeface="+mn-lt"/>
+          <a:ea typeface="+mn-ea"/>
+          <a:cs typeface="+mn-cs"/>
+        </a:defRPr>
+      </a:lvl9pPr>
+    </p:otherStyle>
+  </p:txStyles>
+</p:sldMaster>
+</file>
+
 <file path=ppt/slides/slide1.xml><?xml version="1.0" encoding="utf-8"?>
 <p:sld xmlns:a="http://schemas.openxmlformats.org/drawingml/2006/main" xmlns:r="http://schemas.openxmlformats.org/officeDocument/2006/relationships" xmlns:p="http://schemas.openxmlformats.org/presentationml/2006/main">
   <p:cSld>
@@ -3881,9 +5187,17 @@
           <a:p>
             <a:pPr eaLnBrk="1" hangingPunct="1"/>
             <a:r>
-              <a:rPr lang="en-US" altLang="en-US"/>
-              <a:t>Chapter 7</a:t>
-            </a:r>
+              <a:rPr lang="es-MX" altLang="en-US" b="1" dirty="0"/>
+              <a:t>Módulo 2</a:t>
+            </a:r>
+          </a:p>
+          <a:p>
+            <a:pPr eaLnBrk="1" hangingPunct="1"/>
+            <a:r>
+              <a:rPr lang="es-MX" altLang="en-US" dirty="0"/>
+              <a:t>Capítulo 7</a:t>
+            </a:r>
+            <a:endParaRPr lang="en-US" altLang="en-US" dirty="0"/>
           </a:p>
         </p:txBody>
       </p:sp>
@@ -3896,6 +5210,219 @@
 </file>
 
 <file path=ppt/slides/slide10.xml><?xml version="1.0" encoding="utf-8"?>
+<p:sld xmlns:a="http://schemas.openxmlformats.org/drawingml/2006/main" xmlns:r="http://schemas.openxmlformats.org/officeDocument/2006/relationships" xmlns:p="http://schemas.openxmlformats.org/presentationml/2006/main">
+  <p:cSld>
+    <p:spTree>
+      <p:nvGrpSpPr>
+        <p:cNvPr id="1" name=""/>
+        <p:cNvGrpSpPr/>
+        <p:nvPr/>
+      </p:nvGrpSpPr>
+      <p:grpSpPr>
+        <a:xfrm>
+          <a:off x="0" y="0"/>
+          <a:ext cx="0" cy="0"/>
+          <a:chOff x="0" y="0"/>
+          <a:chExt cx="0" cy="0"/>
+        </a:xfrm>
+      </p:grpSpPr>
+      <p:sp>
+        <p:nvSpPr>
+          <p:cNvPr id="2" name="Title 1">
+            <a:extLst>
+              <a:ext uri="{FF2B5EF4-FFF2-40B4-BE49-F238E27FC236}">
+                <a16:creationId xmlns:a16="http://schemas.microsoft.com/office/drawing/2014/main" id="{44920252-09A0-4871-A977-DEA3C237BE3C}"/>
+              </a:ext>
+            </a:extLst>
+          </p:cNvPr>
+          <p:cNvSpPr>
+            <a:spLocks noGrp="1"/>
+          </p:cNvSpPr>
+          <p:nvPr>
+            <p:ph type="title"/>
+          </p:nvPr>
+        </p:nvSpPr>
+        <p:spPr/>
+        <p:txBody>
+          <a:bodyPr/>
+          <a:lstStyle/>
+          <a:p>
+            <a:r>
+              <a:rPr lang="en-US" dirty="0" err="1"/>
+              <a:t>Algoritmos</a:t>
+            </a:r>
+            <a:r>
+              <a:rPr lang="en-US" dirty="0"/>
+              <a:t> de </a:t>
+            </a:r>
+            <a:r>
+              <a:rPr lang="en-US" dirty="0" err="1"/>
+              <a:t>Ordenamiento</a:t>
+            </a:r>
+            <a:endParaRPr lang="en-US" dirty="0"/>
+          </a:p>
+        </p:txBody>
+      </p:sp>
+      <p:sp>
+        <p:nvSpPr>
+          <p:cNvPr id="3" name="Content Placeholder 2">
+            <a:extLst>
+              <a:ext uri="{FF2B5EF4-FFF2-40B4-BE49-F238E27FC236}">
+                <a16:creationId xmlns:a16="http://schemas.microsoft.com/office/drawing/2014/main" id="{9217543E-42DE-4E60-AB50-B453996D7534}"/>
+              </a:ext>
+            </a:extLst>
+          </p:cNvPr>
+          <p:cNvSpPr>
+            <a:spLocks noGrp="1"/>
+          </p:cNvSpPr>
+          <p:nvPr>
+            <p:ph idx="1"/>
+          </p:nvPr>
+        </p:nvSpPr>
+        <p:spPr/>
+        <p:txBody>
+          <a:bodyPr/>
+          <a:lstStyle/>
+          <a:p>
+            <a:pPr eaLnBrk="1" hangingPunct="1"/>
+            <a:r>
+              <a:rPr lang="en-US" altLang="en-US" dirty="0"/>
+              <a:t>Un </a:t>
+            </a:r>
+            <a:r>
+              <a:rPr lang="en-US" altLang="en-US" dirty="0" err="1"/>
+              <a:t>algoritmo</a:t>
+            </a:r>
+            <a:r>
+              <a:rPr lang="en-US" altLang="en-US" dirty="0"/>
+              <a:t> de </a:t>
+            </a:r>
+            <a:r>
+              <a:rPr lang="en-US" altLang="en-US" dirty="0" err="1"/>
+              <a:t>ordenamiento</a:t>
+            </a:r>
+            <a:r>
+              <a:rPr lang="en-US" altLang="en-US" dirty="0"/>
+              <a:t> se </a:t>
+            </a:r>
+            <a:r>
+              <a:rPr lang="en-US" altLang="en-US" dirty="0" err="1"/>
+              <a:t>utiliza</a:t>
+            </a:r>
+            <a:r>
+              <a:rPr lang="en-US" altLang="en-US" dirty="0"/>
+              <a:t> para </a:t>
+            </a:r>
+            <a:r>
+              <a:rPr lang="en-US" altLang="en-US" dirty="0" err="1"/>
+              <a:t>reacomodar</a:t>
+            </a:r>
+            <a:r>
+              <a:rPr lang="en-US" altLang="en-US" dirty="0"/>
+              <a:t> un </a:t>
+            </a:r>
+            <a:r>
+              <a:rPr lang="en-US" altLang="en-US" dirty="0" err="1"/>
+              <a:t>arreglo</a:t>
+            </a:r>
+            <a:r>
+              <a:rPr lang="en-US" altLang="en-US" dirty="0"/>
+              <a:t> o </a:t>
+            </a:r>
+            <a:r>
+              <a:rPr lang="en-US" altLang="en-US" dirty="0" err="1"/>
+              <a:t>lista</a:t>
+            </a:r>
+            <a:r>
+              <a:rPr lang="en-US" altLang="en-US" dirty="0"/>
+              <a:t> de </a:t>
+            </a:r>
+            <a:r>
+              <a:rPr lang="en-US" altLang="en-US" dirty="0" err="1"/>
+              <a:t>acuerdo</a:t>
+            </a:r>
+            <a:r>
+              <a:rPr lang="en-US" altLang="en-US" dirty="0"/>
+              <a:t> a una </a:t>
+            </a:r>
+            <a:r>
+              <a:rPr lang="en-US" altLang="en-US" dirty="0" err="1"/>
+              <a:t>comparación</a:t>
+            </a:r>
+            <a:r>
+              <a:rPr lang="en-US" altLang="en-US" dirty="0"/>
+              <a:t> </a:t>
+            </a:r>
+            <a:r>
+              <a:rPr lang="en-US" altLang="en-US" dirty="0" err="1"/>
+              <a:t>interna</a:t>
+            </a:r>
+            <a:r>
+              <a:rPr lang="en-US" altLang="en-US" dirty="0"/>
+              <a:t> de los </a:t>
+            </a:r>
+            <a:r>
+              <a:rPr lang="en-US" altLang="en-US" dirty="0" err="1"/>
+              <a:t>elementos</a:t>
+            </a:r>
+            <a:r>
+              <a:rPr lang="en-US" altLang="en-US" dirty="0"/>
+              <a:t>. </a:t>
+            </a:r>
+            <a:r>
+              <a:rPr lang="en-US" altLang="en-US" dirty="0" err="1"/>
+              <a:t>Ejemplo</a:t>
+            </a:r>
+            <a:r>
+              <a:rPr lang="en-US" altLang="en-US" dirty="0"/>
+              <a:t>:</a:t>
+            </a:r>
+          </a:p>
+          <a:p>
+            <a:pPr lvl="1" eaLnBrk="1" hangingPunct="1"/>
+            <a:r>
+              <a:rPr lang="es-MX" altLang="en-US" dirty="0"/>
+              <a:t>Ordenar de mayor a menor</a:t>
+            </a:r>
+          </a:p>
+          <a:p>
+            <a:pPr lvl="1" eaLnBrk="1" hangingPunct="1"/>
+            <a:r>
+              <a:rPr lang="es-MX" altLang="en-US" dirty="0"/>
+              <a:t>Ordenar alfabéticamente</a:t>
+            </a:r>
+          </a:p>
+          <a:p>
+            <a:pPr lvl="1" eaLnBrk="1" hangingPunct="1"/>
+            <a:r>
+              <a:rPr lang="es-MX" altLang="en-US" dirty="0"/>
+              <a:t>Ordenar por fecha</a:t>
+            </a:r>
+          </a:p>
+          <a:p>
+            <a:pPr lvl="1" eaLnBrk="1" hangingPunct="1"/>
+            <a:r>
+              <a:rPr lang="es-MX" altLang="en-US" dirty="0"/>
+              <a:t>Ordenar por valor absoluto</a:t>
+            </a:r>
+            <a:endParaRPr lang="en-US" altLang="en-US" dirty="0"/>
+          </a:p>
+        </p:txBody>
+      </p:sp>
+    </p:spTree>
+    <p:extLst>
+      <p:ext uri="{BB962C8B-B14F-4D97-AF65-F5344CB8AC3E}">
+        <p14:creationId xmlns:p14="http://schemas.microsoft.com/office/powerpoint/2010/main" val="3659874292"/>
+      </p:ext>
+    </p:extLst>
+  </p:cSld>
+  <p:clrMapOvr>
+    <a:masterClrMapping/>
+  </p:clrMapOvr>
+</p:sld>
+</file>
+
+<file path=ppt/slides/slide11.xml><?xml version="1.0" encoding="utf-8"?>
 <p:sld xmlns:a="http://schemas.openxmlformats.org/drawingml/2006/main" xmlns:r="http://schemas.openxmlformats.org/officeDocument/2006/relationships" xmlns:p="http://schemas.openxmlformats.org/presentationml/2006/main">
   <p:cSld>
     <p:spTree>
@@ -3990,7 +5517,7 @@
 </p:sld>
 </file>
 
-<file path=ppt/slides/slide11.xml><?xml version="1.0" encoding="utf-8"?>
+<file path=ppt/slides/slide12.xml><?xml version="1.0" encoding="utf-8"?>
 <p:sld xmlns:a="http://schemas.openxmlformats.org/drawingml/2006/main" xmlns:r="http://schemas.openxmlformats.org/officeDocument/2006/relationships" xmlns:p="http://schemas.openxmlformats.org/presentationml/2006/main">
   <p:cSld>
     <p:spTree>
@@ -4115,7 +5642,7 @@
 </p:sld>
 </file>
 
-<file path=ppt/slides/slide12.xml><?xml version="1.0" encoding="utf-8"?>
+<file path=ppt/slides/slide13.xml><?xml version="1.0" encoding="utf-8"?>
 <p:sld xmlns:a="http://schemas.openxmlformats.org/drawingml/2006/main" xmlns:r="http://schemas.openxmlformats.org/officeDocument/2006/relationships" xmlns:p="http://schemas.openxmlformats.org/presentationml/2006/main">
   <p:cSld>
     <p:spTree>
@@ -4423,7 +5950,7 @@
 </p:sld>
 </file>
 
-<file path=ppt/slides/slide13.xml><?xml version="1.0" encoding="utf-8"?>
+<file path=ppt/slides/slide14.xml><?xml version="1.0" encoding="utf-8"?>
 <p:sld xmlns:a="http://schemas.openxmlformats.org/drawingml/2006/main" xmlns:r="http://schemas.openxmlformats.org/officeDocument/2006/relationships" xmlns:p="http://schemas.openxmlformats.org/presentationml/2006/main">
   <p:cSld>
     <p:spTree>
@@ -4500,7 +6027,7 @@
 </p:sld>
 </file>
 
-<file path=ppt/slides/slide14.xml><?xml version="1.0" encoding="utf-8"?>
+<file path=ppt/slides/slide15.xml><?xml version="1.0" encoding="utf-8"?>
 <p:sld xmlns:a="http://schemas.openxmlformats.org/drawingml/2006/main" xmlns:r="http://schemas.openxmlformats.org/officeDocument/2006/relationships" xmlns:p="http://schemas.openxmlformats.org/presentationml/2006/main">
   <p:cSld>
     <p:spTree>
@@ -4577,7 +6104,7 @@
 </p:sld>
 </file>
 
-<file path=ppt/slides/slide15.xml><?xml version="1.0" encoding="utf-8"?>
+<file path=ppt/slides/slide16.xml><?xml version="1.0" encoding="utf-8"?>
 <p:sld xmlns:a="http://schemas.openxmlformats.org/drawingml/2006/main" xmlns:r="http://schemas.openxmlformats.org/officeDocument/2006/relationships" xmlns:p="http://schemas.openxmlformats.org/presentationml/2006/main">
   <p:cSld>
     <p:spTree>
@@ -7174,7 +8701,7 @@
 </p:sld>
 </file>
 
-<file path=ppt/slides/slide16.xml><?xml version="1.0" encoding="utf-8"?>
+<file path=ppt/slides/slide17.xml><?xml version="1.0" encoding="utf-8"?>
 <p:sld xmlns:a="http://schemas.openxmlformats.org/drawingml/2006/main" xmlns:r="http://schemas.openxmlformats.org/officeDocument/2006/relationships" xmlns:p="http://schemas.openxmlformats.org/presentationml/2006/main">
   <p:cSld>
     <p:spTree>
@@ -7284,488 +8811,6 @@
     <p:extLst>
       <p:ext uri="{BB962C8B-B14F-4D97-AF65-F5344CB8AC3E}">
         <p14:creationId xmlns:p14="http://schemas.microsoft.com/office/powerpoint/2010/main" val="2306424637"/>
-      </p:ext>
-    </p:extLst>
-  </p:cSld>
-  <p:clrMapOvr>
-    <a:masterClrMapping/>
-  </p:clrMapOvr>
-</p:sld>
-</file>
-
-<file path=ppt/slides/slide17.xml><?xml version="1.0" encoding="utf-8"?>
-<p:sld xmlns:a="http://schemas.openxmlformats.org/drawingml/2006/main" xmlns:r="http://schemas.openxmlformats.org/officeDocument/2006/relationships" xmlns:p="http://schemas.openxmlformats.org/presentationml/2006/main">
-  <p:cSld>
-    <p:spTree>
-      <p:nvGrpSpPr>
-        <p:cNvPr id="1" name=""/>
-        <p:cNvGrpSpPr/>
-        <p:nvPr/>
-      </p:nvGrpSpPr>
-      <p:grpSpPr>
-        <a:xfrm>
-          <a:off x="0" y="0"/>
-          <a:ext cx="0" cy="0"/>
-          <a:chOff x="0" y="0"/>
-          <a:chExt cx="0" cy="0"/>
-        </a:xfrm>
-      </p:grpSpPr>
-      <p:sp>
-        <p:nvSpPr>
-          <p:cNvPr id="2" name="Title 1"/>
-          <p:cNvSpPr>
-            <a:spLocks noGrp="1"/>
-          </p:cNvSpPr>
-          <p:nvPr>
-            <p:ph type="title"/>
-          </p:nvPr>
-        </p:nvSpPr>
-        <p:spPr>
-          <a:xfrm>
-            <a:off x="457200" y="248759"/>
-            <a:ext cx="8229600" cy="553498"/>
-          </a:xfrm>
-        </p:spPr>
-        <p:txBody>
-          <a:bodyPr/>
-          <a:lstStyle/>
-          <a:p>
-            <a:r>
-              <a:rPr lang="es-MX" dirty="0" err="1"/>
-              <a:t>Bubble</a:t>
-            </a:r>
-            <a:r>
-              <a:rPr lang="es-MX" dirty="0"/>
-              <a:t> </a:t>
-            </a:r>
-            <a:r>
-              <a:rPr lang="es-MX" dirty="0" err="1"/>
-              <a:t>Sort</a:t>
-            </a:r>
-            <a:endParaRPr lang="es-MX" dirty="0"/>
-          </a:p>
-        </p:txBody>
-      </p:sp>
-      <p:sp>
-        <p:nvSpPr>
-          <p:cNvPr id="3" name="Content Placeholder 2"/>
-          <p:cNvSpPr>
-            <a:spLocks noGrp="1"/>
-          </p:cNvSpPr>
-          <p:nvPr>
-            <p:ph idx="1"/>
-          </p:nvPr>
-        </p:nvSpPr>
-        <p:spPr>
-          <a:xfrm>
-            <a:off x="457200" y="1535502"/>
-            <a:ext cx="5106838" cy="698740"/>
-          </a:xfrm>
-        </p:spPr>
-        <p:txBody>
-          <a:bodyPr/>
-          <a:lstStyle/>
-          <a:p>
-            <a:pPr marL="0" indent="0">
-              <a:buNone/>
-            </a:pPr>
-            <a:r>
-              <a:rPr lang="es-MX" dirty="0"/>
-              <a:t>( </a:t>
-            </a:r>
-            <a:r>
-              <a:rPr lang="es-MX" b="1" dirty="0">
-                <a:solidFill>
-                  <a:srgbClr val="FF0000"/>
-                </a:solidFill>
-              </a:rPr>
-              <a:t>5 1 </a:t>
-            </a:r>
-            <a:r>
-              <a:rPr lang="es-MX" dirty="0"/>
-              <a:t>4 2 8 ) </a:t>
-            </a:r>
-            <a:r>
-              <a:rPr lang="es-MX" dirty="0">
-                <a:sym typeface="Wingdings" panose="05000000000000000000" pitchFamily="2" charset="2"/>
-              </a:rPr>
-              <a:t> ( </a:t>
-            </a:r>
-            <a:r>
-              <a:rPr lang="es-MX" b="1" dirty="0">
-                <a:solidFill>
-                  <a:srgbClr val="FF0000"/>
-                </a:solidFill>
-                <a:sym typeface="Wingdings" panose="05000000000000000000" pitchFamily="2" charset="2"/>
-              </a:rPr>
-              <a:t>1 5</a:t>
-            </a:r>
-            <a:r>
-              <a:rPr lang="es-MX" dirty="0">
-                <a:sym typeface="Wingdings" panose="05000000000000000000" pitchFamily="2" charset="2"/>
-              </a:rPr>
-              <a:t> 4 2 8 ) </a:t>
-            </a:r>
-          </a:p>
-        </p:txBody>
-      </p:sp>
-      <p:sp>
-        <p:nvSpPr>
-          <p:cNvPr id="5" name="Rectangle 4"/>
-          <p:cNvSpPr/>
-          <p:nvPr/>
-        </p:nvSpPr>
-        <p:spPr>
-          <a:xfrm>
-            <a:off x="457200" y="2570674"/>
-            <a:ext cx="5106838" cy="584775"/>
-          </a:xfrm>
-          <a:prstGeom prst="rect">
-            <a:avLst/>
-          </a:prstGeom>
-        </p:spPr>
-        <p:txBody>
-          <a:bodyPr wrap="square">
-            <a:spAutoFit/>
-          </a:bodyPr>
-          <a:lstStyle/>
-          <a:p>
-            <a:pPr marL="0" indent="0">
-              <a:buNone/>
-            </a:pPr>
-            <a:r>
-              <a:rPr lang="es-MX" sz="3200" dirty="0">
-                <a:sym typeface="Wingdings" panose="05000000000000000000" pitchFamily="2" charset="2"/>
-              </a:rPr>
-              <a:t>( 1 </a:t>
-            </a:r>
-            <a:r>
-              <a:rPr lang="es-MX" sz="3200" b="1" dirty="0">
-                <a:solidFill>
-                  <a:srgbClr val="FF0000"/>
-                </a:solidFill>
-                <a:sym typeface="Wingdings" panose="05000000000000000000" pitchFamily="2" charset="2"/>
-              </a:rPr>
-              <a:t>5 4 </a:t>
-            </a:r>
-            <a:r>
-              <a:rPr lang="es-MX" sz="3200" dirty="0">
-                <a:sym typeface="Wingdings" panose="05000000000000000000" pitchFamily="2" charset="2"/>
-              </a:rPr>
-              <a:t>2 8 )  ( 1 </a:t>
-            </a:r>
-            <a:r>
-              <a:rPr lang="es-MX" sz="3200" b="1" dirty="0">
-                <a:solidFill>
-                  <a:srgbClr val="FF0000"/>
-                </a:solidFill>
-                <a:sym typeface="Wingdings" panose="05000000000000000000" pitchFamily="2" charset="2"/>
-              </a:rPr>
-              <a:t>4 5 </a:t>
-            </a:r>
-            <a:r>
-              <a:rPr lang="es-MX" sz="3200" dirty="0">
-                <a:sym typeface="Wingdings" panose="05000000000000000000" pitchFamily="2" charset="2"/>
-              </a:rPr>
-              <a:t>2 8 )</a:t>
-            </a:r>
-          </a:p>
-        </p:txBody>
-      </p:sp>
-      <p:sp>
-        <p:nvSpPr>
-          <p:cNvPr id="6" name="Rectangle 5"/>
-          <p:cNvSpPr/>
-          <p:nvPr/>
-        </p:nvSpPr>
-        <p:spPr>
-          <a:xfrm>
-            <a:off x="457200" y="3724791"/>
-            <a:ext cx="5001690" cy="584775"/>
-          </a:xfrm>
-          <a:prstGeom prst="rect">
-            <a:avLst/>
-          </a:prstGeom>
-        </p:spPr>
-        <p:txBody>
-          <a:bodyPr wrap="square">
-            <a:spAutoFit/>
-          </a:bodyPr>
-          <a:lstStyle/>
-          <a:p>
-            <a:pPr marL="0" indent="0">
-              <a:buNone/>
-            </a:pPr>
-            <a:r>
-              <a:rPr lang="es-MX" sz="3200" dirty="0">
-                <a:sym typeface="Wingdings" panose="05000000000000000000" pitchFamily="2" charset="2"/>
-              </a:rPr>
-              <a:t>( 1 4</a:t>
-            </a:r>
-            <a:r>
-              <a:rPr lang="es-MX" sz="3200" b="1" dirty="0">
-                <a:solidFill>
-                  <a:srgbClr val="FF0000"/>
-                </a:solidFill>
-                <a:sym typeface="Wingdings" panose="05000000000000000000" pitchFamily="2" charset="2"/>
-              </a:rPr>
-              <a:t> 5 2</a:t>
-            </a:r>
-            <a:r>
-              <a:rPr lang="es-MX" sz="3200" dirty="0">
-                <a:solidFill>
-                  <a:srgbClr val="FF0000"/>
-                </a:solidFill>
-                <a:sym typeface="Wingdings" panose="05000000000000000000" pitchFamily="2" charset="2"/>
-              </a:rPr>
-              <a:t> </a:t>
-            </a:r>
-            <a:r>
-              <a:rPr lang="es-MX" sz="3200" dirty="0">
-                <a:sym typeface="Wingdings" panose="05000000000000000000" pitchFamily="2" charset="2"/>
-              </a:rPr>
-              <a:t>8 )  ( 1 4 </a:t>
-            </a:r>
-            <a:r>
-              <a:rPr lang="es-MX" sz="3200" b="1" dirty="0">
-                <a:solidFill>
-                  <a:srgbClr val="FF0000"/>
-                </a:solidFill>
-                <a:sym typeface="Wingdings" panose="05000000000000000000" pitchFamily="2" charset="2"/>
-              </a:rPr>
-              <a:t>2 5 </a:t>
-            </a:r>
-            <a:r>
-              <a:rPr lang="es-MX" sz="3200" dirty="0">
-                <a:sym typeface="Wingdings" panose="05000000000000000000" pitchFamily="2" charset="2"/>
-              </a:rPr>
-              <a:t>8 )</a:t>
-            </a:r>
-          </a:p>
-        </p:txBody>
-      </p:sp>
-      <p:sp>
-        <p:nvSpPr>
-          <p:cNvPr id="7" name="Rectangle 6"/>
-          <p:cNvSpPr/>
-          <p:nvPr/>
-        </p:nvSpPr>
-        <p:spPr>
-          <a:xfrm>
-            <a:off x="457200" y="4930666"/>
-            <a:ext cx="5001690" cy="584775"/>
-          </a:xfrm>
-          <a:prstGeom prst="rect">
-            <a:avLst/>
-          </a:prstGeom>
-        </p:spPr>
-        <p:txBody>
-          <a:bodyPr wrap="none">
-            <a:spAutoFit/>
-          </a:bodyPr>
-          <a:lstStyle/>
-          <a:p>
-            <a:pPr marL="0" indent="0">
-              <a:buNone/>
-            </a:pPr>
-            <a:r>
-              <a:rPr lang="es-MX" sz="3200" dirty="0">
-                <a:sym typeface="Wingdings" panose="05000000000000000000" pitchFamily="2" charset="2"/>
-              </a:rPr>
-              <a:t>( 1 4 2 </a:t>
-            </a:r>
-            <a:r>
-              <a:rPr lang="es-MX" sz="3200" b="1" dirty="0">
-                <a:solidFill>
-                  <a:srgbClr val="FF0000"/>
-                </a:solidFill>
-                <a:sym typeface="Wingdings" panose="05000000000000000000" pitchFamily="2" charset="2"/>
-              </a:rPr>
-              <a:t>5 8</a:t>
-            </a:r>
-            <a:r>
-              <a:rPr lang="es-MX" sz="3200" dirty="0">
-                <a:sym typeface="Wingdings" panose="05000000000000000000" pitchFamily="2" charset="2"/>
-              </a:rPr>
-              <a:t> )  ( 1 4 2 </a:t>
-            </a:r>
-            <a:r>
-              <a:rPr lang="es-MX" sz="3200" b="1" dirty="0">
-                <a:solidFill>
-                  <a:srgbClr val="FF0000"/>
-                </a:solidFill>
-                <a:sym typeface="Wingdings" panose="05000000000000000000" pitchFamily="2" charset="2"/>
-              </a:rPr>
-              <a:t>5 8</a:t>
-            </a:r>
-            <a:r>
-              <a:rPr lang="es-MX" sz="3200" dirty="0">
-                <a:sym typeface="Wingdings" panose="05000000000000000000" pitchFamily="2" charset="2"/>
-              </a:rPr>
-              <a:t> )</a:t>
-            </a:r>
-            <a:endParaRPr lang="es-MX" sz="3200" dirty="0"/>
-          </a:p>
-        </p:txBody>
-      </p:sp>
-      <p:sp>
-        <p:nvSpPr>
-          <p:cNvPr id="8" name="TextBox 7"/>
-          <p:cNvSpPr txBox="1"/>
-          <p:nvPr/>
-        </p:nvSpPr>
-        <p:spPr>
-          <a:xfrm>
-            <a:off x="517585" y="957532"/>
-            <a:ext cx="2855343" cy="523220"/>
-          </a:xfrm>
-          <a:prstGeom prst="rect">
-            <a:avLst/>
-          </a:prstGeom>
-          <a:noFill/>
-        </p:spPr>
-        <p:txBody>
-          <a:bodyPr wrap="square" rtlCol="0">
-            <a:spAutoFit/>
-          </a:bodyPr>
-          <a:lstStyle/>
-          <a:p>
-            <a:r>
-              <a:rPr lang="es-MX" sz="2800" b="1" u="sng" dirty="0"/>
-              <a:t>Primera</a:t>
-            </a:r>
-            <a:r>
-              <a:rPr lang="es-MX" b="1" u="sng" dirty="0"/>
-              <a:t> </a:t>
-            </a:r>
-            <a:r>
-              <a:rPr lang="es-MX" sz="2800" b="1" u="sng" dirty="0"/>
-              <a:t>Corrida</a:t>
-            </a:r>
-            <a:endParaRPr lang="es-MX" b="1" u="sng" dirty="0"/>
-          </a:p>
-        </p:txBody>
-      </p:sp>
-      <p:sp>
-        <p:nvSpPr>
-          <p:cNvPr id="9" name="TextBox 8"/>
-          <p:cNvSpPr txBox="1"/>
-          <p:nvPr/>
-        </p:nvSpPr>
-        <p:spPr>
-          <a:xfrm>
-            <a:off x="5458890" y="1500997"/>
-            <a:ext cx="3624725" cy="923330"/>
-          </a:xfrm>
-          <a:prstGeom prst="rect">
-            <a:avLst/>
-          </a:prstGeom>
-          <a:noFill/>
-        </p:spPr>
-        <p:txBody>
-          <a:bodyPr wrap="square" rtlCol="0">
-            <a:spAutoFit/>
-          </a:bodyPr>
-          <a:lstStyle/>
-          <a:p>
-            <a:r>
-              <a:rPr lang="es-MX" dirty="0"/>
-              <a:t>Comparamos los primeros dos elementos, como 5 &gt; 1 intercambiamos.</a:t>
-            </a:r>
-          </a:p>
-        </p:txBody>
-      </p:sp>
-      <p:sp>
-        <p:nvSpPr>
-          <p:cNvPr id="10" name="TextBox 9"/>
-          <p:cNvSpPr txBox="1"/>
-          <p:nvPr/>
-        </p:nvSpPr>
-        <p:spPr>
-          <a:xfrm>
-            <a:off x="5458890" y="2779613"/>
-            <a:ext cx="3624725" cy="369332"/>
-          </a:xfrm>
-          <a:prstGeom prst="rect">
-            <a:avLst/>
-          </a:prstGeom>
-          <a:noFill/>
-        </p:spPr>
-        <p:txBody>
-          <a:bodyPr wrap="square" rtlCol="0">
-            <a:spAutoFit/>
-          </a:bodyPr>
-          <a:lstStyle/>
-          <a:p>
-            <a:r>
-              <a:rPr lang="es-MX" dirty="0"/>
-              <a:t>Como 5&gt;4, intercambiamos</a:t>
-            </a:r>
-          </a:p>
-        </p:txBody>
-      </p:sp>
-      <p:sp>
-        <p:nvSpPr>
-          <p:cNvPr id="11" name="TextBox 10"/>
-          <p:cNvSpPr txBox="1"/>
-          <p:nvPr/>
-        </p:nvSpPr>
-        <p:spPr>
-          <a:xfrm>
-            <a:off x="5594038" y="3829156"/>
-            <a:ext cx="3624725" cy="369332"/>
-          </a:xfrm>
-          <a:prstGeom prst="rect">
-            <a:avLst/>
-          </a:prstGeom>
-          <a:noFill/>
-        </p:spPr>
-        <p:txBody>
-          <a:bodyPr wrap="square" rtlCol="0">
-            <a:spAutoFit/>
-          </a:bodyPr>
-          <a:lstStyle/>
-          <a:p>
-            <a:r>
-              <a:rPr lang="es-MX" dirty="0"/>
-              <a:t>Como 5&gt;2, intercambiamos</a:t>
-            </a:r>
-          </a:p>
-        </p:txBody>
-      </p:sp>
-      <p:sp>
-        <p:nvSpPr>
-          <p:cNvPr id="12" name="TextBox 11"/>
-          <p:cNvSpPr txBox="1"/>
-          <p:nvPr/>
-        </p:nvSpPr>
-        <p:spPr>
-          <a:xfrm>
-            <a:off x="5634296" y="5033974"/>
-            <a:ext cx="3624725" cy="369332"/>
-          </a:xfrm>
-          <a:prstGeom prst="rect">
-            <a:avLst/>
-          </a:prstGeom>
-          <a:noFill/>
-        </p:spPr>
-        <p:txBody>
-          <a:bodyPr wrap="square" rtlCol="0">
-            <a:spAutoFit/>
-          </a:bodyPr>
-          <a:lstStyle/>
-          <a:p>
-            <a:r>
-              <a:rPr lang="es-MX" dirty="0"/>
-              <a:t>Como 5&lt;8, así los dejamos.</a:t>
-            </a:r>
-          </a:p>
-        </p:txBody>
-      </p:sp>
-    </p:spTree>
-    <p:extLst>
-      <p:ext uri="{BB962C8B-B14F-4D97-AF65-F5344CB8AC3E}">
-        <p14:creationId xmlns:p14="http://schemas.microsoft.com/office/powerpoint/2010/main" val="1151901586"/>
       </p:ext>
     </p:extLst>
   </p:cSld>
@@ -7861,11 +8906,11 @@
                   <a:srgbClr val="FF0000"/>
                 </a:solidFill>
               </a:rPr>
-              <a:t>1 4</a:t>
+              <a:t>5 1 </a:t>
             </a:r>
             <a:r>
               <a:rPr lang="es-MX" dirty="0"/>
-              <a:t> 2 5 8 ) </a:t>
+              <a:t>4 2 8 ) </a:t>
             </a:r>
             <a:r>
               <a:rPr lang="es-MX" dirty="0">
@@ -7880,22 +8925,13 @@
                 </a:solidFill>
                 <a:sym typeface="Wingdings" panose="05000000000000000000" pitchFamily="2" charset="2"/>
               </a:rPr>
-              <a:t>1 4</a:t>
-            </a:r>
-            <a:r>
-              <a:rPr lang="es-MX" dirty="0">
-                <a:solidFill>
-                  <a:srgbClr val="FF0000"/>
-                </a:solidFill>
-                <a:sym typeface="Wingdings" panose="05000000000000000000" pitchFamily="2" charset="2"/>
-              </a:rPr>
-              <a:t> </a:t>
+              <a:t>1 5</a:t>
             </a:r>
             <a:r>
               <a:rPr lang="es-MX" dirty="0">
                 <a:sym typeface="Wingdings" panose="05000000000000000000" pitchFamily="2" charset="2"/>
               </a:rPr>
-              <a:t>2 5 8 ) </a:t>
+              <a:t> 4 2 8 ) </a:t>
             </a:r>
           </a:p>
         </p:txBody>
@@ -7937,13 +8973,13 @@
                 </a:solidFill>
                 <a:sym typeface="Wingdings" panose="05000000000000000000" pitchFamily="2" charset="2"/>
               </a:rPr>
-              <a:t>4 2</a:t>
+              <a:t>5 4 </a:t>
             </a:r>
             <a:r>
               <a:rPr lang="es-MX" sz="3200" dirty="0">
                 <a:sym typeface="Wingdings" panose="05000000000000000000" pitchFamily="2" charset="2"/>
               </a:rPr>
-              <a:t> 5 8 )  ( 1 </a:t>
+              <a:t>2 8 )  ( 1 </a:t>
             </a:r>
             <a:r>
               <a:rPr lang="es-MX" sz="3200" b="1" dirty="0">
@@ -7952,22 +8988,13 @@
                 </a:solidFill>
                 <a:sym typeface="Wingdings" panose="05000000000000000000" pitchFamily="2" charset="2"/>
               </a:rPr>
-              <a:t>2 4</a:t>
-            </a:r>
-            <a:r>
-              <a:rPr lang="es-MX" sz="3200" dirty="0">
-                <a:solidFill>
-                  <a:srgbClr val="FF0000"/>
-                </a:solidFill>
-                <a:sym typeface="Wingdings" panose="05000000000000000000" pitchFamily="2" charset="2"/>
-              </a:rPr>
-              <a:t> </a:t>
+              <a:t>4 5 </a:t>
             </a:r>
             <a:r>
               <a:rPr lang="es-MX" sz="3200" dirty="0">
                 <a:sym typeface="Wingdings" panose="05000000000000000000" pitchFamily="2" charset="2"/>
               </a:rPr>
-              <a:t>5 8 )</a:t>
+              <a:t>2 8 )</a:t>
             </a:r>
           </a:p>
         </p:txBody>
@@ -8000,7 +9027,7 @@
               <a:rPr lang="es-MX" sz="3200" dirty="0">
                 <a:sym typeface="Wingdings" panose="05000000000000000000" pitchFamily="2" charset="2"/>
               </a:rPr>
-              <a:t>( 1 2 </a:t>
+              <a:t>( 1 4</a:t>
             </a:r>
             <a:r>
               <a:rPr lang="es-MX" sz="3200" b="1" dirty="0">
@@ -8009,13 +9036,22 @@
                 </a:solidFill>
                 <a:sym typeface="Wingdings" panose="05000000000000000000" pitchFamily="2" charset="2"/>
               </a:rPr>
-              <a:t>4 5 </a:t>
+              <a:t> 5 2</a:t>
+            </a:r>
+            <a:r>
+              <a:rPr lang="es-MX" sz="3200" dirty="0">
+                <a:solidFill>
+                  <a:srgbClr val="FF0000"/>
+                </a:solidFill>
+                <a:sym typeface="Wingdings" panose="05000000000000000000" pitchFamily="2" charset="2"/>
+              </a:rPr>
+              <a:t> </a:t>
             </a:r>
             <a:r>
               <a:rPr lang="es-MX" sz="3200" dirty="0">
                 <a:sym typeface="Wingdings" panose="05000000000000000000" pitchFamily="2" charset="2"/>
               </a:rPr>
-              <a:t>8 )  ( 1 2 </a:t>
+              <a:t>8 )  ( 1 4 </a:t>
             </a:r>
             <a:r>
               <a:rPr lang="es-MX" sz="3200" b="1" dirty="0">
@@ -8024,7 +9060,7 @@
                 </a:solidFill>
                 <a:sym typeface="Wingdings" panose="05000000000000000000" pitchFamily="2" charset="2"/>
               </a:rPr>
-              <a:t>4 5 </a:t>
+              <a:t>2 5 </a:t>
             </a:r>
             <a:r>
               <a:rPr lang="es-MX" sz="3200" dirty="0">
@@ -8044,7 +9080,7 @@
         <p:spPr>
           <a:xfrm>
             <a:off x="457200" y="4930666"/>
-            <a:ext cx="4887877" cy="584775"/>
+            <a:ext cx="5001690" cy="584775"/>
           </a:xfrm>
           <a:prstGeom prst="rect">
             <a:avLst/>
@@ -8063,7 +9099,7 @@
               <a:rPr lang="es-MX" sz="3200" dirty="0">
                 <a:sym typeface="Wingdings" panose="05000000000000000000" pitchFamily="2" charset="2"/>
               </a:rPr>
-              <a:t>( 1 2 4 </a:t>
+              <a:t>( 1 4 2 </a:t>
             </a:r>
             <a:r>
               <a:rPr lang="es-MX" sz="3200" b="1" dirty="0">
@@ -8076,33 +9112,24 @@
             </a:r>
             <a:r>
               <a:rPr lang="es-MX" sz="3200" dirty="0">
-                <a:solidFill>
-                  <a:srgbClr val="FF0000"/>
-                </a:solidFill>
                 <a:sym typeface="Wingdings" panose="05000000000000000000" pitchFamily="2" charset="2"/>
               </a:rPr>
-              <a:t> </a:t>
+              <a:t> )  ( 1 4 2 </a:t>
+            </a:r>
+            <a:r>
+              <a:rPr lang="es-MX" sz="3200" b="1" dirty="0">
+                <a:solidFill>
+                  <a:srgbClr val="FF0000"/>
+                </a:solidFill>
+                <a:sym typeface="Wingdings" panose="05000000000000000000" pitchFamily="2" charset="2"/>
+              </a:rPr>
+              <a:t>5 8</a:t>
             </a:r>
             <a:r>
               <a:rPr lang="es-MX" sz="3200" dirty="0">
                 <a:sym typeface="Wingdings" panose="05000000000000000000" pitchFamily="2" charset="2"/>
               </a:rPr>
-              <a:t>)  ( 1 2 4 </a:t>
-            </a:r>
-            <a:r>
-              <a:rPr lang="es-MX" sz="3200" b="1" dirty="0">
-                <a:solidFill>
-                  <a:srgbClr val="FF0000"/>
-                </a:solidFill>
-                <a:sym typeface="Wingdings" panose="05000000000000000000" pitchFamily="2" charset="2"/>
-              </a:rPr>
-              <a:t>5 8</a:t>
-            </a:r>
-            <a:r>
-              <a:rPr lang="es-MX" sz="3200" dirty="0">
-                <a:sym typeface="Wingdings" panose="05000000000000000000" pitchFamily="2" charset="2"/>
-              </a:rPr>
-              <a:t>)</a:t>
+              <a:t> )</a:t>
             </a:r>
             <a:endParaRPr lang="es-MX" sz="3200" dirty="0"/>
           </a:p>
@@ -8117,7 +9144,7 @@
         <p:spPr>
           <a:xfrm>
             <a:off x="517585" y="957532"/>
-            <a:ext cx="4226943" cy="523220"/>
+            <a:ext cx="2855343" cy="523220"/>
           </a:xfrm>
           <a:prstGeom prst="rect">
             <a:avLst/>
@@ -8132,9 +9159,46 @@
           <a:p>
             <a:r>
               <a:rPr lang="es-MX" sz="2800" b="1" u="sng" dirty="0"/>
-              <a:t>Segunda Corrida</a:t>
+              <a:t>Primera</a:t>
+            </a:r>
+            <a:r>
+              <a:rPr lang="es-MX" b="1" u="sng" dirty="0"/>
+              <a:t> </a:t>
+            </a:r>
+            <a:r>
+              <a:rPr lang="es-MX" sz="2800" b="1" u="sng" dirty="0"/>
+              <a:t>Corrida</a:t>
             </a:r>
             <a:endParaRPr lang="es-MX" b="1" u="sng" dirty="0"/>
+          </a:p>
+        </p:txBody>
+      </p:sp>
+      <p:sp>
+        <p:nvSpPr>
+          <p:cNvPr id="9" name="TextBox 8"/>
+          <p:cNvSpPr txBox="1"/>
+          <p:nvPr/>
+        </p:nvSpPr>
+        <p:spPr>
+          <a:xfrm>
+            <a:off x="5458890" y="1500997"/>
+            <a:ext cx="3624725" cy="923330"/>
+          </a:xfrm>
+          <a:prstGeom prst="rect">
+            <a:avLst/>
+          </a:prstGeom>
+          <a:noFill/>
+        </p:spPr>
+        <p:txBody>
+          <a:bodyPr wrap="square" rtlCol="0">
+            <a:spAutoFit/>
+          </a:bodyPr>
+          <a:lstStyle/>
+          <a:p>
+            <a:r>
+              <a:rPr lang="es-MX" dirty="0"/>
+              <a:t>Comparamos los primeros dos elementos, como 5 &gt; 1 intercambiamos.</a:t>
+            </a:r>
           </a:p>
         </p:txBody>
       </p:sp>
@@ -8162,7 +9226,65 @@
           <a:p>
             <a:r>
               <a:rPr lang="es-MX" dirty="0"/>
-              <a:t>Como 4&gt;2, intercambiamos</a:t>
+              <a:t>Como 5&gt;4, intercambiamos</a:t>
+            </a:r>
+          </a:p>
+        </p:txBody>
+      </p:sp>
+      <p:sp>
+        <p:nvSpPr>
+          <p:cNvPr id="11" name="TextBox 10"/>
+          <p:cNvSpPr txBox="1"/>
+          <p:nvPr/>
+        </p:nvSpPr>
+        <p:spPr>
+          <a:xfrm>
+            <a:off x="5594038" y="3829156"/>
+            <a:ext cx="3624725" cy="369332"/>
+          </a:xfrm>
+          <a:prstGeom prst="rect">
+            <a:avLst/>
+          </a:prstGeom>
+          <a:noFill/>
+        </p:spPr>
+        <p:txBody>
+          <a:bodyPr wrap="square" rtlCol="0">
+            <a:spAutoFit/>
+          </a:bodyPr>
+          <a:lstStyle/>
+          <a:p>
+            <a:r>
+              <a:rPr lang="es-MX" dirty="0"/>
+              <a:t>Como 5&gt;2, intercambiamos</a:t>
+            </a:r>
+          </a:p>
+        </p:txBody>
+      </p:sp>
+      <p:sp>
+        <p:nvSpPr>
+          <p:cNvPr id="12" name="TextBox 11"/>
+          <p:cNvSpPr txBox="1"/>
+          <p:nvPr/>
+        </p:nvSpPr>
+        <p:spPr>
+          <a:xfrm>
+            <a:off x="5634296" y="5033974"/>
+            <a:ext cx="3624725" cy="369332"/>
+          </a:xfrm>
+          <a:prstGeom prst="rect">
+            <a:avLst/>
+          </a:prstGeom>
+          <a:noFill/>
+        </p:spPr>
+        <p:txBody>
+          <a:bodyPr wrap="square" rtlCol="0">
+            <a:spAutoFit/>
+          </a:bodyPr>
+          <a:lstStyle/>
+          <a:p>
+            <a:r>
+              <a:rPr lang="es-MX" dirty="0"/>
+              <a:t>Como 5&lt;8, así los dejamos.</a:t>
             </a:r>
           </a:p>
         </p:txBody>
@@ -8170,7 +9292,7 @@
     </p:spTree>
     <p:extLst>
       <p:ext uri="{BB962C8B-B14F-4D97-AF65-F5344CB8AC3E}">
-        <p14:creationId xmlns:p14="http://schemas.microsoft.com/office/powerpoint/2010/main" val="3821374742"/>
+        <p14:creationId xmlns:p14="http://schemas.microsoft.com/office/powerpoint/2010/main" val="1151901586"/>
       </p:ext>
     </p:extLst>
   </p:cSld>
@@ -8266,11 +9388,11 @@
                   <a:srgbClr val="FF0000"/>
                 </a:solidFill>
               </a:rPr>
-              <a:t>1 2</a:t>
+              <a:t>1 4</a:t>
             </a:r>
             <a:r>
               <a:rPr lang="es-MX" dirty="0"/>
-              <a:t> 4 5 8 ) </a:t>
+              <a:t> 2 5 8 ) </a:t>
             </a:r>
             <a:r>
               <a:rPr lang="es-MX" dirty="0">
@@ -8285,7 +9407,7 @@
                 </a:solidFill>
                 <a:sym typeface="Wingdings" panose="05000000000000000000" pitchFamily="2" charset="2"/>
               </a:rPr>
-              <a:t>1 2</a:t>
+              <a:t>1 4</a:t>
             </a:r>
             <a:r>
               <a:rPr lang="es-MX" dirty="0">
@@ -8300,7 +9422,7 @@
               <a:rPr lang="es-MX" dirty="0">
                 <a:sym typeface="Wingdings" panose="05000000000000000000" pitchFamily="2" charset="2"/>
               </a:rPr>
-              <a:t>4 5 8 ) </a:t>
+              <a:t>2 5 8 ) </a:t>
             </a:r>
           </a:p>
         </p:txBody>
@@ -8342,7 +9464,7 @@
                 </a:solidFill>
                 <a:sym typeface="Wingdings" panose="05000000000000000000" pitchFamily="2" charset="2"/>
               </a:rPr>
-              <a:t>2 4</a:t>
+              <a:t>4 2</a:t>
             </a:r>
             <a:r>
               <a:rPr lang="es-MX" sz="3200" dirty="0">
@@ -8537,7 +9659,7 @@
           <a:p>
             <a:r>
               <a:rPr lang="es-MX" sz="2800" b="1" u="sng" dirty="0"/>
-              <a:t>Tercera Corrida</a:t>
+              <a:t>Segunda Corrida</a:t>
             </a:r>
             <a:endParaRPr lang="es-MX" b="1" u="sng" dirty="0"/>
           </a:p>
@@ -8545,14 +9667,14 @@
       </p:sp>
       <p:sp>
         <p:nvSpPr>
-          <p:cNvPr id="4" name="TextBox 3"/>
+          <p:cNvPr id="10" name="TextBox 9"/>
           <p:cNvSpPr txBox="1"/>
           <p:nvPr/>
         </p:nvSpPr>
         <p:spPr>
           <a:xfrm>
-            <a:off x="6038491" y="2458528"/>
-            <a:ext cx="2475781" cy="1754326"/>
+            <a:off x="5458890" y="2779613"/>
+            <a:ext cx="3624725" cy="369332"/>
           </a:xfrm>
           <a:prstGeom prst="rect">
             <a:avLst/>
@@ -8567,7 +9689,7 @@
           <a:p>
             <a:r>
               <a:rPr lang="es-MX" dirty="0"/>
-              <a:t>Como completamos una corrida completa sin intercambiar valores, sabemos que el arreglo está ordenado!</a:t>
+              <a:t>Como 4&gt;2, intercambiamos</a:t>
             </a:r>
           </a:p>
         </p:txBody>
@@ -8575,7 +9697,7 @@
     </p:spTree>
     <p:extLst>
       <p:ext uri="{BB962C8B-B14F-4D97-AF65-F5344CB8AC3E}">
-        <p14:creationId xmlns:p14="http://schemas.microsoft.com/office/powerpoint/2010/main" val="415324599"/>
+        <p14:creationId xmlns:p14="http://schemas.microsoft.com/office/powerpoint/2010/main" val="3821374742"/>
       </p:ext>
     </p:extLst>
   </p:cSld>
@@ -8727,7 +9849,7 @@
             </a:r>
             <a:r>
               <a:rPr lang="en-US" altLang="en-US" dirty="0" err="1"/>
-              <a:t>guardan</a:t>
+              <a:t>almacenan</a:t>
             </a:r>
             <a:r>
               <a:rPr lang="en-US" altLang="en-US" dirty="0"/>
@@ -8762,11 +9884,11 @@
             </a:r>
             <a:r>
               <a:rPr lang="en-US" altLang="en-US" dirty="0"/>
-              <a:t> </a:t>
+              <a:t> que no </a:t>
             </a:r>
             <a:r>
               <a:rPr lang="en-US" altLang="en-US" dirty="0" err="1"/>
-              <a:t>que</a:t>
+              <a:t>tienen</a:t>
             </a:r>
             <a:r>
               <a:rPr lang="en-US" altLang="en-US" dirty="0"/>
@@ -8774,7 +9896,15 @@
             </a:r>
             <a:r>
               <a:rPr lang="en-US" altLang="en-US" dirty="0" err="1"/>
-              <a:t>están</a:t>
+              <a:t>todos</a:t>
+            </a:r>
+            <a:r>
+              <a:rPr lang="en-US" altLang="en-US" dirty="0"/>
+              <a:t> los </a:t>
+            </a:r>
+            <a:r>
+              <a:rPr lang="en-US" altLang="en-US" dirty="0" err="1"/>
+              <a:t>elementos</a:t>
             </a:r>
             <a:r>
               <a:rPr lang="en-US" altLang="en-US" dirty="0"/>
@@ -8782,15 +9912,15 @@
             </a:r>
             <a:r>
               <a:rPr lang="en-US" altLang="en-US" dirty="0" err="1"/>
-              <a:t>llenos</a:t>
+              <a:t>ocupados</a:t>
             </a:r>
             <a:r>
               <a:rPr lang="en-US" altLang="en-US" dirty="0"/>
-              <a:t> a medias son </a:t>
+              <a:t> son </a:t>
             </a:r>
             <a:r>
               <a:rPr lang="en-US" altLang="en-US" dirty="0" err="1"/>
-              <a:t>llamados</a:t>
+              <a:t>lladados</a:t>
             </a:r>
             <a:r>
               <a:rPr lang="en-US" altLang="en-US" dirty="0"/>
@@ -8816,8 +9946,20 @@
           <a:p>
             <a:pPr eaLnBrk="1" hangingPunct="1"/>
             <a:r>
+              <a:rPr lang="en-US" altLang="en-US" dirty="0"/>
+              <a:t>Es </a:t>
+            </a:r>
+            <a:r>
               <a:rPr lang="en-US" altLang="en-US" dirty="0" err="1"/>
-              <a:t>Es</a:t>
+              <a:t>tarea</a:t>
+            </a:r>
+            <a:r>
+              <a:rPr lang="en-US" altLang="en-US" dirty="0"/>
+              <a:t> del </a:t>
+            </a:r>
+            <a:r>
+              <a:rPr lang="en-US" altLang="en-US" dirty="0" err="1"/>
+              <a:t>programador</a:t>
             </a:r>
             <a:r>
               <a:rPr lang="en-US" altLang="en-US" dirty="0"/>
@@ -8825,15 +9967,23 @@
             </a:r>
             <a:r>
               <a:rPr lang="en-US" altLang="en-US" dirty="0" err="1"/>
-              <a:t>tarea</a:t>
+              <a:t>llevar</a:t>
             </a:r>
             <a:r>
               <a:rPr lang="en-US" altLang="en-US" dirty="0"/>
-              <a:t> del </a:t>
+              <a:t> un </a:t>
             </a:r>
             <a:r>
               <a:rPr lang="en-US" altLang="en-US" dirty="0" err="1"/>
-              <a:t>programador</a:t>
+              <a:t>registro</a:t>
+            </a:r>
+            <a:r>
+              <a:rPr lang="en-US" altLang="en-US" dirty="0"/>
+              <a:t> de </a:t>
+            </a:r>
+            <a:r>
+              <a:rPr lang="en-US" altLang="en-US" dirty="0" err="1"/>
+              <a:t>cuáles</a:t>
             </a:r>
             <a:r>
               <a:rPr lang="en-US" altLang="en-US" dirty="0"/>
@@ -8841,15 +9991,7 @@
             </a:r>
             <a:r>
               <a:rPr lang="en-US" altLang="en-US" dirty="0" err="1"/>
-              <a:t>asegurarse</a:t>
-            </a:r>
-            <a:r>
-              <a:rPr lang="en-US" altLang="en-US" dirty="0"/>
-              <a:t> de que los </a:t>
-            </a:r>
-            <a:r>
-              <a:rPr lang="en-US" altLang="en-US" dirty="0" err="1"/>
-              <a:t>elementos</a:t>
+              <a:t>están</a:t>
             </a:r>
             <a:r>
               <a:rPr lang="en-US" altLang="en-US" dirty="0"/>
@@ -8857,7 +9999,15 @@
             </a:r>
             <a:r>
               <a:rPr lang="en-US" altLang="en-US" dirty="0" err="1"/>
-              <a:t>estén</a:t>
+              <a:t>llenos</a:t>
+            </a:r>
+            <a:r>
+              <a:rPr lang="en-US" altLang="en-US" dirty="0"/>
+              <a:t> y </a:t>
+            </a:r>
+            <a:r>
+              <a:rPr lang="en-US" altLang="en-US" dirty="0" err="1"/>
+              <a:t>cuáles</a:t>
             </a:r>
             <a:r>
               <a:rPr lang="en-US" altLang="en-US" dirty="0"/>
@@ -8865,7 +10015,15 @@
             </a:r>
             <a:r>
               <a:rPr lang="en-US" altLang="en-US" dirty="0" err="1"/>
-              <a:t>llenos</a:t>
+              <a:t>están</a:t>
+            </a:r>
+            <a:r>
+              <a:rPr lang="en-US" altLang="en-US" dirty="0"/>
+              <a:t> </a:t>
+            </a:r>
+            <a:r>
+              <a:rPr lang="en-US" altLang="en-US" dirty="0" err="1"/>
+              <a:t>ocupados</a:t>
             </a:r>
             <a:r>
               <a:rPr lang="en-US" altLang="en-US" dirty="0"/>
@@ -8883,6 +10041,411 @@
 </file>
 
 <file path=ppt/slides/slide20.xml><?xml version="1.0" encoding="utf-8"?>
+<p:sld xmlns:a="http://schemas.openxmlformats.org/drawingml/2006/main" xmlns:r="http://schemas.openxmlformats.org/officeDocument/2006/relationships" xmlns:p="http://schemas.openxmlformats.org/presentationml/2006/main">
+  <p:cSld>
+    <p:spTree>
+      <p:nvGrpSpPr>
+        <p:cNvPr id="1" name=""/>
+        <p:cNvGrpSpPr/>
+        <p:nvPr/>
+      </p:nvGrpSpPr>
+      <p:grpSpPr>
+        <a:xfrm>
+          <a:off x="0" y="0"/>
+          <a:ext cx="0" cy="0"/>
+          <a:chOff x="0" y="0"/>
+          <a:chExt cx="0" cy="0"/>
+        </a:xfrm>
+      </p:grpSpPr>
+      <p:sp>
+        <p:nvSpPr>
+          <p:cNvPr id="2" name="Title 1"/>
+          <p:cNvSpPr>
+            <a:spLocks noGrp="1"/>
+          </p:cNvSpPr>
+          <p:nvPr>
+            <p:ph type="title"/>
+          </p:nvPr>
+        </p:nvSpPr>
+        <p:spPr>
+          <a:xfrm>
+            <a:off x="457200" y="248759"/>
+            <a:ext cx="8229600" cy="553498"/>
+          </a:xfrm>
+        </p:spPr>
+        <p:txBody>
+          <a:bodyPr/>
+          <a:lstStyle/>
+          <a:p>
+            <a:r>
+              <a:rPr lang="es-MX" dirty="0" err="1"/>
+              <a:t>Bubble</a:t>
+            </a:r>
+            <a:r>
+              <a:rPr lang="es-MX" dirty="0"/>
+              <a:t> </a:t>
+            </a:r>
+            <a:r>
+              <a:rPr lang="es-MX" dirty="0" err="1"/>
+              <a:t>Sort</a:t>
+            </a:r>
+            <a:endParaRPr lang="es-MX" dirty="0"/>
+          </a:p>
+        </p:txBody>
+      </p:sp>
+      <p:sp>
+        <p:nvSpPr>
+          <p:cNvPr id="3" name="Content Placeholder 2"/>
+          <p:cNvSpPr>
+            <a:spLocks noGrp="1"/>
+          </p:cNvSpPr>
+          <p:nvPr>
+            <p:ph idx="1"/>
+          </p:nvPr>
+        </p:nvSpPr>
+        <p:spPr>
+          <a:xfrm>
+            <a:off x="457200" y="1535502"/>
+            <a:ext cx="5106838" cy="698740"/>
+          </a:xfrm>
+        </p:spPr>
+        <p:txBody>
+          <a:bodyPr/>
+          <a:lstStyle/>
+          <a:p>
+            <a:pPr marL="0" indent="0">
+              <a:buNone/>
+            </a:pPr>
+            <a:r>
+              <a:rPr lang="es-MX" dirty="0"/>
+              <a:t>( </a:t>
+            </a:r>
+            <a:r>
+              <a:rPr lang="es-MX" b="1" dirty="0">
+                <a:solidFill>
+                  <a:srgbClr val="FF0000"/>
+                </a:solidFill>
+              </a:rPr>
+              <a:t>1 2</a:t>
+            </a:r>
+            <a:r>
+              <a:rPr lang="es-MX" dirty="0"/>
+              <a:t> 4 5 8 ) </a:t>
+            </a:r>
+            <a:r>
+              <a:rPr lang="es-MX" dirty="0">
+                <a:sym typeface="Wingdings" panose="05000000000000000000" pitchFamily="2" charset="2"/>
+              </a:rPr>
+              <a:t> ( </a:t>
+            </a:r>
+            <a:r>
+              <a:rPr lang="es-MX" b="1" dirty="0">
+                <a:solidFill>
+                  <a:srgbClr val="FF0000"/>
+                </a:solidFill>
+                <a:sym typeface="Wingdings" panose="05000000000000000000" pitchFamily="2" charset="2"/>
+              </a:rPr>
+              <a:t>1 2</a:t>
+            </a:r>
+            <a:r>
+              <a:rPr lang="es-MX" dirty="0">
+                <a:solidFill>
+                  <a:srgbClr val="FF0000"/>
+                </a:solidFill>
+                <a:sym typeface="Wingdings" panose="05000000000000000000" pitchFamily="2" charset="2"/>
+              </a:rPr>
+              <a:t> </a:t>
+            </a:r>
+            <a:r>
+              <a:rPr lang="es-MX" dirty="0">
+                <a:sym typeface="Wingdings" panose="05000000000000000000" pitchFamily="2" charset="2"/>
+              </a:rPr>
+              <a:t>4 5 8 ) </a:t>
+            </a:r>
+          </a:p>
+        </p:txBody>
+      </p:sp>
+      <p:sp>
+        <p:nvSpPr>
+          <p:cNvPr id="5" name="Rectangle 4"/>
+          <p:cNvSpPr/>
+          <p:nvPr/>
+        </p:nvSpPr>
+        <p:spPr>
+          <a:xfrm>
+            <a:off x="457200" y="2570674"/>
+            <a:ext cx="5106838" cy="584775"/>
+          </a:xfrm>
+          <a:prstGeom prst="rect">
+            <a:avLst/>
+          </a:prstGeom>
+        </p:spPr>
+        <p:txBody>
+          <a:bodyPr wrap="square">
+            <a:spAutoFit/>
+          </a:bodyPr>
+          <a:lstStyle/>
+          <a:p>
+            <a:pPr marL="0" indent="0">
+              <a:buNone/>
+            </a:pPr>
+            <a:r>
+              <a:rPr lang="es-MX" sz="3200" dirty="0">
+                <a:sym typeface="Wingdings" panose="05000000000000000000" pitchFamily="2" charset="2"/>
+              </a:rPr>
+              <a:t>( 1 </a:t>
+            </a:r>
+            <a:r>
+              <a:rPr lang="es-MX" sz="3200" b="1" dirty="0">
+                <a:solidFill>
+                  <a:srgbClr val="FF0000"/>
+                </a:solidFill>
+                <a:sym typeface="Wingdings" panose="05000000000000000000" pitchFamily="2" charset="2"/>
+              </a:rPr>
+              <a:t>2 4</a:t>
+            </a:r>
+            <a:r>
+              <a:rPr lang="es-MX" sz="3200" dirty="0">
+                <a:sym typeface="Wingdings" panose="05000000000000000000" pitchFamily="2" charset="2"/>
+              </a:rPr>
+              <a:t> 5 8 )  ( 1 </a:t>
+            </a:r>
+            <a:r>
+              <a:rPr lang="es-MX" sz="3200" b="1" dirty="0">
+                <a:solidFill>
+                  <a:srgbClr val="FF0000"/>
+                </a:solidFill>
+                <a:sym typeface="Wingdings" panose="05000000000000000000" pitchFamily="2" charset="2"/>
+              </a:rPr>
+              <a:t>2 4</a:t>
+            </a:r>
+            <a:r>
+              <a:rPr lang="es-MX" sz="3200" dirty="0">
+                <a:solidFill>
+                  <a:srgbClr val="FF0000"/>
+                </a:solidFill>
+                <a:sym typeface="Wingdings" panose="05000000000000000000" pitchFamily="2" charset="2"/>
+              </a:rPr>
+              <a:t> </a:t>
+            </a:r>
+            <a:r>
+              <a:rPr lang="es-MX" sz="3200" dirty="0">
+                <a:sym typeface="Wingdings" panose="05000000000000000000" pitchFamily="2" charset="2"/>
+              </a:rPr>
+              <a:t>5 8 )</a:t>
+            </a:r>
+          </a:p>
+        </p:txBody>
+      </p:sp>
+      <p:sp>
+        <p:nvSpPr>
+          <p:cNvPr id="6" name="Rectangle 5"/>
+          <p:cNvSpPr/>
+          <p:nvPr/>
+        </p:nvSpPr>
+        <p:spPr>
+          <a:xfrm>
+            <a:off x="457200" y="3724791"/>
+            <a:ext cx="5001690" cy="584775"/>
+          </a:xfrm>
+          <a:prstGeom prst="rect">
+            <a:avLst/>
+          </a:prstGeom>
+        </p:spPr>
+        <p:txBody>
+          <a:bodyPr wrap="square">
+            <a:spAutoFit/>
+          </a:bodyPr>
+          <a:lstStyle/>
+          <a:p>
+            <a:pPr marL="0" indent="0">
+              <a:buNone/>
+            </a:pPr>
+            <a:r>
+              <a:rPr lang="es-MX" sz="3200" dirty="0">
+                <a:sym typeface="Wingdings" panose="05000000000000000000" pitchFamily="2" charset="2"/>
+              </a:rPr>
+              <a:t>( 1 2 </a:t>
+            </a:r>
+            <a:r>
+              <a:rPr lang="es-MX" sz="3200" b="1" dirty="0">
+                <a:solidFill>
+                  <a:srgbClr val="FF0000"/>
+                </a:solidFill>
+                <a:sym typeface="Wingdings" panose="05000000000000000000" pitchFamily="2" charset="2"/>
+              </a:rPr>
+              <a:t>4 5 </a:t>
+            </a:r>
+            <a:r>
+              <a:rPr lang="es-MX" sz="3200" dirty="0">
+                <a:sym typeface="Wingdings" panose="05000000000000000000" pitchFamily="2" charset="2"/>
+              </a:rPr>
+              <a:t>8 )  ( 1 2 </a:t>
+            </a:r>
+            <a:r>
+              <a:rPr lang="es-MX" sz="3200" b="1" dirty="0">
+                <a:solidFill>
+                  <a:srgbClr val="FF0000"/>
+                </a:solidFill>
+                <a:sym typeface="Wingdings" panose="05000000000000000000" pitchFamily="2" charset="2"/>
+              </a:rPr>
+              <a:t>4 5 </a:t>
+            </a:r>
+            <a:r>
+              <a:rPr lang="es-MX" sz="3200" dirty="0">
+                <a:sym typeface="Wingdings" panose="05000000000000000000" pitchFamily="2" charset="2"/>
+              </a:rPr>
+              <a:t>8 )</a:t>
+            </a:r>
+          </a:p>
+        </p:txBody>
+      </p:sp>
+      <p:sp>
+        <p:nvSpPr>
+          <p:cNvPr id="7" name="Rectangle 6"/>
+          <p:cNvSpPr/>
+          <p:nvPr/>
+        </p:nvSpPr>
+        <p:spPr>
+          <a:xfrm>
+            <a:off x="457200" y="4930666"/>
+            <a:ext cx="4887877" cy="584775"/>
+          </a:xfrm>
+          <a:prstGeom prst="rect">
+            <a:avLst/>
+          </a:prstGeom>
+        </p:spPr>
+        <p:txBody>
+          <a:bodyPr wrap="none">
+            <a:spAutoFit/>
+          </a:bodyPr>
+          <a:lstStyle/>
+          <a:p>
+            <a:pPr marL="0" indent="0">
+              <a:buNone/>
+            </a:pPr>
+            <a:r>
+              <a:rPr lang="es-MX" sz="3200" dirty="0">
+                <a:sym typeface="Wingdings" panose="05000000000000000000" pitchFamily="2" charset="2"/>
+              </a:rPr>
+              <a:t>( 1 2 4 </a:t>
+            </a:r>
+            <a:r>
+              <a:rPr lang="es-MX" sz="3200" b="1" dirty="0">
+                <a:solidFill>
+                  <a:srgbClr val="FF0000"/>
+                </a:solidFill>
+                <a:sym typeface="Wingdings" panose="05000000000000000000" pitchFamily="2" charset="2"/>
+              </a:rPr>
+              <a:t>5 8</a:t>
+            </a:r>
+            <a:r>
+              <a:rPr lang="es-MX" sz="3200" dirty="0">
+                <a:solidFill>
+                  <a:srgbClr val="FF0000"/>
+                </a:solidFill>
+                <a:sym typeface="Wingdings" panose="05000000000000000000" pitchFamily="2" charset="2"/>
+              </a:rPr>
+              <a:t> </a:t>
+            </a:r>
+            <a:r>
+              <a:rPr lang="es-MX" sz="3200" dirty="0">
+                <a:sym typeface="Wingdings" panose="05000000000000000000" pitchFamily="2" charset="2"/>
+              </a:rPr>
+              <a:t>)  ( 1 2 4 </a:t>
+            </a:r>
+            <a:r>
+              <a:rPr lang="es-MX" sz="3200" b="1" dirty="0">
+                <a:solidFill>
+                  <a:srgbClr val="FF0000"/>
+                </a:solidFill>
+                <a:sym typeface="Wingdings" panose="05000000000000000000" pitchFamily="2" charset="2"/>
+              </a:rPr>
+              <a:t>5 8</a:t>
+            </a:r>
+            <a:r>
+              <a:rPr lang="es-MX" sz="3200" dirty="0">
+                <a:sym typeface="Wingdings" panose="05000000000000000000" pitchFamily="2" charset="2"/>
+              </a:rPr>
+              <a:t>)</a:t>
+            </a:r>
+            <a:endParaRPr lang="es-MX" sz="3200" dirty="0"/>
+          </a:p>
+        </p:txBody>
+      </p:sp>
+      <p:sp>
+        <p:nvSpPr>
+          <p:cNvPr id="8" name="TextBox 7"/>
+          <p:cNvSpPr txBox="1"/>
+          <p:nvPr/>
+        </p:nvSpPr>
+        <p:spPr>
+          <a:xfrm>
+            <a:off x="517585" y="957532"/>
+            <a:ext cx="4226943" cy="523220"/>
+          </a:xfrm>
+          <a:prstGeom prst="rect">
+            <a:avLst/>
+          </a:prstGeom>
+          <a:noFill/>
+        </p:spPr>
+        <p:txBody>
+          <a:bodyPr wrap="square" rtlCol="0">
+            <a:spAutoFit/>
+          </a:bodyPr>
+          <a:lstStyle/>
+          <a:p>
+            <a:r>
+              <a:rPr lang="es-MX" sz="2800" b="1" u="sng" dirty="0"/>
+              <a:t>Tercera Corrida</a:t>
+            </a:r>
+            <a:endParaRPr lang="es-MX" b="1" u="sng" dirty="0"/>
+          </a:p>
+        </p:txBody>
+      </p:sp>
+      <p:sp>
+        <p:nvSpPr>
+          <p:cNvPr id="4" name="TextBox 3"/>
+          <p:cNvSpPr txBox="1"/>
+          <p:nvPr/>
+        </p:nvSpPr>
+        <p:spPr>
+          <a:xfrm>
+            <a:off x="6038491" y="2458528"/>
+            <a:ext cx="2475781" cy="1754326"/>
+          </a:xfrm>
+          <a:prstGeom prst="rect">
+            <a:avLst/>
+          </a:prstGeom>
+          <a:noFill/>
+        </p:spPr>
+        <p:txBody>
+          <a:bodyPr wrap="square" rtlCol="0">
+            <a:spAutoFit/>
+          </a:bodyPr>
+          <a:lstStyle/>
+          <a:p>
+            <a:r>
+              <a:rPr lang="es-MX" dirty="0"/>
+              <a:t>Como completamos una corrida completa sin intercambiar valores, sabemos que el arreglo está ordenado!</a:t>
+            </a:r>
+          </a:p>
+        </p:txBody>
+      </p:sp>
+    </p:spTree>
+    <p:extLst>
+      <p:ext uri="{BB962C8B-B14F-4D97-AF65-F5344CB8AC3E}">
+        <p14:creationId xmlns:p14="http://schemas.microsoft.com/office/powerpoint/2010/main" val="415324599"/>
+      </p:ext>
+    </p:extLst>
+  </p:cSld>
+  <p:clrMapOvr>
+    <a:masterClrMapping/>
+  </p:clrMapOvr>
+</p:sld>
+</file>
+
+<file path=ppt/slides/slide21.xml><?xml version="1.0" encoding="utf-8"?>
 <p:sld xmlns:a="http://schemas.openxmlformats.org/drawingml/2006/main" xmlns:r="http://schemas.openxmlformats.org/officeDocument/2006/relationships" xmlns:p="http://schemas.openxmlformats.org/presentationml/2006/main">
   <p:cSld>
     <p:spTree>
@@ -8959,7 +10522,7 @@
 </p:sld>
 </file>
 
-<file path=ppt/slides/slide21.xml><?xml version="1.0" encoding="utf-8"?>
+<file path=ppt/slides/slide22.xml><?xml version="1.0" encoding="utf-8"?>
 <p:sld xmlns:a="http://schemas.openxmlformats.org/drawingml/2006/main" xmlns:r="http://schemas.openxmlformats.org/officeDocument/2006/relationships" xmlns:p="http://schemas.openxmlformats.org/presentationml/2006/main">
   <p:cSld>
     <p:spTree>
@@ -9093,7 +10656,7 @@
 </p:sld>
 </file>
 
-<file path=ppt/slides/slide22.xml><?xml version="1.0" encoding="utf-8"?>
+<file path=ppt/slides/slide23.xml><?xml version="1.0" encoding="utf-8"?>
 <p:sld xmlns:a="http://schemas.openxmlformats.org/drawingml/2006/main" xmlns:r="http://schemas.openxmlformats.org/officeDocument/2006/relationships" xmlns:p="http://schemas.openxmlformats.org/presentationml/2006/main">
   <p:cSld>
     <p:spTree>
@@ -9235,7 +10798,7 @@
 </p:sld>
 </file>
 
-<file path=ppt/slides/slide23.xml><?xml version="1.0" encoding="utf-8"?>
+<file path=ppt/slides/slide24.xml><?xml version="1.0" encoding="utf-8"?>
 <p:sld xmlns:a="http://schemas.openxmlformats.org/drawingml/2006/main" xmlns:r="http://schemas.openxmlformats.org/officeDocument/2006/relationships" xmlns:p="http://schemas.openxmlformats.org/presentationml/2006/main">
   <p:cSld>
     <p:spTree>
@@ -9567,8 +11130,8 @@
         </p:nvSpPr>
         <p:spPr bwMode="auto">
           <a:xfrm>
-            <a:off x="3500846" y="4186645"/>
-            <a:ext cx="2142308" cy="1489166"/>
+            <a:off x="3500846" y="4186644"/>
+            <a:ext cx="2142308" cy="2015681"/>
           </a:xfrm>
           <a:prstGeom prst="rect">
             <a:avLst/>
@@ -9651,8 +11214,57 @@
                 <a:effectLst/>
                 <a:latin typeface="Arial" charset="0"/>
               </a:rPr>
-              <a:t>búsqueda</a:t>
-            </a:r>
+              <a:t>Búsqueda</a:t>
+            </a:r>
+          </a:p>
+          <a:p>
+            <a:pPr marL="0" marR="0" indent="0" algn="ctr" defTabSz="914400" rtl="0" eaLnBrk="1" fontAlgn="base" latinLnBrk="0" hangingPunct="1">
+              <a:lnSpc>
+                <a:spcPct val="100000"/>
+              </a:lnSpc>
+              <a:spcBef>
+                <a:spcPct val="0"/>
+              </a:spcBef>
+              <a:spcAft>
+                <a:spcPct val="0"/>
+              </a:spcAft>
+              <a:buClrTx/>
+              <a:buSzTx/>
+              <a:buFontTx/>
+              <a:buNone/>
+              <a:tabLst/>
+            </a:pPr>
+            <a:endParaRPr lang="es-ES_tradnl" dirty="0">
+              <a:latin typeface="Arial" charset="0"/>
+            </a:endParaRPr>
+          </a:p>
+          <a:p>
+            <a:pPr marL="0" marR="0" indent="0" algn="ctr" defTabSz="914400" rtl="0" eaLnBrk="1" fontAlgn="base" latinLnBrk="0" hangingPunct="1">
+              <a:lnSpc>
+                <a:spcPct val="100000"/>
+              </a:lnSpc>
+              <a:spcBef>
+                <a:spcPct val="0"/>
+              </a:spcBef>
+              <a:spcAft>
+                <a:spcPct val="0"/>
+              </a:spcAft>
+              <a:buClrTx/>
+              <a:buSzTx/>
+              <a:buFontTx/>
+              <a:buNone/>
+              <a:tabLst/>
+            </a:pPr>
+            <a:endParaRPr kumimoji="0" lang="es-ES_tradnl" sz="1800" b="0" i="0" u="none" strike="noStrike" cap="none" normalizeH="0" baseline="0" dirty="0">
+              <a:ln>
+                <a:noFill/>
+              </a:ln>
+              <a:solidFill>
+                <a:schemeClr val="tx1"/>
+              </a:solidFill>
+              <a:effectLst/>
+              <a:latin typeface="Arial" charset="0"/>
+            </a:endParaRPr>
           </a:p>
         </p:txBody>
       </p:sp>
@@ -9670,7 +11282,7 @@
         </p:nvSpPr>
         <p:spPr>
           <a:xfrm>
-            <a:off x="801735" y="4181697"/>
+            <a:off x="822960" y="4072950"/>
             <a:ext cx="1861455" cy="646331"/>
           </a:xfrm>
           <a:prstGeom prst="rect">
@@ -9706,7 +11318,7 @@
         </p:nvSpPr>
         <p:spPr>
           <a:xfrm>
-            <a:off x="1218108" y="5086189"/>
+            <a:off x="1218108" y="5603632"/>
             <a:ext cx="1312819" cy="646331"/>
           </a:xfrm>
           <a:prstGeom prst="rect">
@@ -9745,7 +11357,7 @@
         </p:nvCxnSpPr>
         <p:spPr bwMode="auto">
           <a:xfrm>
-            <a:off x="2663190" y="4504863"/>
+            <a:off x="2684415" y="4396116"/>
             <a:ext cx="816431" cy="0"/>
           </a:xfrm>
           <a:prstGeom prst="straightConnector1">
@@ -9781,7 +11393,7 @@
         </p:nvCxnSpPr>
         <p:spPr bwMode="auto">
           <a:xfrm>
-            <a:off x="2530927" y="5409355"/>
+            <a:off x="2530927" y="5926798"/>
             <a:ext cx="948694" cy="0"/>
           </a:xfrm>
           <a:prstGeom prst="straightConnector1">
@@ -9814,7 +11426,7 @@
         </p:nvSpPr>
         <p:spPr>
           <a:xfrm>
-            <a:off x="6459584" y="4608062"/>
+            <a:off x="6459585" y="4858995"/>
             <a:ext cx="2227215" cy="646331"/>
           </a:xfrm>
           <a:prstGeom prst="rect">
@@ -9853,9 +11465,9 @@
           <p:nvPr/>
         </p:nvCxnSpPr>
         <p:spPr bwMode="auto">
-          <a:xfrm>
-            <a:off x="5643154" y="4931228"/>
-            <a:ext cx="816430" cy="0"/>
+          <a:xfrm flipV="1">
+            <a:off x="5643154" y="5182161"/>
+            <a:ext cx="816431" cy="12324"/>
           </a:xfrm>
           <a:prstGeom prst="straightConnector1">
             <a:avLst/>
@@ -9873,6 +11485,119 @@
           <a:effectLst/>
         </p:spPr>
       </p:cxnSp>
+      <p:pic>
+        <p:nvPicPr>
+          <p:cNvPr id="9" name="Picture 8" descr="A close up of a logo&#10;&#10;Description automatically generated">
+            <a:extLst>
+              <a:ext uri="{FF2B5EF4-FFF2-40B4-BE49-F238E27FC236}">
+                <a16:creationId xmlns:a16="http://schemas.microsoft.com/office/drawing/2014/main" id="{B3479114-6E97-4955-B7EC-14CDAC6F0585}"/>
+              </a:ext>
+            </a:extLst>
+          </p:cNvPr>
+          <p:cNvPicPr>
+            <a:picLocks noChangeAspect="1"/>
+          </p:cNvPicPr>
+          <p:nvPr/>
+        </p:nvPicPr>
+        <p:blipFill rotWithShape="1">
+          <a:blip r:embed="rId2" cstate="print">
+            <a:extLst>
+              <a:ext uri="{28A0092B-C50C-407E-A947-70E740481C1C}">
+                <a14:useLocalDpi xmlns:a14="http://schemas.microsoft.com/office/drawing/2010/main" val="0"/>
+              </a:ext>
+            </a:extLst>
+          </a:blip>
+          <a:srcRect t="28461" r="39050" b="39004"/>
+          <a:stretch/>
+        </p:blipFill>
+        <p:spPr>
+          <a:xfrm>
+            <a:off x="876261" y="4817587"/>
+            <a:ext cx="1654666" cy="364574"/>
+          </a:xfrm>
+          <a:prstGeom prst="rect">
+            <a:avLst/>
+          </a:prstGeom>
+        </p:spPr>
+      </p:pic>
+      <p:pic>
+        <p:nvPicPr>
+          <p:cNvPr id="16" name="Graphic 15" descr="Bullseye">
+            <a:extLst>
+              <a:ext uri="{FF2B5EF4-FFF2-40B4-BE49-F238E27FC236}">
+                <a16:creationId xmlns:a16="http://schemas.microsoft.com/office/drawing/2014/main" id="{65297BC8-9FEA-4759-8012-4F22A65A58B1}"/>
+              </a:ext>
+            </a:extLst>
+          </p:cNvPr>
+          <p:cNvPicPr>
+            <a:picLocks noChangeAspect="1"/>
+          </p:cNvPicPr>
+          <p:nvPr/>
+        </p:nvPicPr>
+        <p:blipFill>
+          <a:blip r:embed="rId3">
+            <a:extLst>
+              <a:ext uri="{28A0092B-C50C-407E-A947-70E740481C1C}">
+                <a14:useLocalDpi xmlns:a14="http://schemas.microsoft.com/office/drawing/2010/main" val="0"/>
+              </a:ext>
+              <a:ext uri="{96DAC541-7B7A-43D3-8B79-37D633B846F1}">
+                <asvg:svgBlip xmlns:asvg="http://schemas.microsoft.com/office/drawing/2016/SVG/main" r:embed="rId4"/>
+              </a:ext>
+            </a:extLst>
+          </a:blip>
+          <a:stretch>
+            <a:fillRect/>
+          </a:stretch>
+        </p:blipFill>
+        <p:spPr>
+          <a:xfrm>
+            <a:off x="1595577" y="6202325"/>
+            <a:ext cx="563559" cy="565752"/>
+          </a:xfrm>
+          <a:prstGeom prst="rect">
+            <a:avLst/>
+          </a:prstGeom>
+        </p:spPr>
+      </p:pic>
+      <p:pic>
+        <p:nvPicPr>
+          <p:cNvPr id="20" name="Graphic 19" descr="Brain in head">
+            <a:extLst>
+              <a:ext uri="{FF2B5EF4-FFF2-40B4-BE49-F238E27FC236}">
+                <a16:creationId xmlns:a16="http://schemas.microsoft.com/office/drawing/2014/main" id="{9EE4C0E7-68B6-43ED-A895-8C22AC3B063C}"/>
+              </a:ext>
+            </a:extLst>
+          </p:cNvPr>
+          <p:cNvPicPr>
+            <a:picLocks noChangeAspect="1"/>
+          </p:cNvPicPr>
+          <p:nvPr/>
+        </p:nvPicPr>
+        <p:blipFill>
+          <a:blip r:embed="rId5">
+            <a:extLst>
+              <a:ext uri="{28A0092B-C50C-407E-A947-70E740481C1C}">
+                <a14:useLocalDpi xmlns:a14="http://schemas.microsoft.com/office/drawing/2010/main" val="0"/>
+              </a:ext>
+              <a:ext uri="{96DAC541-7B7A-43D3-8B79-37D633B846F1}">
+                <asvg:svgBlip xmlns:asvg="http://schemas.microsoft.com/office/drawing/2016/SVG/main" r:embed="rId6"/>
+              </a:ext>
+            </a:extLst>
+          </a:blip>
+          <a:stretch>
+            <a:fillRect/>
+          </a:stretch>
+        </p:blipFill>
+        <p:spPr>
+          <a:xfrm>
+            <a:off x="4114800" y="5194484"/>
+            <a:ext cx="914400" cy="914400"/>
+          </a:xfrm>
+          <a:prstGeom prst="rect">
+            <a:avLst/>
+          </a:prstGeom>
+        </p:spPr>
+      </p:pic>
     </p:spTree>
     <p:extLst>
       <p:ext uri="{BB962C8B-B14F-4D97-AF65-F5344CB8AC3E}">
@@ -9913,7 +11638,12 @@
             <p:ph type="title"/>
           </p:nvPr>
         </p:nvSpPr>
-        <p:spPr/>
+        <p:spPr>
+          <a:xfrm>
+            <a:off x="457200" y="274637"/>
+            <a:ext cx="8229600" cy="1298981"/>
+          </a:xfrm>
+        </p:spPr>
         <p:txBody>
           <a:bodyPr/>
           <a:lstStyle/>
@@ -9921,6 +11651,13 @@
             <a:r>
               <a:rPr lang="es-MX" dirty="0"/>
               <a:t>Búsqueda secuencial</a:t>
+            </a:r>
+            <a:br>
+              <a:rPr lang="es-MX" dirty="0"/>
+            </a:br>
+            <a:r>
+              <a:rPr lang="es-MX" dirty="0"/>
+              <a:t>Búsqueda lineal</a:t>
             </a:r>
           </a:p>
         </p:txBody>
@@ -9937,90 +11674,339 @@
         </p:nvSpPr>
         <p:spPr>
           <a:xfrm>
-            <a:off x="457200" y="1282890"/>
-            <a:ext cx="8229600" cy="4979751"/>
+            <a:off x="457200" y="1807535"/>
+            <a:ext cx="8229600" cy="1446028"/>
           </a:xfrm>
         </p:spPr>
         <p:txBody>
           <a:bodyPr/>
           <a:lstStyle/>
           <a:p>
-            <a:r>
-              <a:rPr lang="es-MX" dirty="0"/>
-              <a:t>La búsqueda secuencial consiste en buscar en un arreglo un elemento hasta que lo encontremos.</a:t>
-            </a:r>
-          </a:p>
-          <a:p>
-            <a:r>
-              <a:rPr lang="es-MX" dirty="0"/>
-              <a:t>Ejemplo: Encuentra un 5 en el siguiente arreglo ( 1 4 5 3 1 )</a:t>
-            </a:r>
-          </a:p>
-          <a:p>
-            <a:pPr marL="0" indent="0" algn="ctr">
+            <a:pPr algn="just"/>
+            <a:r>
+              <a:rPr lang="es-MX" sz="2800" dirty="0"/>
+              <a:t>La búsqueda secuencial consiste revisar cada índice del arreglo hasta que encontremos el elemento deseado.</a:t>
+            </a:r>
+          </a:p>
+        </p:txBody>
+      </p:sp>
+      <p:pic>
+        <p:nvPicPr>
+          <p:cNvPr id="4" name="Picture 3">
+            <a:extLst>
+              <a:ext uri="{FF2B5EF4-FFF2-40B4-BE49-F238E27FC236}">
+                <a16:creationId xmlns:a16="http://schemas.microsoft.com/office/drawing/2014/main" id="{9B818105-0943-47B2-838E-9143E0BD4AC7}"/>
+              </a:ext>
+            </a:extLst>
+          </p:cNvPr>
+          <p:cNvPicPr>
+            <a:picLocks noChangeAspect="1"/>
+          </p:cNvPicPr>
+          <p:nvPr/>
+        </p:nvPicPr>
+        <p:blipFill>
+          <a:blip r:embed="rId2"/>
+          <a:stretch>
+            <a:fillRect/>
+          </a:stretch>
+        </p:blipFill>
+        <p:spPr>
+          <a:xfrm>
+            <a:off x="1825258" y="3604438"/>
+            <a:ext cx="5660064" cy="1029103"/>
+          </a:xfrm>
+          <a:prstGeom prst="rect">
+            <a:avLst/>
+          </a:prstGeom>
+        </p:spPr>
+      </p:pic>
+      <p:sp>
+        <p:nvSpPr>
+          <p:cNvPr id="5" name="TextBox 4">
+            <a:extLst>
+              <a:ext uri="{FF2B5EF4-FFF2-40B4-BE49-F238E27FC236}">
+                <a16:creationId xmlns:a16="http://schemas.microsoft.com/office/drawing/2014/main" id="{940BAEA5-AF28-45FA-A225-17A5AE04F9D8}"/>
+              </a:ext>
+            </a:extLst>
+          </p:cNvPr>
+          <p:cNvSpPr txBox="1"/>
+          <p:nvPr/>
+        </p:nvSpPr>
+        <p:spPr>
+          <a:xfrm>
+            <a:off x="539599" y="4019108"/>
+            <a:ext cx="971107" cy="382771"/>
+          </a:xfrm>
+          <a:prstGeom prst="rect">
+            <a:avLst/>
+          </a:prstGeom>
+          <a:noFill/>
+        </p:spPr>
+        <p:txBody>
+          <a:bodyPr wrap="square" rtlCol="0">
+            <a:spAutoFit/>
+          </a:bodyPr>
+          <a:lstStyle/>
+          <a:p>
+            <a:r>
+              <a:rPr lang="es-MX" dirty="0">
+                <a:latin typeface="Cascadia Code" panose="00000509000000000000" pitchFamily="49" charset="0"/>
+              </a:rPr>
+              <a:t>array</a:t>
+            </a:r>
+            <a:endParaRPr lang="en-US" dirty="0">
+              <a:latin typeface="Cascadia Code" panose="00000509000000000000" pitchFamily="49" charset="0"/>
+            </a:endParaRPr>
+          </a:p>
+        </p:txBody>
+      </p:sp>
+      <p:sp>
+        <p:nvSpPr>
+          <p:cNvPr id="6" name="TextBox 5">
+            <a:extLst>
+              <a:ext uri="{FF2B5EF4-FFF2-40B4-BE49-F238E27FC236}">
+                <a16:creationId xmlns:a16="http://schemas.microsoft.com/office/drawing/2014/main" id="{B5F1FF03-2A32-4E26-829B-96ABEBA537C2}"/>
+              </a:ext>
+            </a:extLst>
+          </p:cNvPr>
+          <p:cNvSpPr txBox="1"/>
+          <p:nvPr/>
+        </p:nvSpPr>
+        <p:spPr>
+          <a:xfrm>
+            <a:off x="457200" y="3346451"/>
+            <a:ext cx="1633870" cy="369332"/>
+          </a:xfrm>
+          <a:prstGeom prst="rect">
+            <a:avLst/>
+          </a:prstGeom>
+          <a:noFill/>
+        </p:spPr>
+        <p:txBody>
+          <a:bodyPr wrap="square" rtlCol="0">
+            <a:spAutoFit/>
+          </a:bodyPr>
+          <a:lstStyle/>
+          <a:p>
+            <a:r>
+              <a:rPr lang="es-MX" dirty="0" err="1">
+                <a:latin typeface="Cascadia Code" panose="00000509000000000000" pitchFamily="49" charset="0"/>
+              </a:rPr>
+              <a:t>searchKey</a:t>
+            </a:r>
+            <a:endParaRPr lang="en-US" dirty="0">
+              <a:latin typeface="Cascadia Code" panose="00000509000000000000" pitchFamily="49" charset="0"/>
+            </a:endParaRPr>
+          </a:p>
+        </p:txBody>
+      </p:sp>
+      <p:sp>
+        <p:nvSpPr>
+          <p:cNvPr id="7" name="TextBox 6">
+            <a:extLst>
+              <a:ext uri="{FF2B5EF4-FFF2-40B4-BE49-F238E27FC236}">
+                <a16:creationId xmlns:a16="http://schemas.microsoft.com/office/drawing/2014/main" id="{7F062F1B-AE7E-487F-A01F-AAE409AC317C}"/>
+              </a:ext>
+            </a:extLst>
+          </p:cNvPr>
+          <p:cNvSpPr txBox="1"/>
+          <p:nvPr/>
+        </p:nvSpPr>
+        <p:spPr>
+          <a:xfrm>
+            <a:off x="2020186" y="3346451"/>
+            <a:ext cx="637954" cy="369332"/>
+          </a:xfrm>
+          <a:prstGeom prst="rect">
+            <a:avLst/>
+          </a:prstGeom>
+          <a:noFill/>
+          <a:ln w="28575">
+            <a:solidFill>
+              <a:schemeClr val="tx1"/>
+            </a:solidFill>
+          </a:ln>
+        </p:spPr>
+        <p:txBody>
+          <a:bodyPr wrap="square" rtlCol="0">
+            <a:spAutoFit/>
+          </a:bodyPr>
+          <a:lstStyle/>
+          <a:p>
+            <a:pPr algn="ctr"/>
+            <a:r>
+              <a:rPr lang="es-MX" dirty="0">
+                <a:latin typeface="Cascadia Code" panose="00000509000000000000" pitchFamily="49" charset="0"/>
+              </a:rPr>
+              <a:t>76</a:t>
+            </a:r>
+            <a:endParaRPr lang="en-US" dirty="0">
+              <a:latin typeface="Cascadia Code" panose="00000509000000000000" pitchFamily="49" charset="0"/>
+            </a:endParaRPr>
+          </a:p>
+        </p:txBody>
+      </p:sp>
+      <p:sp>
+        <p:nvSpPr>
+          <p:cNvPr id="8" name="Arrow: Down 7">
+            <a:extLst>
+              <a:ext uri="{FF2B5EF4-FFF2-40B4-BE49-F238E27FC236}">
+                <a16:creationId xmlns:a16="http://schemas.microsoft.com/office/drawing/2014/main" id="{E170C4B8-424F-4826-9843-136B71E64A64}"/>
+              </a:ext>
+            </a:extLst>
+          </p:cNvPr>
+          <p:cNvSpPr/>
+          <p:nvPr/>
+        </p:nvSpPr>
+        <p:spPr bwMode="auto">
+          <a:xfrm rot="10800000">
+            <a:off x="2275367" y="4736599"/>
+            <a:ext cx="382773" cy="495634"/>
+          </a:xfrm>
+          <a:prstGeom prst="downArrow">
+            <a:avLst/>
+          </a:prstGeom>
+          <a:noFill/>
+          <a:ln w="38100" cap="flat" cmpd="sng" algn="ctr">
+            <a:solidFill>
+              <a:schemeClr val="tx1"/>
+            </a:solidFill>
+            <a:prstDash val="solid"/>
+            <a:round/>
+            <a:headEnd type="none" w="med" len="med"/>
+            <a:tailEnd type="none" w="med" len="med"/>
+          </a:ln>
+          <a:effectLst/>
+        </p:spPr>
+        <p:txBody>
+          <a:bodyPr vert="horz" wrap="none" lIns="91440" tIns="45720" rIns="91440" bIns="45720" numCol="1" rtlCol="0" anchor="ctr" anchorCtr="0" compatLnSpc="1">
+            <a:prstTxWarp prst="textNoShape">
+              <a:avLst/>
+            </a:prstTxWarp>
+          </a:bodyPr>
+          <a:lstStyle/>
+          <a:p>
+            <a:pPr marL="0" marR="0" indent="0" algn="ctr" defTabSz="914400" rtl="0" eaLnBrk="1" fontAlgn="base" latinLnBrk="0" hangingPunct="1">
+              <a:lnSpc>
+                <a:spcPct val="100000"/>
+              </a:lnSpc>
+              <a:spcBef>
+                <a:spcPct val="0"/>
+              </a:spcBef>
+              <a:spcAft>
+                <a:spcPct val="0"/>
+              </a:spcAft>
+              <a:buClrTx/>
+              <a:buSzTx/>
+              <a:buFontTx/>
               <a:buNone/>
+              <a:tabLst/>
             </a:pPr>
-            <a:br>
-              <a:rPr lang="es-MX" dirty="0"/>
-            </a:br>
-            <a:r>
-              <a:rPr lang="es-MX" dirty="0"/>
-              <a:t>( </a:t>
-            </a:r>
-            <a:r>
-              <a:rPr lang="es-MX" b="1" dirty="0">
+            <a:endParaRPr kumimoji="0" lang="en-US" sz="1800" b="0" i="0" u="none" strike="noStrike" cap="none" normalizeH="0" baseline="0">
+              <a:ln>
+                <a:noFill/>
+              </a:ln>
+              <a:solidFill>
+                <a:schemeClr val="tx1"/>
+              </a:solidFill>
+              <a:effectLst/>
+              <a:latin typeface="Arial" charset="0"/>
+            </a:endParaRPr>
+          </a:p>
+        </p:txBody>
+      </p:sp>
+      <p:sp>
+        <p:nvSpPr>
+          <p:cNvPr id="10" name="TextBox 9">
+            <a:extLst>
+              <a:ext uri="{FF2B5EF4-FFF2-40B4-BE49-F238E27FC236}">
+                <a16:creationId xmlns:a16="http://schemas.microsoft.com/office/drawing/2014/main" id="{7A1D6039-F533-47BA-AFA4-78BD68BA06FC}"/>
+              </a:ext>
+            </a:extLst>
+          </p:cNvPr>
+          <p:cNvSpPr txBox="1"/>
+          <p:nvPr/>
+        </p:nvSpPr>
+        <p:spPr>
+          <a:xfrm>
+            <a:off x="5195777" y="5334739"/>
+            <a:ext cx="2346252" cy="646331"/>
+          </a:xfrm>
+          <a:prstGeom prst="rect">
+            <a:avLst/>
+          </a:prstGeom>
+          <a:noFill/>
+        </p:spPr>
+        <p:txBody>
+          <a:bodyPr wrap="square" rtlCol="0">
+            <a:spAutoFit/>
+          </a:bodyPr>
+          <a:lstStyle/>
+          <a:p>
+            <a:pPr algn="ctr"/>
+            <a:r>
+              <a:rPr lang="es-MX" dirty="0" err="1">
                 <a:solidFill>
                   <a:srgbClr val="FF0000"/>
                 </a:solidFill>
+                <a:latin typeface="Cascadia Code" panose="00000509000000000000" pitchFamily="49" charset="0"/>
               </a:rPr>
-              <a:t>1</a:t>
-            </a:r>
-            <a:r>
-              <a:rPr lang="es-MX" dirty="0"/>
-              <a:t> 4 5 3 1 )</a:t>
-            </a:r>
-          </a:p>
-          <a:p>
-            <a:pPr marL="0" indent="0" algn="ctr">
-              <a:buNone/>
-            </a:pPr>
-            <a:r>
-              <a:rPr lang="es-MX" dirty="0"/>
-              <a:t>( 1 </a:t>
-            </a:r>
-            <a:r>
-              <a:rPr lang="es-MX" b="1" dirty="0">
+              <a:t>Found</a:t>
+            </a:r>
+            <a:r>
+              <a:rPr lang="es-MX" dirty="0">
                 <a:solidFill>
                   <a:srgbClr val="FF0000"/>
                 </a:solidFill>
+                <a:latin typeface="Cascadia Code" panose="00000509000000000000" pitchFamily="49" charset="0"/>
               </a:rPr>
-              <a:t>4</a:t>
-            </a:r>
-            <a:r>
-              <a:rPr lang="es-MX" dirty="0"/>
-              <a:t> 5 3 1 )</a:t>
-            </a:r>
-          </a:p>
-          <a:p>
-            <a:pPr marL="0" indent="0" algn="ctr">
-              <a:buNone/>
-            </a:pPr>
-            <a:r>
-              <a:rPr lang="es-MX" dirty="0"/>
-              <a:t>( 1 4 </a:t>
-            </a:r>
-            <a:r>
-              <a:rPr lang="es-MX" b="1" dirty="0">
+              <a:t>! </a:t>
+            </a:r>
+          </a:p>
+          <a:p>
+            <a:pPr algn="ctr"/>
+            <a:r>
+              <a:rPr lang="es-MX" dirty="0" err="1">
                 <a:solidFill>
                   <a:srgbClr val="FF0000"/>
                 </a:solidFill>
+                <a:latin typeface="Cascadia Code" panose="00000509000000000000" pitchFamily="49" charset="0"/>
               </a:rPr>
-              <a:t>5</a:t>
-            </a:r>
-            <a:r>
-              <a:rPr lang="es-MX" dirty="0"/>
-              <a:t> 3 1 )</a:t>
-            </a:r>
+              <a:t>Return</a:t>
+            </a:r>
+            <a:r>
+              <a:rPr lang="es-MX" dirty="0">
+                <a:solidFill>
+                  <a:srgbClr val="FF0000"/>
+                </a:solidFill>
+                <a:latin typeface="Cascadia Code" panose="00000509000000000000" pitchFamily="49" charset="0"/>
+              </a:rPr>
+              <a:t> </a:t>
+            </a:r>
+            <a:r>
+              <a:rPr lang="es-MX" dirty="0" err="1">
+                <a:solidFill>
+                  <a:srgbClr val="FF0000"/>
+                </a:solidFill>
+                <a:latin typeface="Cascadia Code" panose="00000509000000000000" pitchFamily="49" charset="0"/>
+              </a:rPr>
+              <a:t>index</a:t>
+            </a:r>
+            <a:r>
+              <a:rPr lang="es-MX" dirty="0">
+                <a:solidFill>
+                  <a:srgbClr val="FF0000"/>
+                </a:solidFill>
+                <a:latin typeface="Cascadia Code" panose="00000509000000000000" pitchFamily="49" charset="0"/>
+              </a:rPr>
+              <a:t> 4!</a:t>
+            </a:r>
+            <a:endParaRPr lang="en-US" dirty="0">
+              <a:solidFill>
+                <a:srgbClr val="FF0000"/>
+              </a:solidFill>
+              <a:latin typeface="Cascadia Code" panose="00000509000000000000" pitchFamily="49" charset="0"/>
+            </a:endParaRPr>
           </a:p>
         </p:txBody>
       </p:sp>
@@ -10034,6 +12020,248 @@
   <p:clrMapOvr>
     <a:masterClrMapping/>
   </p:clrMapOvr>
+  <p:timing>
+    <p:tnLst>
+      <p:par>
+        <p:cTn id="1" dur="indefinite" restart="never" nodeType="tmRoot">
+          <p:childTnLst>
+            <p:seq concurrent="1" nextAc="seek">
+              <p:cTn id="2" dur="indefinite" nodeType="mainSeq">
+                <p:childTnLst>
+                  <p:par>
+                    <p:cTn id="3" fill="hold">
+                      <p:stCondLst>
+                        <p:cond delay="indefinite"/>
+                      </p:stCondLst>
+                      <p:childTnLst>
+                        <p:par>
+                          <p:cTn id="4" fill="hold">
+                            <p:stCondLst>
+                              <p:cond delay="0"/>
+                            </p:stCondLst>
+                            <p:childTnLst>
+                              <p:par>
+                                <p:cTn id="5" presetID="63" presetClass="path" presetSubtype="0" accel="50000" decel="50000" fill="hold" grpId="2" nodeType="clickEffect">
+                                  <p:stCondLst>
+                                    <p:cond delay="0"/>
+                                  </p:stCondLst>
+                                  <p:childTnLst>
+                                    <p:animMotion origin="layout" path="M 1.94444E-6 -1.85185E-6 L 0.0908 -1.85185E-6 " pathEditMode="relative" rAng="0" ptsTypes="AA">
+                                      <p:cBhvr>
+                                        <p:cTn id="6" dur="500" fill="hold"/>
+                                        <p:tgtEl>
+                                          <p:spTgt spid="8"/>
+                                        </p:tgtEl>
+                                        <p:attrNameLst>
+                                          <p:attrName>ppt_x</p:attrName>
+                                          <p:attrName>ppt_y</p:attrName>
+                                        </p:attrNameLst>
+                                      </p:cBhvr>
+                                      <p:rCtr x="4531" y="0"/>
+                                    </p:animMotion>
+                                  </p:childTnLst>
+                                </p:cTn>
+                              </p:par>
+                            </p:childTnLst>
+                          </p:cTn>
+                        </p:par>
+                      </p:childTnLst>
+                    </p:cTn>
+                  </p:par>
+                  <p:par>
+                    <p:cTn id="7" fill="hold">
+                      <p:stCondLst>
+                        <p:cond delay="indefinite"/>
+                      </p:stCondLst>
+                      <p:childTnLst>
+                        <p:par>
+                          <p:cTn id="8" fill="hold">
+                            <p:stCondLst>
+                              <p:cond delay="0"/>
+                            </p:stCondLst>
+                            <p:childTnLst>
+                              <p:par>
+                                <p:cTn id="9" presetID="63" presetClass="path" presetSubtype="0" accel="50000" decel="50000" fill="hold" grpId="3" nodeType="clickEffect">
+                                  <p:stCondLst>
+                                    <p:cond delay="0"/>
+                                  </p:stCondLst>
+                                  <p:childTnLst>
+                                    <p:animMotion origin="layout" path="M 0.0908 -1.85185E-6 L 0.1901 -1.85185E-6 " pathEditMode="relative" rAng="0" ptsTypes="AA">
+                                      <p:cBhvr>
+                                        <p:cTn id="10" dur="500" fill="hold"/>
+                                        <p:tgtEl>
+                                          <p:spTgt spid="8"/>
+                                        </p:tgtEl>
+                                        <p:attrNameLst>
+                                          <p:attrName>ppt_x</p:attrName>
+                                          <p:attrName>ppt_y</p:attrName>
+                                        </p:attrNameLst>
+                                      </p:cBhvr>
+                                      <p:rCtr x="4757" y="0"/>
+                                    </p:animMotion>
+                                  </p:childTnLst>
+                                </p:cTn>
+                              </p:par>
+                            </p:childTnLst>
+                          </p:cTn>
+                        </p:par>
+                      </p:childTnLst>
+                    </p:cTn>
+                  </p:par>
+                  <p:par>
+                    <p:cTn id="11" fill="hold">
+                      <p:stCondLst>
+                        <p:cond delay="indefinite"/>
+                      </p:stCondLst>
+                      <p:childTnLst>
+                        <p:par>
+                          <p:cTn id="12" fill="hold">
+                            <p:stCondLst>
+                              <p:cond delay="0"/>
+                            </p:stCondLst>
+                            <p:childTnLst>
+                              <p:par>
+                                <p:cTn id="13" presetID="63" presetClass="path" presetSubtype="0" accel="50000" decel="50000" fill="hold" grpId="4" nodeType="clickEffect">
+                                  <p:stCondLst>
+                                    <p:cond delay="0"/>
+                                  </p:stCondLst>
+                                  <p:childTnLst>
+                                    <p:animMotion origin="layout" path="M 0.1901 -1.85185E-6 L 0.28923 -1.85185E-6 " pathEditMode="relative" rAng="0" ptsTypes="AA">
+                                      <p:cBhvr>
+                                        <p:cTn id="14" dur="500" fill="hold"/>
+                                        <p:tgtEl>
+                                          <p:spTgt spid="8"/>
+                                        </p:tgtEl>
+                                        <p:attrNameLst>
+                                          <p:attrName>ppt_x</p:attrName>
+                                          <p:attrName>ppt_y</p:attrName>
+                                        </p:attrNameLst>
+                                      </p:cBhvr>
+                                      <p:rCtr x="4948" y="0"/>
+                                    </p:animMotion>
+                                  </p:childTnLst>
+                                </p:cTn>
+                              </p:par>
+                            </p:childTnLst>
+                          </p:cTn>
+                        </p:par>
+                      </p:childTnLst>
+                    </p:cTn>
+                  </p:par>
+                  <p:par>
+                    <p:cTn id="15" fill="hold">
+                      <p:stCondLst>
+                        <p:cond delay="indefinite"/>
+                      </p:stCondLst>
+                      <p:childTnLst>
+                        <p:par>
+                          <p:cTn id="16" fill="hold">
+                            <p:stCondLst>
+                              <p:cond delay="0"/>
+                            </p:stCondLst>
+                            <p:childTnLst>
+                              <p:par>
+                                <p:cTn id="17" presetID="63" presetClass="path" presetSubtype="0" accel="50000" decel="50000" fill="hold" grpId="5" nodeType="clickEffect">
+                                  <p:stCondLst>
+                                    <p:cond delay="0"/>
+                                  </p:stCondLst>
+                                  <p:childTnLst>
+                                    <p:animMotion origin="layout" path="M 0.28923 -1.85185E-6 L 0.38385 -1.85185E-6 " pathEditMode="relative" rAng="0" ptsTypes="AA">
+                                      <p:cBhvr>
+                                        <p:cTn id="18" dur="500" fill="hold"/>
+                                        <p:tgtEl>
+                                          <p:spTgt spid="8"/>
+                                        </p:tgtEl>
+                                        <p:attrNameLst>
+                                          <p:attrName>ppt_x</p:attrName>
+                                          <p:attrName>ppt_y</p:attrName>
+                                        </p:attrNameLst>
+                                      </p:cBhvr>
+                                      <p:rCtr x="4722" y="0"/>
+                                    </p:animMotion>
+                                  </p:childTnLst>
+                                </p:cTn>
+                              </p:par>
+                            </p:childTnLst>
+                          </p:cTn>
+                        </p:par>
+                      </p:childTnLst>
+                    </p:cTn>
+                  </p:par>
+                  <p:par>
+                    <p:cTn id="19" fill="hold">
+                      <p:stCondLst>
+                        <p:cond delay="indefinite"/>
+                      </p:stCondLst>
+                      <p:childTnLst>
+                        <p:par>
+                          <p:cTn id="20" fill="hold">
+                            <p:stCondLst>
+                              <p:cond delay="0"/>
+                            </p:stCondLst>
+                            <p:childTnLst>
+                              <p:par>
+                                <p:cTn id="21" presetID="1" presetClass="entr" presetSubtype="0" fill="hold" grpId="0" nodeType="clickEffect">
+                                  <p:stCondLst>
+                                    <p:cond delay="0"/>
+                                  </p:stCondLst>
+                                  <p:childTnLst>
+                                    <p:set>
+                                      <p:cBhvr>
+                                        <p:cTn id="22" dur="1" fill="hold">
+                                          <p:stCondLst>
+                                            <p:cond delay="0"/>
+                                          </p:stCondLst>
+                                        </p:cTn>
+                                        <p:tgtEl>
+                                          <p:spTgt spid="10"/>
+                                        </p:tgtEl>
+                                        <p:attrNameLst>
+                                          <p:attrName>style.visibility</p:attrName>
+                                        </p:attrNameLst>
+                                      </p:cBhvr>
+                                      <p:to>
+                                        <p:strVal val="visible"/>
+                                      </p:to>
+                                    </p:set>
+                                  </p:childTnLst>
+                                </p:cTn>
+                              </p:par>
+                            </p:childTnLst>
+                          </p:cTn>
+                        </p:par>
+                      </p:childTnLst>
+                    </p:cTn>
+                  </p:par>
+                </p:childTnLst>
+              </p:cTn>
+              <p:prevCondLst>
+                <p:cond evt="onPrev" delay="0">
+                  <p:tgtEl>
+                    <p:sldTgt/>
+                  </p:tgtEl>
+                </p:cond>
+              </p:prevCondLst>
+              <p:nextCondLst>
+                <p:cond evt="onNext" delay="0">
+                  <p:tgtEl>
+                    <p:sldTgt/>
+                  </p:tgtEl>
+                </p:cond>
+              </p:nextCondLst>
+            </p:seq>
+          </p:childTnLst>
+        </p:cTn>
+      </p:par>
+    </p:tnLst>
+    <p:bldLst>
+      <p:bldP spid="8" grpId="2" animBg="1"/>
+      <p:bldP spid="8" grpId="3" animBg="1"/>
+      <p:bldP spid="8" grpId="4" animBg="1"/>
+      <p:bldP spid="8" grpId="5" animBg="1"/>
+      <p:bldP spid="10" grpId="0"/>
+    </p:bldLst>
+  </p:timing>
 </p:sld>
 </file>
 
@@ -10064,7 +12292,12 @@
             <p:ph type="title"/>
           </p:nvPr>
         </p:nvSpPr>
-        <p:spPr/>
+        <p:spPr>
+          <a:xfrm>
+            <a:off x="457200" y="274637"/>
+            <a:ext cx="8229600" cy="1298981"/>
+          </a:xfrm>
+        </p:spPr>
         <p:txBody>
           <a:bodyPr/>
           <a:lstStyle/>
@@ -10072,6 +12305,13 @@
             <a:r>
               <a:rPr lang="es-MX" dirty="0"/>
               <a:t>Búsqueda secuencial</a:t>
+            </a:r>
+            <a:br>
+              <a:rPr lang="es-MX" dirty="0"/>
+            </a:br>
+            <a:r>
+              <a:rPr lang="es-MX" dirty="0"/>
+              <a:t>Búsqueda lineal</a:t>
             </a:r>
           </a:p>
         </p:txBody>
@@ -10086,42 +12326,678 @@
             <p:ph idx="1"/>
           </p:nvPr>
         </p:nvSpPr>
-        <p:spPr/>
+        <p:spPr>
+          <a:xfrm>
+            <a:off x="457200" y="1807535"/>
+            <a:ext cx="8229600" cy="1446028"/>
+          </a:xfrm>
+        </p:spPr>
         <p:txBody>
           <a:bodyPr/>
           <a:lstStyle/>
           <a:p>
-            <a:r>
-              <a:rPr lang="es-MX" dirty="0"/>
-              <a:t>La búsqueda secuencial es muy tardada, y en el peor de los casos </a:t>
-            </a:r>
-            <a:r>
-              <a:rPr lang="es-MX" i="1" dirty="0"/>
-              <a:t>(el elemento que estamos buscando es el último)</a:t>
-            </a:r>
-            <a:r>
-              <a:rPr lang="es-MX" dirty="0"/>
-              <a:t> tiene que recorrer todo el arreglo!</a:t>
-            </a:r>
-          </a:p>
-          <a:p>
-            <a:r>
-              <a:rPr lang="es-MX" dirty="0"/>
-              <a:t>Sólo tiene sentido realizarla cuando el arreglo está desordenado.</a:t>
-            </a:r>
+            <a:pPr algn="just"/>
+            <a:r>
+              <a:rPr lang="es-MX" sz="2800" dirty="0"/>
+              <a:t>La búsqueda secuencial consiste revisar cada índice del arreglo hasta que encontremos el elemento deseado.</a:t>
+            </a:r>
+          </a:p>
+        </p:txBody>
+      </p:sp>
+      <p:pic>
+        <p:nvPicPr>
+          <p:cNvPr id="4" name="Picture 3">
+            <a:extLst>
+              <a:ext uri="{FF2B5EF4-FFF2-40B4-BE49-F238E27FC236}">
+                <a16:creationId xmlns:a16="http://schemas.microsoft.com/office/drawing/2014/main" id="{9B818105-0943-47B2-838E-9143E0BD4AC7}"/>
+              </a:ext>
+            </a:extLst>
+          </p:cNvPr>
+          <p:cNvPicPr>
+            <a:picLocks noChangeAspect="1"/>
+          </p:cNvPicPr>
+          <p:nvPr/>
+        </p:nvPicPr>
+        <p:blipFill>
+          <a:blip r:embed="rId2"/>
+          <a:stretch>
+            <a:fillRect/>
+          </a:stretch>
+        </p:blipFill>
+        <p:spPr>
+          <a:xfrm>
+            <a:off x="1825258" y="3604438"/>
+            <a:ext cx="5660064" cy="1029103"/>
+          </a:xfrm>
+          <a:prstGeom prst="rect">
+            <a:avLst/>
+          </a:prstGeom>
+        </p:spPr>
+      </p:pic>
+      <p:sp>
+        <p:nvSpPr>
+          <p:cNvPr id="5" name="TextBox 4">
+            <a:extLst>
+              <a:ext uri="{FF2B5EF4-FFF2-40B4-BE49-F238E27FC236}">
+                <a16:creationId xmlns:a16="http://schemas.microsoft.com/office/drawing/2014/main" id="{940BAEA5-AF28-45FA-A225-17A5AE04F9D8}"/>
+              </a:ext>
+            </a:extLst>
+          </p:cNvPr>
+          <p:cNvSpPr txBox="1"/>
+          <p:nvPr/>
+        </p:nvSpPr>
+        <p:spPr>
+          <a:xfrm>
+            <a:off x="539599" y="4019108"/>
+            <a:ext cx="971107" cy="382771"/>
+          </a:xfrm>
+          <a:prstGeom prst="rect">
+            <a:avLst/>
+          </a:prstGeom>
+          <a:noFill/>
+        </p:spPr>
+        <p:txBody>
+          <a:bodyPr wrap="square" rtlCol="0">
+            <a:spAutoFit/>
+          </a:bodyPr>
+          <a:lstStyle/>
+          <a:p>
+            <a:r>
+              <a:rPr lang="es-MX" dirty="0">
+                <a:latin typeface="Cascadia Code" panose="00000509000000000000" pitchFamily="49" charset="0"/>
+              </a:rPr>
+              <a:t>array</a:t>
+            </a:r>
+            <a:endParaRPr lang="en-US" dirty="0">
+              <a:latin typeface="Cascadia Code" panose="00000509000000000000" pitchFamily="49" charset="0"/>
+            </a:endParaRPr>
+          </a:p>
+        </p:txBody>
+      </p:sp>
+      <p:sp>
+        <p:nvSpPr>
+          <p:cNvPr id="6" name="TextBox 5">
+            <a:extLst>
+              <a:ext uri="{FF2B5EF4-FFF2-40B4-BE49-F238E27FC236}">
+                <a16:creationId xmlns:a16="http://schemas.microsoft.com/office/drawing/2014/main" id="{B5F1FF03-2A32-4E26-829B-96ABEBA537C2}"/>
+              </a:ext>
+            </a:extLst>
+          </p:cNvPr>
+          <p:cNvSpPr txBox="1"/>
+          <p:nvPr/>
+        </p:nvSpPr>
+        <p:spPr>
+          <a:xfrm>
+            <a:off x="457200" y="3346451"/>
+            <a:ext cx="1633870" cy="369332"/>
+          </a:xfrm>
+          <a:prstGeom prst="rect">
+            <a:avLst/>
+          </a:prstGeom>
+          <a:noFill/>
+        </p:spPr>
+        <p:txBody>
+          <a:bodyPr wrap="square" rtlCol="0">
+            <a:spAutoFit/>
+          </a:bodyPr>
+          <a:lstStyle/>
+          <a:p>
+            <a:r>
+              <a:rPr lang="es-MX" dirty="0" err="1">
+                <a:latin typeface="Cascadia Code" panose="00000509000000000000" pitchFamily="49" charset="0"/>
+              </a:rPr>
+              <a:t>searchKey</a:t>
+            </a:r>
+            <a:endParaRPr lang="en-US" dirty="0">
+              <a:latin typeface="Cascadia Code" panose="00000509000000000000" pitchFamily="49" charset="0"/>
+            </a:endParaRPr>
+          </a:p>
+        </p:txBody>
+      </p:sp>
+      <p:sp>
+        <p:nvSpPr>
+          <p:cNvPr id="7" name="TextBox 6">
+            <a:extLst>
+              <a:ext uri="{FF2B5EF4-FFF2-40B4-BE49-F238E27FC236}">
+                <a16:creationId xmlns:a16="http://schemas.microsoft.com/office/drawing/2014/main" id="{7F062F1B-AE7E-487F-A01F-AAE409AC317C}"/>
+              </a:ext>
+            </a:extLst>
+          </p:cNvPr>
+          <p:cNvSpPr txBox="1"/>
+          <p:nvPr/>
+        </p:nvSpPr>
+        <p:spPr>
+          <a:xfrm>
+            <a:off x="2020186" y="3346451"/>
+            <a:ext cx="637954" cy="369332"/>
+          </a:xfrm>
+          <a:prstGeom prst="rect">
+            <a:avLst/>
+          </a:prstGeom>
+          <a:noFill/>
+          <a:ln w="28575">
+            <a:solidFill>
+              <a:schemeClr val="tx1"/>
+            </a:solidFill>
+          </a:ln>
+        </p:spPr>
+        <p:txBody>
+          <a:bodyPr wrap="square" rtlCol="0">
+            <a:spAutoFit/>
+          </a:bodyPr>
+          <a:lstStyle/>
+          <a:p>
+            <a:pPr algn="ctr"/>
+            <a:r>
+              <a:rPr lang="es-MX" dirty="0">
+                <a:latin typeface="Cascadia Code" panose="00000509000000000000" pitchFamily="49" charset="0"/>
+              </a:rPr>
+              <a:t>100</a:t>
+            </a:r>
+            <a:endParaRPr lang="en-US" dirty="0">
+              <a:latin typeface="Cascadia Code" panose="00000509000000000000" pitchFamily="49" charset="0"/>
+            </a:endParaRPr>
+          </a:p>
+        </p:txBody>
+      </p:sp>
+      <p:sp>
+        <p:nvSpPr>
+          <p:cNvPr id="8" name="Arrow: Down 7">
+            <a:extLst>
+              <a:ext uri="{FF2B5EF4-FFF2-40B4-BE49-F238E27FC236}">
+                <a16:creationId xmlns:a16="http://schemas.microsoft.com/office/drawing/2014/main" id="{E170C4B8-424F-4826-9843-136B71E64A64}"/>
+              </a:ext>
+            </a:extLst>
+          </p:cNvPr>
+          <p:cNvSpPr/>
+          <p:nvPr/>
+        </p:nvSpPr>
+        <p:spPr bwMode="auto">
+          <a:xfrm rot="10800000">
+            <a:off x="2275367" y="4736599"/>
+            <a:ext cx="382773" cy="495634"/>
+          </a:xfrm>
+          <a:prstGeom prst="downArrow">
+            <a:avLst/>
+          </a:prstGeom>
+          <a:noFill/>
+          <a:ln w="38100" cap="flat" cmpd="sng" algn="ctr">
+            <a:solidFill>
+              <a:schemeClr val="tx1"/>
+            </a:solidFill>
+            <a:prstDash val="solid"/>
+            <a:round/>
+            <a:headEnd type="none" w="med" len="med"/>
+            <a:tailEnd type="none" w="med" len="med"/>
+          </a:ln>
+          <a:effectLst/>
+        </p:spPr>
+        <p:txBody>
+          <a:bodyPr vert="horz" wrap="none" lIns="91440" tIns="45720" rIns="91440" bIns="45720" numCol="1" rtlCol="0" anchor="ctr" anchorCtr="0" compatLnSpc="1">
+            <a:prstTxWarp prst="textNoShape">
+              <a:avLst/>
+            </a:prstTxWarp>
+          </a:bodyPr>
+          <a:lstStyle/>
+          <a:p>
+            <a:pPr marL="0" marR="0" indent="0" algn="ctr" defTabSz="914400" rtl="0" eaLnBrk="1" fontAlgn="base" latinLnBrk="0" hangingPunct="1">
+              <a:lnSpc>
+                <a:spcPct val="100000"/>
+              </a:lnSpc>
+              <a:spcBef>
+                <a:spcPct val="0"/>
+              </a:spcBef>
+              <a:spcAft>
+                <a:spcPct val="0"/>
+              </a:spcAft>
+              <a:buClrTx/>
+              <a:buSzTx/>
+              <a:buFontTx/>
+              <a:buNone/>
+              <a:tabLst/>
+            </a:pPr>
+            <a:endParaRPr kumimoji="0" lang="en-US" sz="1800" b="0" i="0" u="none" strike="noStrike" cap="none" normalizeH="0" baseline="0">
+              <a:ln>
+                <a:noFill/>
+              </a:ln>
+              <a:solidFill>
+                <a:schemeClr val="tx1"/>
+              </a:solidFill>
+              <a:effectLst/>
+              <a:latin typeface="Arial" charset="0"/>
+            </a:endParaRPr>
+          </a:p>
+        </p:txBody>
+      </p:sp>
+      <p:sp>
+        <p:nvSpPr>
+          <p:cNvPr id="10" name="TextBox 9">
+            <a:extLst>
+              <a:ext uri="{FF2B5EF4-FFF2-40B4-BE49-F238E27FC236}">
+                <a16:creationId xmlns:a16="http://schemas.microsoft.com/office/drawing/2014/main" id="{7A1D6039-F533-47BA-AFA4-78BD68BA06FC}"/>
+              </a:ext>
+            </a:extLst>
+          </p:cNvPr>
+          <p:cNvSpPr txBox="1"/>
+          <p:nvPr/>
+        </p:nvSpPr>
+        <p:spPr>
+          <a:xfrm>
+            <a:off x="6145617" y="5597009"/>
+            <a:ext cx="2948763" cy="646331"/>
+          </a:xfrm>
+          <a:prstGeom prst="rect">
+            <a:avLst/>
+          </a:prstGeom>
+          <a:noFill/>
+        </p:spPr>
+        <p:txBody>
+          <a:bodyPr wrap="square" rtlCol="0">
+            <a:spAutoFit/>
+          </a:bodyPr>
+          <a:lstStyle/>
+          <a:p>
+            <a:pPr algn="ctr"/>
+            <a:r>
+              <a:rPr lang="es-MX" dirty="0" err="1">
+                <a:solidFill>
+                  <a:srgbClr val="FF0000"/>
+                </a:solidFill>
+                <a:latin typeface="Cascadia Code" panose="00000509000000000000" pitchFamily="49" charset="0"/>
+              </a:rPr>
+              <a:t>Not</a:t>
+            </a:r>
+            <a:r>
+              <a:rPr lang="es-MX" dirty="0">
+                <a:solidFill>
+                  <a:srgbClr val="FF0000"/>
+                </a:solidFill>
+                <a:latin typeface="Cascadia Code" panose="00000509000000000000" pitchFamily="49" charset="0"/>
+              </a:rPr>
+              <a:t> </a:t>
+            </a:r>
+            <a:r>
+              <a:rPr lang="es-MX" dirty="0" err="1">
+                <a:solidFill>
+                  <a:srgbClr val="FF0000"/>
+                </a:solidFill>
+                <a:latin typeface="Cascadia Code" panose="00000509000000000000" pitchFamily="49" charset="0"/>
+              </a:rPr>
+              <a:t>found</a:t>
+            </a:r>
+            <a:r>
+              <a:rPr lang="es-MX" dirty="0">
+                <a:solidFill>
+                  <a:srgbClr val="FF0000"/>
+                </a:solidFill>
+                <a:latin typeface="Cascadia Code" panose="00000509000000000000" pitchFamily="49" charset="0"/>
+              </a:rPr>
+              <a:t>! </a:t>
+            </a:r>
+          </a:p>
+          <a:p>
+            <a:pPr algn="ctr"/>
+            <a:r>
+              <a:rPr lang="es-MX" dirty="0" err="1">
+                <a:solidFill>
+                  <a:srgbClr val="FF0000"/>
+                </a:solidFill>
+                <a:latin typeface="Cascadia Code" panose="00000509000000000000" pitchFamily="49" charset="0"/>
+              </a:rPr>
+              <a:t>Return</a:t>
+            </a:r>
+            <a:r>
+              <a:rPr lang="es-MX" dirty="0">
+                <a:solidFill>
+                  <a:srgbClr val="FF0000"/>
+                </a:solidFill>
+                <a:latin typeface="Cascadia Code" panose="00000509000000000000" pitchFamily="49" charset="0"/>
+              </a:rPr>
+              <a:t> -1!</a:t>
+            </a:r>
+            <a:endParaRPr lang="en-US" dirty="0">
+              <a:solidFill>
+                <a:srgbClr val="FF0000"/>
+              </a:solidFill>
+              <a:latin typeface="Cascadia Code" panose="00000509000000000000" pitchFamily="49" charset="0"/>
+            </a:endParaRPr>
           </a:p>
         </p:txBody>
       </p:sp>
     </p:spTree>
     <p:extLst>
       <p:ext uri="{BB962C8B-B14F-4D97-AF65-F5344CB8AC3E}">
-        <p14:creationId xmlns:p14="http://schemas.microsoft.com/office/powerpoint/2010/main" val="3109671681"/>
+        <p14:creationId xmlns:p14="http://schemas.microsoft.com/office/powerpoint/2010/main" val="2821640943"/>
       </p:ext>
     </p:extLst>
   </p:cSld>
   <p:clrMapOvr>
     <a:masterClrMapping/>
   </p:clrMapOvr>
+  <p:timing>
+    <p:tnLst>
+      <p:par>
+        <p:cTn id="1" dur="indefinite" restart="never" nodeType="tmRoot">
+          <p:childTnLst>
+            <p:seq concurrent="1" nextAc="seek">
+              <p:cTn id="2" dur="indefinite" nodeType="mainSeq">
+                <p:childTnLst>
+                  <p:par>
+                    <p:cTn id="3" fill="hold">
+                      <p:stCondLst>
+                        <p:cond delay="indefinite"/>
+                      </p:stCondLst>
+                      <p:childTnLst>
+                        <p:par>
+                          <p:cTn id="4" fill="hold">
+                            <p:stCondLst>
+                              <p:cond delay="0"/>
+                            </p:stCondLst>
+                            <p:childTnLst>
+                              <p:par>
+                                <p:cTn id="5" presetID="63" presetClass="path" presetSubtype="0" accel="50000" decel="50000" fill="hold" grpId="0" nodeType="clickEffect">
+                                  <p:stCondLst>
+                                    <p:cond delay="0"/>
+                                  </p:stCondLst>
+                                  <p:childTnLst>
+                                    <p:animMotion origin="layout" path="M 1.94444E-6 -1.85185E-6 L 0.0908 -1.85185E-6 " pathEditMode="relative" rAng="0" ptsTypes="AA">
+                                      <p:cBhvr>
+                                        <p:cTn id="6" dur="500" fill="hold"/>
+                                        <p:tgtEl>
+                                          <p:spTgt spid="8"/>
+                                        </p:tgtEl>
+                                        <p:attrNameLst>
+                                          <p:attrName>ppt_x</p:attrName>
+                                          <p:attrName>ppt_y</p:attrName>
+                                        </p:attrNameLst>
+                                      </p:cBhvr>
+                                      <p:rCtr x="4531" y="0"/>
+                                    </p:animMotion>
+                                  </p:childTnLst>
+                                </p:cTn>
+                              </p:par>
+                            </p:childTnLst>
+                          </p:cTn>
+                        </p:par>
+                      </p:childTnLst>
+                    </p:cTn>
+                  </p:par>
+                  <p:par>
+                    <p:cTn id="7" fill="hold">
+                      <p:stCondLst>
+                        <p:cond delay="indefinite"/>
+                      </p:stCondLst>
+                      <p:childTnLst>
+                        <p:par>
+                          <p:cTn id="8" fill="hold">
+                            <p:stCondLst>
+                              <p:cond delay="0"/>
+                            </p:stCondLst>
+                            <p:childTnLst>
+                              <p:par>
+                                <p:cTn id="9" presetID="63" presetClass="path" presetSubtype="0" accel="50000" decel="50000" fill="hold" grpId="1" nodeType="clickEffect">
+                                  <p:stCondLst>
+                                    <p:cond delay="0"/>
+                                  </p:stCondLst>
+                                  <p:childTnLst>
+                                    <p:animMotion origin="layout" path="M 0.0908 -1.85185E-6 L 0.1901 -1.85185E-6 " pathEditMode="relative" rAng="0" ptsTypes="AA">
+                                      <p:cBhvr>
+                                        <p:cTn id="10" dur="500" fill="hold"/>
+                                        <p:tgtEl>
+                                          <p:spTgt spid="8"/>
+                                        </p:tgtEl>
+                                        <p:attrNameLst>
+                                          <p:attrName>ppt_x</p:attrName>
+                                          <p:attrName>ppt_y</p:attrName>
+                                        </p:attrNameLst>
+                                      </p:cBhvr>
+                                      <p:rCtr x="4757" y="0"/>
+                                    </p:animMotion>
+                                  </p:childTnLst>
+                                </p:cTn>
+                              </p:par>
+                            </p:childTnLst>
+                          </p:cTn>
+                        </p:par>
+                      </p:childTnLst>
+                    </p:cTn>
+                  </p:par>
+                  <p:par>
+                    <p:cTn id="11" fill="hold">
+                      <p:stCondLst>
+                        <p:cond delay="indefinite"/>
+                      </p:stCondLst>
+                      <p:childTnLst>
+                        <p:par>
+                          <p:cTn id="12" fill="hold">
+                            <p:stCondLst>
+                              <p:cond delay="0"/>
+                            </p:stCondLst>
+                            <p:childTnLst>
+                              <p:par>
+                                <p:cTn id="13" presetID="63" presetClass="path" presetSubtype="0" accel="50000" decel="50000" fill="hold" grpId="2" nodeType="clickEffect">
+                                  <p:stCondLst>
+                                    <p:cond delay="0"/>
+                                  </p:stCondLst>
+                                  <p:childTnLst>
+                                    <p:animMotion origin="layout" path="M 0.1901 -1.85185E-6 L 0.28923 -1.85185E-6 " pathEditMode="relative" rAng="0" ptsTypes="AA">
+                                      <p:cBhvr>
+                                        <p:cTn id="14" dur="500" fill="hold"/>
+                                        <p:tgtEl>
+                                          <p:spTgt spid="8"/>
+                                        </p:tgtEl>
+                                        <p:attrNameLst>
+                                          <p:attrName>ppt_x</p:attrName>
+                                          <p:attrName>ppt_y</p:attrName>
+                                        </p:attrNameLst>
+                                      </p:cBhvr>
+                                      <p:rCtr x="4948" y="0"/>
+                                    </p:animMotion>
+                                  </p:childTnLst>
+                                </p:cTn>
+                              </p:par>
+                            </p:childTnLst>
+                          </p:cTn>
+                        </p:par>
+                      </p:childTnLst>
+                    </p:cTn>
+                  </p:par>
+                  <p:par>
+                    <p:cTn id="15" fill="hold">
+                      <p:stCondLst>
+                        <p:cond delay="indefinite"/>
+                      </p:stCondLst>
+                      <p:childTnLst>
+                        <p:par>
+                          <p:cTn id="16" fill="hold">
+                            <p:stCondLst>
+                              <p:cond delay="0"/>
+                            </p:stCondLst>
+                            <p:childTnLst>
+                              <p:par>
+                                <p:cTn id="17" presetID="63" presetClass="path" presetSubtype="0" accel="50000" decel="50000" fill="hold" grpId="3" nodeType="clickEffect">
+                                  <p:stCondLst>
+                                    <p:cond delay="0"/>
+                                  </p:stCondLst>
+                                  <p:childTnLst>
+                                    <p:animMotion origin="layout" path="M 0.28923 -1.85185E-6 L 0.38385 -1.85185E-6 " pathEditMode="relative" rAng="0" ptsTypes="AA">
+                                      <p:cBhvr>
+                                        <p:cTn id="18" dur="500" fill="hold"/>
+                                        <p:tgtEl>
+                                          <p:spTgt spid="8"/>
+                                        </p:tgtEl>
+                                        <p:attrNameLst>
+                                          <p:attrName>ppt_x</p:attrName>
+                                          <p:attrName>ppt_y</p:attrName>
+                                        </p:attrNameLst>
+                                      </p:cBhvr>
+                                      <p:rCtr x="4722" y="0"/>
+                                    </p:animMotion>
+                                  </p:childTnLst>
+                                </p:cTn>
+                              </p:par>
+                            </p:childTnLst>
+                          </p:cTn>
+                        </p:par>
+                      </p:childTnLst>
+                    </p:cTn>
+                  </p:par>
+                  <p:par>
+                    <p:cTn id="19" fill="hold">
+                      <p:stCondLst>
+                        <p:cond delay="indefinite"/>
+                      </p:stCondLst>
+                      <p:childTnLst>
+                        <p:par>
+                          <p:cTn id="20" fill="hold">
+                            <p:stCondLst>
+                              <p:cond delay="0"/>
+                            </p:stCondLst>
+                            <p:childTnLst>
+                              <p:par>
+                                <p:cTn id="21" presetID="63" presetClass="path" presetSubtype="0" accel="50000" decel="50000" fill="hold" grpId="4" nodeType="clickEffect">
+                                  <p:stCondLst>
+                                    <p:cond delay="0"/>
+                                  </p:stCondLst>
+                                  <p:childTnLst>
+                                    <p:animMotion origin="layout" path="M 0.38385 -1.85185E-6 L 0.4816 -1.85185E-6 " pathEditMode="relative" rAng="0" ptsTypes="AA">
+                                      <p:cBhvr>
+                                        <p:cTn id="22" dur="500" fill="hold"/>
+                                        <p:tgtEl>
+                                          <p:spTgt spid="8"/>
+                                        </p:tgtEl>
+                                        <p:attrNameLst>
+                                          <p:attrName>ppt_x</p:attrName>
+                                          <p:attrName>ppt_y</p:attrName>
+                                        </p:attrNameLst>
+                                      </p:cBhvr>
+                                      <p:rCtr x="4878" y="0"/>
+                                    </p:animMotion>
+                                  </p:childTnLst>
+                                </p:cTn>
+                              </p:par>
+                            </p:childTnLst>
+                          </p:cTn>
+                        </p:par>
+                      </p:childTnLst>
+                    </p:cTn>
+                  </p:par>
+                  <p:par>
+                    <p:cTn id="23" fill="hold">
+                      <p:stCondLst>
+                        <p:cond delay="indefinite"/>
+                      </p:stCondLst>
+                      <p:childTnLst>
+                        <p:par>
+                          <p:cTn id="24" fill="hold">
+                            <p:stCondLst>
+                              <p:cond delay="0"/>
+                            </p:stCondLst>
+                            <p:childTnLst>
+                              <p:par>
+                                <p:cTn id="25" presetID="63" presetClass="path" presetSubtype="0" accel="50000" decel="50000" fill="hold" grpId="5" nodeType="clickEffect">
+                                  <p:stCondLst>
+                                    <p:cond delay="0"/>
+                                  </p:stCondLst>
+                                  <p:childTnLst>
+                                    <p:animMotion origin="layout" path="M 0.4816 -1.85185E-6 L 0.58229 -1.85185E-6 " pathEditMode="relative" rAng="0" ptsTypes="AA">
+                                      <p:cBhvr>
+                                        <p:cTn id="26" dur="500" fill="hold"/>
+                                        <p:tgtEl>
+                                          <p:spTgt spid="8"/>
+                                        </p:tgtEl>
+                                        <p:attrNameLst>
+                                          <p:attrName>ppt_x</p:attrName>
+                                          <p:attrName>ppt_y</p:attrName>
+                                        </p:attrNameLst>
+                                      </p:cBhvr>
+                                      <p:rCtr x="5035" y="0"/>
+                                    </p:animMotion>
+                                  </p:childTnLst>
+                                </p:cTn>
+                              </p:par>
+                            </p:childTnLst>
+                          </p:cTn>
+                        </p:par>
+                      </p:childTnLst>
+                    </p:cTn>
+                  </p:par>
+                  <p:par>
+                    <p:cTn id="27" fill="hold">
+                      <p:stCondLst>
+                        <p:cond delay="indefinite"/>
+                      </p:stCondLst>
+                      <p:childTnLst>
+                        <p:par>
+                          <p:cTn id="28" fill="hold">
+                            <p:stCondLst>
+                              <p:cond delay="0"/>
+                            </p:stCondLst>
+                            <p:childTnLst>
+                              <p:par>
+                                <p:cTn id="29" presetID="1" presetClass="entr" presetSubtype="0" fill="hold" grpId="0" nodeType="clickEffect">
+                                  <p:stCondLst>
+                                    <p:cond delay="0"/>
+                                  </p:stCondLst>
+                                  <p:childTnLst>
+                                    <p:set>
+                                      <p:cBhvr>
+                                        <p:cTn id="30" dur="1" fill="hold">
+                                          <p:stCondLst>
+                                            <p:cond delay="0"/>
+                                          </p:stCondLst>
+                                        </p:cTn>
+                                        <p:tgtEl>
+                                          <p:spTgt spid="10"/>
+                                        </p:tgtEl>
+                                        <p:attrNameLst>
+                                          <p:attrName>style.visibility</p:attrName>
+                                        </p:attrNameLst>
+                                      </p:cBhvr>
+                                      <p:to>
+                                        <p:strVal val="visible"/>
+                                      </p:to>
+                                    </p:set>
+                                  </p:childTnLst>
+                                </p:cTn>
+                              </p:par>
+                            </p:childTnLst>
+                          </p:cTn>
+                        </p:par>
+                      </p:childTnLst>
+                    </p:cTn>
+                  </p:par>
+                </p:childTnLst>
+              </p:cTn>
+              <p:prevCondLst>
+                <p:cond evt="onPrev" delay="0">
+                  <p:tgtEl>
+                    <p:sldTgt/>
+                  </p:tgtEl>
+                </p:cond>
+              </p:prevCondLst>
+              <p:nextCondLst>
+                <p:cond evt="onNext" delay="0">
+                  <p:tgtEl>
+                    <p:sldTgt/>
+                  </p:tgtEl>
+                </p:cond>
+              </p:nextCondLst>
+            </p:seq>
+          </p:childTnLst>
+        </p:cTn>
+      </p:par>
+    </p:tnLst>
+    <p:bldLst>
+      <p:bldP spid="8" grpId="0" animBg="1"/>
+      <p:bldP spid="8" grpId="1" animBg="1"/>
+      <p:bldP spid="8" grpId="2" animBg="1"/>
+      <p:bldP spid="8" grpId="3" animBg="1"/>
+      <p:bldP spid="8" grpId="4" animBg="1"/>
+      <p:bldP spid="8" grpId="5" animBg="1"/>
+      <p:bldP spid="10" grpId="0"/>
+    </p:bldLst>
+  </p:timing>
 </p:sld>
 </file>
 
@@ -10144,6 +13020,616 @@
       </p:grpSpPr>
       <p:sp>
         <p:nvSpPr>
+          <p:cNvPr id="2" name="Title 1"/>
+          <p:cNvSpPr>
+            <a:spLocks noGrp="1"/>
+          </p:cNvSpPr>
+          <p:nvPr>
+            <p:ph type="title"/>
+          </p:nvPr>
+        </p:nvSpPr>
+        <p:spPr/>
+        <p:txBody>
+          <a:bodyPr/>
+          <a:lstStyle/>
+          <a:p>
+            <a:r>
+              <a:rPr lang="es-MX" dirty="0"/>
+              <a:t>Búsqueda secuencial</a:t>
+            </a:r>
+          </a:p>
+        </p:txBody>
+      </p:sp>
+      <p:sp>
+        <p:nvSpPr>
+          <p:cNvPr id="3" name="Content Placeholder 2"/>
+          <p:cNvSpPr>
+            <a:spLocks noGrp="1"/>
+          </p:cNvSpPr>
+          <p:nvPr>
+            <p:ph idx="1"/>
+          </p:nvPr>
+        </p:nvSpPr>
+        <p:spPr/>
+        <p:txBody>
+          <a:bodyPr/>
+          <a:lstStyle/>
+          <a:p>
+            <a:r>
+              <a:rPr lang="es-MX" dirty="0"/>
+              <a:t>La búsqueda secuencial es puede llegar a ser muy tardada, pues el peor escenario es que el elemento no</a:t>
+            </a:r>
+            <a:r>
+              <a:rPr lang="es-MX" dirty="0">
+                <a:solidFill>
+                  <a:srgbClr val="FF0000"/>
+                </a:solidFill>
+              </a:rPr>
+              <a:t> existe en el arreglo</a:t>
+            </a:r>
+            <a:r>
+              <a:rPr lang="es-MX" i="1" dirty="0">
+                <a:solidFill>
+                  <a:srgbClr val="FF0000"/>
+                </a:solidFill>
+              </a:rPr>
+              <a:t>.</a:t>
+            </a:r>
+            <a:r>
+              <a:rPr lang="es-MX" dirty="0"/>
+              <a:t> </a:t>
+            </a:r>
+          </a:p>
+          <a:p>
+            <a:r>
+              <a:rPr lang="es-MX" dirty="0"/>
+              <a:t>Sólo tiene sentido realizarla cuando el arreglo está desordenado.</a:t>
+            </a:r>
+          </a:p>
+        </p:txBody>
+      </p:sp>
+    </p:spTree>
+    <p:extLst>
+      <p:ext uri="{BB962C8B-B14F-4D97-AF65-F5344CB8AC3E}">
+        <p14:creationId xmlns:p14="http://schemas.microsoft.com/office/powerpoint/2010/main" val="3109671681"/>
+      </p:ext>
+    </p:extLst>
+  </p:cSld>
+  <p:clrMapOvr>
+    <a:masterClrMapping/>
+  </p:clrMapOvr>
+</p:sld>
+</file>
+
+<file path=ppt/slides/slide8.xml><?xml version="1.0" encoding="utf-8"?>
+<p:sld xmlns:a="http://schemas.openxmlformats.org/drawingml/2006/main" xmlns:r="http://schemas.openxmlformats.org/officeDocument/2006/relationships" xmlns:p="http://schemas.openxmlformats.org/presentationml/2006/main">
+  <p:cSld>
+    <p:spTree>
+      <p:nvGrpSpPr>
+        <p:cNvPr id="1" name=""/>
+        <p:cNvGrpSpPr/>
+        <p:nvPr/>
+      </p:nvGrpSpPr>
+      <p:grpSpPr>
+        <a:xfrm>
+          <a:off x="0" y="0"/>
+          <a:ext cx="0" cy="0"/>
+          <a:chOff x="0" y="0"/>
+          <a:chExt cx="0" cy="0"/>
+        </a:xfrm>
+      </p:grpSpPr>
+      <p:sp>
+        <p:nvSpPr>
+          <p:cNvPr id="3" name="TextBox 2">
+            <a:extLst>
+              <a:ext uri="{FF2B5EF4-FFF2-40B4-BE49-F238E27FC236}">
+                <a16:creationId xmlns:a16="http://schemas.microsoft.com/office/drawing/2014/main" id="{2C7629FD-A666-460D-B142-BAC58AB4C2D1}"/>
+              </a:ext>
+            </a:extLst>
+          </p:cNvPr>
+          <p:cNvSpPr txBox="1"/>
+          <p:nvPr/>
+        </p:nvSpPr>
+        <p:spPr>
+          <a:xfrm>
+            <a:off x="850604" y="1304260"/>
+            <a:ext cx="7903535" cy="2862322"/>
+          </a:xfrm>
+          <a:prstGeom prst="rect">
+            <a:avLst/>
+          </a:prstGeom>
+          <a:solidFill>
+            <a:schemeClr val="tx1"/>
+          </a:solidFill>
+        </p:spPr>
+        <p:txBody>
+          <a:bodyPr wrap="square" rtlCol="0">
+            <a:spAutoFit/>
+          </a:bodyPr>
+          <a:lstStyle/>
+          <a:p>
+            <a:r>
+              <a:rPr lang="en-US" dirty="0">
+                <a:solidFill>
+                  <a:srgbClr val="569CD6"/>
+                </a:solidFill>
+                <a:latin typeface="Cascadia Code,  Courier New"/>
+              </a:rPr>
+              <a:t>public</a:t>
+            </a:r>
+            <a:r>
+              <a:rPr lang="en-US" dirty="0">
+                <a:solidFill>
+                  <a:srgbClr val="D4D4D4"/>
+                </a:solidFill>
+                <a:latin typeface="Cascadia Code,  Courier New"/>
+              </a:rPr>
+              <a:t> </a:t>
+            </a:r>
+            <a:r>
+              <a:rPr lang="en-US" dirty="0">
+                <a:solidFill>
+                  <a:srgbClr val="569CD6"/>
+                </a:solidFill>
+                <a:latin typeface="Cascadia Code,  Courier New"/>
+              </a:rPr>
+              <a:t>static</a:t>
+            </a:r>
+            <a:r>
+              <a:rPr lang="en-US" dirty="0">
+                <a:solidFill>
+                  <a:srgbClr val="D4D4D4"/>
+                </a:solidFill>
+                <a:latin typeface="Cascadia Code,  Courier New"/>
+              </a:rPr>
+              <a:t> </a:t>
+            </a:r>
+            <a:r>
+              <a:rPr lang="en-US" dirty="0">
+                <a:solidFill>
+                  <a:srgbClr val="4EC9B0"/>
+                </a:solidFill>
+                <a:latin typeface="Cascadia Code,  Courier New"/>
+              </a:rPr>
+              <a:t>int</a:t>
+            </a:r>
+            <a:r>
+              <a:rPr lang="en-US" dirty="0">
+                <a:solidFill>
+                  <a:srgbClr val="D4D4D4"/>
+                </a:solidFill>
+                <a:latin typeface="Cascadia Code,  Courier New"/>
+              </a:rPr>
+              <a:t> </a:t>
+            </a:r>
+            <a:r>
+              <a:rPr lang="en-US" dirty="0" err="1">
+                <a:solidFill>
+                  <a:srgbClr val="DCDCAA"/>
+                </a:solidFill>
+                <a:latin typeface="Cascadia Code,  Courier New"/>
+              </a:rPr>
+              <a:t>findElement</a:t>
+            </a:r>
+            <a:r>
+              <a:rPr lang="en-US" dirty="0">
+                <a:solidFill>
+                  <a:srgbClr val="D4D4D4"/>
+                </a:solidFill>
+                <a:latin typeface="Cascadia Code,  Courier New"/>
+              </a:rPr>
+              <a:t>(</a:t>
+            </a:r>
+            <a:r>
+              <a:rPr lang="en-US" dirty="0">
+                <a:solidFill>
+                  <a:srgbClr val="4EC9B0"/>
+                </a:solidFill>
+                <a:latin typeface="Cascadia Code,  Courier New"/>
+              </a:rPr>
+              <a:t>int</a:t>
+            </a:r>
+            <a:r>
+              <a:rPr lang="en-US" dirty="0">
+                <a:solidFill>
+                  <a:srgbClr val="D4D4D4"/>
+                </a:solidFill>
+                <a:latin typeface="Cascadia Code,  Courier New"/>
+              </a:rPr>
+              <a:t>[] </a:t>
+            </a:r>
+            <a:r>
+              <a:rPr lang="en-US" dirty="0">
+                <a:solidFill>
+                  <a:srgbClr val="9CDCFE"/>
+                </a:solidFill>
+                <a:latin typeface="Cascadia Code,  Courier New"/>
+              </a:rPr>
+              <a:t>array</a:t>
+            </a:r>
+            <a:r>
+              <a:rPr lang="en-US" dirty="0">
+                <a:solidFill>
+                  <a:srgbClr val="D4D4D4"/>
+                </a:solidFill>
+                <a:latin typeface="Cascadia Code,  Courier New"/>
+              </a:rPr>
+              <a:t>, </a:t>
+            </a:r>
+            <a:r>
+              <a:rPr lang="en-US" dirty="0">
+                <a:solidFill>
+                  <a:srgbClr val="4EC9B0"/>
+                </a:solidFill>
+                <a:latin typeface="Cascadia Code,  Courier New"/>
+              </a:rPr>
+              <a:t>int</a:t>
+            </a:r>
+            <a:r>
+              <a:rPr lang="en-US" dirty="0">
+                <a:solidFill>
+                  <a:srgbClr val="D4D4D4"/>
+                </a:solidFill>
+                <a:latin typeface="Cascadia Code,  Courier New"/>
+              </a:rPr>
+              <a:t> </a:t>
+            </a:r>
+            <a:r>
+              <a:rPr lang="en-US" dirty="0">
+                <a:solidFill>
+                  <a:srgbClr val="9CDCFE"/>
+                </a:solidFill>
+                <a:latin typeface="Cascadia Code,  Courier New"/>
+              </a:rPr>
+              <a:t>target</a:t>
+            </a:r>
+            <a:r>
+              <a:rPr lang="en-US" dirty="0">
+                <a:solidFill>
+                  <a:srgbClr val="D4D4D4"/>
+                </a:solidFill>
+                <a:latin typeface="Cascadia Code,  Courier New"/>
+              </a:rPr>
+              <a:t>){</a:t>
+            </a:r>
+          </a:p>
+          <a:p>
+            <a:endParaRPr lang="en-US" dirty="0">
+              <a:solidFill>
+                <a:srgbClr val="C586C0"/>
+              </a:solidFill>
+              <a:latin typeface="Cascadia Code,  Courier New"/>
+            </a:endParaRPr>
+          </a:p>
+          <a:p>
+            <a:r>
+              <a:rPr lang="en-US" dirty="0">
+                <a:solidFill>
+                  <a:srgbClr val="C586C0"/>
+                </a:solidFill>
+                <a:latin typeface="Cascadia Code,  Courier New"/>
+              </a:rPr>
+              <a:t>  for</a:t>
+            </a:r>
+            <a:r>
+              <a:rPr lang="en-US" dirty="0">
+                <a:solidFill>
+                  <a:srgbClr val="D4D4D4"/>
+                </a:solidFill>
+                <a:latin typeface="Cascadia Code,  Courier New"/>
+              </a:rPr>
+              <a:t>(</a:t>
+            </a:r>
+            <a:r>
+              <a:rPr lang="en-US" dirty="0">
+                <a:solidFill>
+                  <a:srgbClr val="4EC9B0"/>
+                </a:solidFill>
+                <a:latin typeface="Cascadia Code,  Courier New"/>
+              </a:rPr>
+              <a:t>int</a:t>
+            </a:r>
+            <a:r>
+              <a:rPr lang="en-US" dirty="0">
+                <a:solidFill>
+                  <a:srgbClr val="D4D4D4"/>
+                </a:solidFill>
+                <a:latin typeface="Cascadia Code,  Courier New"/>
+              </a:rPr>
+              <a:t> </a:t>
+            </a:r>
+            <a:r>
+              <a:rPr lang="en-US" dirty="0" err="1">
+                <a:solidFill>
+                  <a:srgbClr val="9CDCFE"/>
+                </a:solidFill>
+                <a:latin typeface="Cascadia Code,  Courier New"/>
+              </a:rPr>
+              <a:t>i</a:t>
+            </a:r>
+            <a:r>
+              <a:rPr lang="en-US" dirty="0">
+                <a:solidFill>
+                  <a:srgbClr val="D4D4D4"/>
+                </a:solidFill>
+                <a:latin typeface="Cascadia Code,  Courier New"/>
+              </a:rPr>
+              <a:t>=</a:t>
+            </a:r>
+            <a:r>
+              <a:rPr lang="en-US" dirty="0">
+                <a:solidFill>
+                  <a:srgbClr val="B5CEA8"/>
+                </a:solidFill>
+                <a:latin typeface="Cascadia Code,  Courier New"/>
+              </a:rPr>
+              <a:t>0</a:t>
+            </a:r>
+            <a:r>
+              <a:rPr lang="en-US" dirty="0">
+                <a:solidFill>
+                  <a:srgbClr val="D4D4D4"/>
+                </a:solidFill>
+                <a:latin typeface="Cascadia Code,  Courier New"/>
+              </a:rPr>
+              <a:t>; </a:t>
+            </a:r>
+            <a:r>
+              <a:rPr lang="en-US" dirty="0" err="1">
+                <a:solidFill>
+                  <a:srgbClr val="D4D4D4"/>
+                </a:solidFill>
+                <a:latin typeface="Cascadia Code,  Courier New"/>
+              </a:rPr>
+              <a:t>i</a:t>
+            </a:r>
+            <a:r>
+              <a:rPr lang="en-US" dirty="0">
+                <a:solidFill>
+                  <a:srgbClr val="D4D4D4"/>
+                </a:solidFill>
+                <a:latin typeface="Cascadia Code,  Courier New"/>
+              </a:rPr>
+              <a:t>&lt;</a:t>
+            </a:r>
+            <a:r>
+              <a:rPr lang="en-US" dirty="0" err="1">
+                <a:solidFill>
+                  <a:srgbClr val="9CDCFE"/>
+                </a:solidFill>
+                <a:latin typeface="Cascadia Code,  Courier New"/>
+              </a:rPr>
+              <a:t>array</a:t>
+            </a:r>
+            <a:r>
+              <a:rPr lang="en-US" dirty="0" err="1">
+                <a:solidFill>
+                  <a:srgbClr val="D4D4D4"/>
+                </a:solidFill>
+                <a:latin typeface="Cascadia Code,  Courier New"/>
+              </a:rPr>
+              <a:t>.</a:t>
+            </a:r>
+            <a:r>
+              <a:rPr lang="en-US" dirty="0" err="1">
+                <a:solidFill>
+                  <a:srgbClr val="9CDCFE"/>
+                </a:solidFill>
+                <a:latin typeface="Cascadia Code,  Courier New"/>
+              </a:rPr>
+              <a:t>length</a:t>
+            </a:r>
+            <a:r>
+              <a:rPr lang="en-US" dirty="0">
+                <a:solidFill>
+                  <a:srgbClr val="D4D4D4"/>
+                </a:solidFill>
+                <a:latin typeface="Cascadia Code,  Courier New"/>
+              </a:rPr>
+              <a:t>; </a:t>
+            </a:r>
+            <a:r>
+              <a:rPr lang="en-US" dirty="0" err="1">
+                <a:solidFill>
+                  <a:srgbClr val="D4D4D4"/>
+                </a:solidFill>
+                <a:latin typeface="Cascadia Code,  Courier New"/>
+              </a:rPr>
+              <a:t>i</a:t>
+            </a:r>
+            <a:r>
+              <a:rPr lang="en-US" dirty="0">
+                <a:solidFill>
+                  <a:srgbClr val="D4D4D4"/>
+                </a:solidFill>
+                <a:latin typeface="Cascadia Code,  Courier New"/>
+              </a:rPr>
+              <a:t>++){</a:t>
+            </a:r>
+          </a:p>
+          <a:p>
+            <a:r>
+              <a:rPr lang="en-US" dirty="0">
+                <a:solidFill>
+                  <a:srgbClr val="D4D4D4"/>
+                </a:solidFill>
+                <a:latin typeface="Cascadia Code,  Courier New"/>
+              </a:rPr>
+              <a:t>       </a:t>
+            </a:r>
+            <a:r>
+              <a:rPr lang="en-US" dirty="0">
+                <a:solidFill>
+                  <a:srgbClr val="C586C0"/>
+                </a:solidFill>
+                <a:latin typeface="Cascadia Code,  Courier New"/>
+              </a:rPr>
+              <a:t>if</a:t>
+            </a:r>
+            <a:r>
+              <a:rPr lang="en-US" dirty="0">
+                <a:solidFill>
+                  <a:srgbClr val="D4D4D4"/>
+                </a:solidFill>
+                <a:latin typeface="Cascadia Code,  Courier New"/>
+              </a:rPr>
+              <a:t> (array[</a:t>
+            </a:r>
+            <a:r>
+              <a:rPr lang="en-US" dirty="0" err="1">
+                <a:solidFill>
+                  <a:srgbClr val="D4D4D4"/>
+                </a:solidFill>
+                <a:latin typeface="Cascadia Code,  Courier New"/>
+              </a:rPr>
+              <a:t>i</a:t>
+            </a:r>
+            <a:r>
+              <a:rPr lang="en-US" dirty="0">
+                <a:solidFill>
+                  <a:srgbClr val="D4D4D4"/>
+                </a:solidFill>
+                <a:latin typeface="Cascadia Code,  Courier New"/>
+              </a:rPr>
+              <a:t>] == target)</a:t>
+            </a:r>
+          </a:p>
+          <a:p>
+            <a:r>
+              <a:rPr lang="en-US" dirty="0">
+                <a:solidFill>
+                  <a:srgbClr val="D4D4D4"/>
+                </a:solidFill>
+                <a:latin typeface="Cascadia Code,  Courier New"/>
+              </a:rPr>
+              <a:t>            </a:t>
+            </a:r>
+            <a:r>
+              <a:rPr lang="en-US" dirty="0">
+                <a:solidFill>
+                  <a:srgbClr val="C586C0"/>
+                </a:solidFill>
+                <a:latin typeface="Cascadia Code,  Courier New"/>
+              </a:rPr>
+              <a:t>return</a:t>
+            </a:r>
+            <a:r>
+              <a:rPr lang="en-US" dirty="0">
+                <a:solidFill>
+                  <a:srgbClr val="D4D4D4"/>
+                </a:solidFill>
+                <a:latin typeface="Cascadia Code,  Courier New"/>
+              </a:rPr>
+              <a:t>  </a:t>
+            </a:r>
+            <a:r>
+              <a:rPr lang="en-US" dirty="0" err="1">
+                <a:solidFill>
+                  <a:srgbClr val="D4D4D4"/>
+                </a:solidFill>
+                <a:latin typeface="Cascadia Code,  Courier New"/>
+              </a:rPr>
+              <a:t>i</a:t>
+            </a:r>
+            <a:r>
+              <a:rPr lang="en-US" dirty="0">
+                <a:solidFill>
+                  <a:srgbClr val="D4D4D4"/>
+                </a:solidFill>
+                <a:latin typeface="Cascadia Code,  Courier New"/>
+              </a:rPr>
+              <a:t>;</a:t>
+            </a:r>
+          </a:p>
+          <a:p>
+            <a:r>
+              <a:rPr lang="en-US" dirty="0">
+                <a:solidFill>
+                  <a:srgbClr val="D4D4D4"/>
+                </a:solidFill>
+                <a:latin typeface="Cascadia Code,  Courier New"/>
+              </a:rPr>
+              <a:t>  }  </a:t>
+            </a:r>
+          </a:p>
+          <a:p>
+            <a:r>
+              <a:rPr lang="en-US" dirty="0">
+                <a:solidFill>
+                  <a:srgbClr val="D4D4D4"/>
+                </a:solidFill>
+                <a:latin typeface="Cascadia Code,  Courier New"/>
+              </a:rPr>
+              <a:t>  </a:t>
+            </a:r>
+            <a:r>
+              <a:rPr lang="en-US" dirty="0">
+                <a:solidFill>
+                  <a:srgbClr val="C586C0"/>
+                </a:solidFill>
+                <a:latin typeface="Cascadia Code,  Courier New"/>
+              </a:rPr>
+              <a:t>return</a:t>
+            </a:r>
+            <a:r>
+              <a:rPr lang="en-US" dirty="0">
+                <a:solidFill>
+                  <a:srgbClr val="D4D4D4"/>
+                </a:solidFill>
+                <a:latin typeface="Cascadia Code,  Courier New"/>
+              </a:rPr>
+              <a:t> -</a:t>
+            </a:r>
+            <a:r>
+              <a:rPr lang="en-US" dirty="0">
+                <a:solidFill>
+                  <a:srgbClr val="B5CEA8"/>
+                </a:solidFill>
+                <a:latin typeface="Cascadia Code,  Courier New"/>
+              </a:rPr>
+              <a:t>1</a:t>
+            </a:r>
+            <a:r>
+              <a:rPr lang="en-US" dirty="0">
+                <a:solidFill>
+                  <a:srgbClr val="D4D4D4"/>
+                </a:solidFill>
+                <a:latin typeface="Cascadia Code,  Courier New"/>
+              </a:rPr>
+              <a:t>;</a:t>
+            </a:r>
+          </a:p>
+          <a:p>
+            <a:r>
+              <a:rPr lang="en-US" dirty="0">
+                <a:solidFill>
+                  <a:srgbClr val="D4D4D4"/>
+                </a:solidFill>
+                <a:latin typeface="Cascadia Code,  Courier New"/>
+              </a:rPr>
+              <a:t>} </a:t>
+            </a:r>
+          </a:p>
+          <a:p>
+            <a:br>
+              <a:rPr lang="en-US" dirty="0">
+                <a:solidFill>
+                  <a:srgbClr val="D4D4D4"/>
+                </a:solidFill>
+                <a:latin typeface="Cascadia Code,  Courier New"/>
+              </a:rPr>
+            </a:br>
+            <a:endParaRPr lang="en-US" dirty="0">
+              <a:solidFill>
+                <a:srgbClr val="D4D4D4"/>
+              </a:solidFill>
+              <a:latin typeface="Cascadia Code,  Courier New"/>
+            </a:endParaRPr>
+          </a:p>
+        </p:txBody>
+      </p:sp>
+      <p:sp>
+        <p:nvSpPr>
           <p:cNvPr id="50178" name="Title 1"/>
           <p:cNvSpPr>
             <a:spLocks noGrp="1"/>
@@ -10174,36 +13660,6 @@
           </a:p>
         </p:txBody>
       </p:sp>
-      <p:pic>
-        <p:nvPicPr>
-          <p:cNvPr id="4" name="Picture 3" descr="Screen Clipping"/>
-          <p:cNvPicPr>
-            <a:picLocks noChangeAspect="1"/>
-          </p:cNvPicPr>
-          <p:nvPr/>
-        </p:nvPicPr>
-        <p:blipFill>
-          <a:blip r:embed="rId2">
-            <a:extLst>
-              <a:ext uri="{28A0092B-C50C-407E-A947-70E740481C1C}">
-                <a14:useLocalDpi xmlns:a14="http://schemas.microsoft.com/office/drawing/2010/main" val="0"/>
-              </a:ext>
-            </a:extLst>
-          </a:blip>
-          <a:stretch>
-            <a:fillRect/>
-          </a:stretch>
-        </p:blipFill>
-        <p:spPr>
-          <a:xfrm>
-            <a:off x="158550" y="1482475"/>
-            <a:ext cx="8826900" cy="2351632"/>
-          </a:xfrm>
-          <a:prstGeom prst="rect">
-            <a:avLst/>
-          </a:prstGeom>
-        </p:spPr>
-      </p:pic>
       <p:sp>
         <p:nvSpPr>
           <p:cNvPr id="2" name="TextBox 1">
@@ -10218,7 +13674,7 @@
         </p:nvSpPr>
         <p:spPr>
           <a:xfrm>
-            <a:off x="5943600" y="4101737"/>
+            <a:off x="5998839" y="4746779"/>
             <a:ext cx="2566851" cy="923330"/>
           </a:xfrm>
           <a:prstGeom prst="rect">
@@ -10303,8 +13759,8 @@
         </p:nvCxnSpPr>
         <p:spPr bwMode="auto">
           <a:xfrm flipH="1" flipV="1">
-            <a:off x="5296990" y="2586447"/>
-            <a:ext cx="1930036" cy="1515290"/>
+            <a:off x="3040912" y="2452577"/>
+            <a:ext cx="4241353" cy="2294202"/>
           </a:xfrm>
           <a:prstGeom prst="straightConnector1">
             <a:avLst/>
@@ -10419,9 +13875,9 @@
           <p:nvPr/>
         </p:nvCxnSpPr>
         <p:spPr bwMode="auto">
-          <a:xfrm flipV="1">
-            <a:off x="2924992" y="3429001"/>
-            <a:ext cx="327660" cy="1596066"/>
+          <a:xfrm flipH="1" flipV="1">
+            <a:off x="2395870" y="3359888"/>
+            <a:ext cx="529122" cy="1665179"/>
           </a:xfrm>
           <a:prstGeom prst="straightConnector1">
             <a:avLst/>
@@ -10612,7 +14068,7 @@
 </p:sld>
 </file>
 
-<file path=ppt/slides/slide8.xml><?xml version="1.0" encoding="utf-8"?>
+<file path=ppt/slides/slide9.xml><?xml version="1.0" encoding="utf-8"?>
 <p:sld xmlns:a="http://schemas.openxmlformats.org/drawingml/2006/main" xmlns:r="http://schemas.openxmlformats.org/officeDocument/2006/relationships" xmlns:p="http://schemas.openxmlformats.org/presentationml/2006/main">
   <p:cSld>
     <p:spTree>
@@ -10680,219 +14136,6 @@
     <p:extLst>
       <p:ext uri="{BB962C8B-B14F-4D97-AF65-F5344CB8AC3E}">
         <p14:creationId xmlns:p14="http://schemas.microsoft.com/office/powerpoint/2010/main" val="3978607800"/>
-      </p:ext>
-    </p:extLst>
-  </p:cSld>
-  <p:clrMapOvr>
-    <a:masterClrMapping/>
-  </p:clrMapOvr>
-</p:sld>
-</file>
-
-<file path=ppt/slides/slide9.xml><?xml version="1.0" encoding="utf-8"?>
-<p:sld xmlns:a="http://schemas.openxmlformats.org/drawingml/2006/main" xmlns:r="http://schemas.openxmlformats.org/officeDocument/2006/relationships" xmlns:p="http://schemas.openxmlformats.org/presentationml/2006/main">
-  <p:cSld>
-    <p:spTree>
-      <p:nvGrpSpPr>
-        <p:cNvPr id="1" name=""/>
-        <p:cNvGrpSpPr/>
-        <p:nvPr/>
-      </p:nvGrpSpPr>
-      <p:grpSpPr>
-        <a:xfrm>
-          <a:off x="0" y="0"/>
-          <a:ext cx="0" cy="0"/>
-          <a:chOff x="0" y="0"/>
-          <a:chExt cx="0" cy="0"/>
-        </a:xfrm>
-      </p:grpSpPr>
-      <p:sp>
-        <p:nvSpPr>
-          <p:cNvPr id="2" name="Title 1">
-            <a:extLst>
-              <a:ext uri="{FF2B5EF4-FFF2-40B4-BE49-F238E27FC236}">
-                <a16:creationId xmlns:a16="http://schemas.microsoft.com/office/drawing/2014/main" id="{44920252-09A0-4871-A977-DEA3C237BE3C}"/>
-              </a:ext>
-            </a:extLst>
-          </p:cNvPr>
-          <p:cNvSpPr>
-            <a:spLocks noGrp="1"/>
-          </p:cNvSpPr>
-          <p:nvPr>
-            <p:ph type="title"/>
-          </p:nvPr>
-        </p:nvSpPr>
-        <p:spPr/>
-        <p:txBody>
-          <a:bodyPr/>
-          <a:lstStyle/>
-          <a:p>
-            <a:r>
-              <a:rPr lang="en-US" dirty="0" err="1"/>
-              <a:t>Algoritmos</a:t>
-            </a:r>
-            <a:r>
-              <a:rPr lang="en-US" dirty="0"/>
-              <a:t> de </a:t>
-            </a:r>
-            <a:r>
-              <a:rPr lang="en-US" dirty="0" err="1"/>
-              <a:t>Ordenamiento</a:t>
-            </a:r>
-            <a:endParaRPr lang="en-US" dirty="0"/>
-          </a:p>
-        </p:txBody>
-      </p:sp>
-      <p:sp>
-        <p:nvSpPr>
-          <p:cNvPr id="3" name="Content Placeholder 2">
-            <a:extLst>
-              <a:ext uri="{FF2B5EF4-FFF2-40B4-BE49-F238E27FC236}">
-                <a16:creationId xmlns:a16="http://schemas.microsoft.com/office/drawing/2014/main" id="{9217543E-42DE-4E60-AB50-B453996D7534}"/>
-              </a:ext>
-            </a:extLst>
-          </p:cNvPr>
-          <p:cNvSpPr>
-            <a:spLocks noGrp="1"/>
-          </p:cNvSpPr>
-          <p:nvPr>
-            <p:ph idx="1"/>
-          </p:nvPr>
-        </p:nvSpPr>
-        <p:spPr/>
-        <p:txBody>
-          <a:bodyPr/>
-          <a:lstStyle/>
-          <a:p>
-            <a:pPr eaLnBrk="1" hangingPunct="1"/>
-            <a:r>
-              <a:rPr lang="en-US" altLang="en-US" dirty="0"/>
-              <a:t>Un </a:t>
-            </a:r>
-            <a:r>
-              <a:rPr lang="en-US" altLang="en-US" dirty="0" err="1"/>
-              <a:t>algoritmo</a:t>
-            </a:r>
-            <a:r>
-              <a:rPr lang="en-US" altLang="en-US" dirty="0"/>
-              <a:t> de </a:t>
-            </a:r>
-            <a:r>
-              <a:rPr lang="en-US" altLang="en-US" dirty="0" err="1"/>
-              <a:t>ordenamiento</a:t>
-            </a:r>
-            <a:r>
-              <a:rPr lang="en-US" altLang="en-US" dirty="0"/>
-              <a:t> se </a:t>
-            </a:r>
-            <a:r>
-              <a:rPr lang="en-US" altLang="en-US" dirty="0" err="1"/>
-              <a:t>utiliza</a:t>
-            </a:r>
-            <a:r>
-              <a:rPr lang="en-US" altLang="en-US" dirty="0"/>
-              <a:t> para </a:t>
-            </a:r>
-            <a:r>
-              <a:rPr lang="en-US" altLang="en-US" dirty="0" err="1"/>
-              <a:t>reacomodar</a:t>
-            </a:r>
-            <a:r>
-              <a:rPr lang="en-US" altLang="en-US" dirty="0"/>
-              <a:t> un </a:t>
-            </a:r>
-            <a:r>
-              <a:rPr lang="en-US" altLang="en-US" dirty="0" err="1"/>
-              <a:t>arreglo</a:t>
-            </a:r>
-            <a:r>
-              <a:rPr lang="en-US" altLang="en-US" dirty="0"/>
-              <a:t> o </a:t>
-            </a:r>
-            <a:r>
-              <a:rPr lang="en-US" altLang="en-US" dirty="0" err="1"/>
-              <a:t>lista</a:t>
-            </a:r>
-            <a:r>
-              <a:rPr lang="en-US" altLang="en-US" dirty="0"/>
-              <a:t> de </a:t>
-            </a:r>
-            <a:r>
-              <a:rPr lang="en-US" altLang="en-US" dirty="0" err="1"/>
-              <a:t>acuerdo</a:t>
-            </a:r>
-            <a:r>
-              <a:rPr lang="en-US" altLang="en-US" dirty="0"/>
-              <a:t> a una </a:t>
-            </a:r>
-            <a:r>
-              <a:rPr lang="en-US" altLang="en-US" dirty="0" err="1"/>
-              <a:t>comparación</a:t>
-            </a:r>
-            <a:r>
-              <a:rPr lang="en-US" altLang="en-US" dirty="0"/>
-              <a:t> </a:t>
-            </a:r>
-            <a:r>
-              <a:rPr lang="en-US" altLang="en-US" dirty="0" err="1"/>
-              <a:t>interna</a:t>
-            </a:r>
-            <a:r>
-              <a:rPr lang="en-US" altLang="en-US" dirty="0"/>
-              <a:t> de los </a:t>
-            </a:r>
-            <a:r>
-              <a:rPr lang="en-US" altLang="en-US" dirty="0" err="1"/>
-              <a:t>elementos</a:t>
-            </a:r>
-            <a:r>
-              <a:rPr lang="en-US" altLang="en-US" dirty="0"/>
-              <a:t>. </a:t>
-            </a:r>
-            <a:r>
-              <a:rPr lang="en-US" altLang="en-US" dirty="0" err="1"/>
-              <a:t>Ejemplo</a:t>
-            </a:r>
-            <a:r>
-              <a:rPr lang="en-US" altLang="en-US" dirty="0"/>
-              <a:t>:</a:t>
-            </a:r>
-          </a:p>
-          <a:p>
-            <a:pPr lvl="1" eaLnBrk="1" hangingPunct="1"/>
-            <a:r>
-              <a:rPr lang="es-MX" altLang="en-US" dirty="0"/>
-              <a:t>Ordenar de mayor a menor</a:t>
-            </a:r>
-          </a:p>
-          <a:p>
-            <a:pPr lvl="1" eaLnBrk="1" hangingPunct="1"/>
-            <a:r>
-              <a:rPr lang="es-MX" altLang="en-US" dirty="0"/>
-              <a:t>Ordenar alfabéticamente</a:t>
-            </a:r>
-          </a:p>
-          <a:p>
-            <a:pPr lvl="1" eaLnBrk="1" hangingPunct="1"/>
-            <a:r>
-              <a:rPr lang="es-MX" altLang="en-US" dirty="0"/>
-              <a:t>Ordenar por fecha</a:t>
-            </a:r>
-          </a:p>
-          <a:p>
-            <a:pPr lvl="1" eaLnBrk="1" hangingPunct="1"/>
-            <a:r>
-              <a:rPr lang="es-MX" altLang="en-US" dirty="0"/>
-              <a:t>Ordenar por valor absoluto</a:t>
-            </a:r>
-            <a:endParaRPr lang="en-US" altLang="en-US" dirty="0"/>
-          </a:p>
-        </p:txBody>
-      </p:sp>
-    </p:spTree>
-    <p:extLst>
-      <p:ext uri="{BB962C8B-B14F-4D97-AF65-F5344CB8AC3E}">
-        <p14:creationId xmlns:p14="http://schemas.microsoft.com/office/powerpoint/2010/main" val="3659874292"/>
       </p:ext>
     </p:extLst>
   </p:cSld>
@@ -11742,6 +14985,850 @@
 </file>
 
 <file path=ppt/theme/theme2.xml><?xml version="1.0" encoding="utf-8"?>
+<a:theme xmlns:a="http://schemas.openxmlformats.org/drawingml/2006/main" name="Theme1">
+  <a:themeElements>
+    <a:clrScheme name="Custom 3">
+      <a:dk1>
+        <a:sysClr val="windowText" lastClr="000000"/>
+      </a:dk1>
+      <a:lt1>
+        <a:sysClr val="window" lastClr="FFFFFF"/>
+      </a:lt1>
+      <a:dk2>
+        <a:srgbClr val="464646"/>
+      </a:dk2>
+      <a:lt2>
+        <a:srgbClr val="DEF5FA"/>
+      </a:lt2>
+      <a:accent1>
+        <a:srgbClr val="2DA2BF"/>
+      </a:accent1>
+      <a:accent2>
+        <a:srgbClr val="DA1F28"/>
+      </a:accent2>
+      <a:accent3>
+        <a:srgbClr val="EB641B"/>
+      </a:accent3>
+      <a:accent4>
+        <a:srgbClr val="39639D"/>
+      </a:accent4>
+      <a:accent5>
+        <a:srgbClr val="474B78"/>
+      </a:accent5>
+      <a:accent6>
+        <a:srgbClr val="7D3C4A"/>
+      </a:accent6>
+      <a:hlink>
+        <a:srgbClr val="2A4A75"/>
+      </a:hlink>
+      <a:folHlink>
+        <a:srgbClr val="7C9FCF"/>
+      </a:folHlink>
+    </a:clrScheme>
+    <a:fontScheme name="Savitch4Template">
+      <a:majorFont>
+        <a:latin typeface="Arial"/>
+        <a:ea typeface=""/>
+        <a:cs typeface=""/>
+      </a:majorFont>
+      <a:minorFont>
+        <a:latin typeface="Arial"/>
+        <a:ea typeface=""/>
+        <a:cs typeface=""/>
+      </a:minorFont>
+    </a:fontScheme>
+    <a:fmtScheme name="Office">
+      <a:fillStyleLst>
+        <a:solidFill>
+          <a:schemeClr val="phClr"/>
+        </a:solidFill>
+        <a:gradFill rotWithShape="1">
+          <a:gsLst>
+            <a:gs pos="0">
+              <a:schemeClr val="phClr">
+                <a:tint val="50000"/>
+                <a:satMod val="300000"/>
+              </a:schemeClr>
+            </a:gs>
+            <a:gs pos="35000">
+              <a:schemeClr val="phClr">
+                <a:tint val="37000"/>
+                <a:satMod val="300000"/>
+              </a:schemeClr>
+            </a:gs>
+            <a:gs pos="100000">
+              <a:schemeClr val="phClr">
+                <a:tint val="15000"/>
+                <a:satMod val="350000"/>
+              </a:schemeClr>
+            </a:gs>
+          </a:gsLst>
+          <a:lin ang="16200000" scaled="1"/>
+        </a:gradFill>
+        <a:gradFill rotWithShape="1">
+          <a:gsLst>
+            <a:gs pos="0">
+              <a:schemeClr val="phClr">
+                <a:shade val="51000"/>
+                <a:satMod val="130000"/>
+              </a:schemeClr>
+            </a:gs>
+            <a:gs pos="80000">
+              <a:schemeClr val="phClr">
+                <a:shade val="93000"/>
+                <a:satMod val="130000"/>
+              </a:schemeClr>
+            </a:gs>
+            <a:gs pos="100000">
+              <a:schemeClr val="phClr">
+                <a:shade val="94000"/>
+                <a:satMod val="135000"/>
+              </a:schemeClr>
+            </a:gs>
+          </a:gsLst>
+          <a:lin ang="16200000" scaled="0"/>
+        </a:gradFill>
+      </a:fillStyleLst>
+      <a:lnStyleLst>
+        <a:ln w="9525" cap="flat" cmpd="sng" algn="ctr">
+          <a:solidFill>
+            <a:schemeClr val="phClr">
+              <a:shade val="95000"/>
+              <a:satMod val="105000"/>
+            </a:schemeClr>
+          </a:solidFill>
+          <a:prstDash val="solid"/>
+        </a:ln>
+        <a:ln w="25400" cap="flat" cmpd="sng" algn="ctr">
+          <a:solidFill>
+            <a:schemeClr val="phClr"/>
+          </a:solidFill>
+          <a:prstDash val="solid"/>
+        </a:ln>
+        <a:ln w="38100" cap="flat" cmpd="sng" algn="ctr">
+          <a:solidFill>
+            <a:schemeClr val="phClr"/>
+          </a:solidFill>
+          <a:prstDash val="solid"/>
+        </a:ln>
+      </a:lnStyleLst>
+      <a:effectStyleLst>
+        <a:effectStyle>
+          <a:effectLst>
+            <a:outerShdw blurRad="40000" dist="20000" dir="5400000" rotWithShape="0">
+              <a:srgbClr val="000000">
+                <a:alpha val="38000"/>
+              </a:srgbClr>
+            </a:outerShdw>
+          </a:effectLst>
+        </a:effectStyle>
+        <a:effectStyle>
+          <a:effectLst>
+            <a:outerShdw blurRad="40000" dist="23000" dir="5400000" rotWithShape="0">
+              <a:srgbClr val="000000">
+                <a:alpha val="35000"/>
+              </a:srgbClr>
+            </a:outerShdw>
+          </a:effectLst>
+        </a:effectStyle>
+        <a:effectStyle>
+          <a:effectLst>
+            <a:outerShdw blurRad="40000" dist="23000" dir="5400000" rotWithShape="0">
+              <a:srgbClr val="000000">
+                <a:alpha val="35000"/>
+              </a:srgbClr>
+            </a:outerShdw>
+          </a:effectLst>
+          <a:scene3d>
+            <a:camera prst="orthographicFront">
+              <a:rot lat="0" lon="0" rev="0"/>
+            </a:camera>
+            <a:lightRig rig="threePt" dir="t">
+              <a:rot lat="0" lon="0" rev="1200000"/>
+            </a:lightRig>
+          </a:scene3d>
+          <a:sp3d>
+            <a:bevelT w="63500" h="25400"/>
+          </a:sp3d>
+        </a:effectStyle>
+      </a:effectStyleLst>
+      <a:bgFillStyleLst>
+        <a:solidFill>
+          <a:schemeClr val="phClr"/>
+        </a:solidFill>
+        <a:gradFill rotWithShape="1">
+          <a:gsLst>
+            <a:gs pos="0">
+              <a:schemeClr val="phClr">
+                <a:tint val="40000"/>
+                <a:satMod val="350000"/>
+              </a:schemeClr>
+            </a:gs>
+            <a:gs pos="40000">
+              <a:schemeClr val="phClr">
+                <a:tint val="45000"/>
+                <a:shade val="99000"/>
+                <a:satMod val="350000"/>
+              </a:schemeClr>
+            </a:gs>
+            <a:gs pos="100000">
+              <a:schemeClr val="phClr">
+                <a:shade val="20000"/>
+                <a:satMod val="255000"/>
+              </a:schemeClr>
+            </a:gs>
+          </a:gsLst>
+          <a:path path="circle">
+            <a:fillToRect l="50000" t="-80000" r="50000" b="180000"/>
+          </a:path>
+        </a:gradFill>
+        <a:gradFill rotWithShape="1">
+          <a:gsLst>
+            <a:gs pos="0">
+              <a:schemeClr val="phClr">
+                <a:tint val="80000"/>
+                <a:satMod val="300000"/>
+              </a:schemeClr>
+            </a:gs>
+            <a:gs pos="100000">
+              <a:schemeClr val="phClr">
+                <a:shade val="30000"/>
+                <a:satMod val="200000"/>
+              </a:schemeClr>
+            </a:gs>
+          </a:gsLst>
+          <a:path path="circle">
+            <a:fillToRect l="50000" t="50000" r="50000" b="50000"/>
+          </a:path>
+        </a:gradFill>
+      </a:bgFillStyleLst>
+    </a:fmtScheme>
+  </a:themeElements>
+  <a:objectDefaults>
+    <a:spDef>
+      <a:spPr bwMode="auto">
+        <a:xfrm>
+          <a:off x="0" y="0"/>
+          <a:ext cx="1" cy="1"/>
+        </a:xfrm>
+        <a:custGeom>
+          <a:avLst/>
+          <a:gdLst/>
+          <a:ahLst/>
+          <a:cxnLst/>
+          <a:rect l="0" t="0" r="0" b="0"/>
+          <a:pathLst/>
+        </a:custGeom>
+        <a:noFill/>
+        <a:ln w="12700" cap="flat" cmpd="sng" algn="ctr">
+          <a:solidFill>
+            <a:srgbClr val="FF0000"/>
+          </a:solidFill>
+          <a:prstDash val="solid"/>
+          <a:round/>
+          <a:headEnd type="none" w="med" len="med"/>
+          <a:tailEnd type="none" w="med" len="med"/>
+        </a:ln>
+        <a:effectLst/>
+      </a:spPr>
+      <a:bodyPr vert="horz" wrap="none" lIns="91440" tIns="45720" rIns="91440" bIns="45720" numCol="1" anchor="ctr" anchorCtr="0" compatLnSpc="1">
+        <a:prstTxWarp prst="textNoShape">
+          <a:avLst/>
+        </a:prstTxWarp>
+      </a:bodyPr>
+      <a:lstStyle>
+        <a:defPPr marL="0" marR="0" indent="0" algn="ctr" defTabSz="914400" rtl="0" eaLnBrk="1" fontAlgn="base" latinLnBrk="0" hangingPunct="1">
+          <a:lnSpc>
+            <a:spcPct val="100000"/>
+          </a:lnSpc>
+          <a:spcBef>
+            <a:spcPct val="0"/>
+          </a:spcBef>
+          <a:spcAft>
+            <a:spcPct val="0"/>
+          </a:spcAft>
+          <a:buClrTx/>
+          <a:buSzTx/>
+          <a:buFontTx/>
+          <a:buNone/>
+          <a:tabLst/>
+          <a:defRPr kumimoji="0" lang="en-US" sz="1800" b="0" i="0" u="none" strike="noStrike" cap="none" normalizeH="0" baseline="0" smtClean="0">
+            <a:ln>
+              <a:noFill/>
+            </a:ln>
+            <a:solidFill>
+              <a:schemeClr val="tx1"/>
+            </a:solidFill>
+            <a:effectLst/>
+            <a:latin typeface="Arial" charset="0"/>
+          </a:defRPr>
+        </a:defPPr>
+      </a:lstStyle>
+    </a:spDef>
+    <a:lnDef>
+      <a:spPr bwMode="auto">
+        <a:xfrm>
+          <a:off x="0" y="0"/>
+          <a:ext cx="1" cy="1"/>
+        </a:xfrm>
+        <a:custGeom>
+          <a:avLst/>
+          <a:gdLst/>
+          <a:ahLst/>
+          <a:cxnLst/>
+          <a:rect l="0" t="0" r="0" b="0"/>
+          <a:pathLst/>
+        </a:custGeom>
+        <a:noFill/>
+        <a:ln w="12700" cap="flat" cmpd="sng" algn="ctr">
+          <a:solidFill>
+            <a:srgbClr val="FF0000"/>
+          </a:solidFill>
+          <a:prstDash val="solid"/>
+          <a:round/>
+          <a:headEnd type="none" w="med" len="med"/>
+          <a:tailEnd type="none" w="med" len="med"/>
+        </a:ln>
+        <a:effectLst/>
+      </a:spPr>
+      <a:bodyPr vert="horz" wrap="none" lIns="91440" tIns="45720" rIns="91440" bIns="45720" numCol="1" anchor="ctr" anchorCtr="0" compatLnSpc="1">
+        <a:prstTxWarp prst="textNoShape">
+          <a:avLst/>
+        </a:prstTxWarp>
+      </a:bodyPr>
+      <a:lstStyle>
+        <a:defPPr marL="0" marR="0" indent="0" algn="ctr" defTabSz="914400" rtl="0" eaLnBrk="1" fontAlgn="base" latinLnBrk="0" hangingPunct="1">
+          <a:lnSpc>
+            <a:spcPct val="100000"/>
+          </a:lnSpc>
+          <a:spcBef>
+            <a:spcPct val="0"/>
+          </a:spcBef>
+          <a:spcAft>
+            <a:spcPct val="0"/>
+          </a:spcAft>
+          <a:buClrTx/>
+          <a:buSzTx/>
+          <a:buFontTx/>
+          <a:buNone/>
+          <a:tabLst/>
+          <a:defRPr kumimoji="0" lang="en-US" sz="1800" b="0" i="0" u="none" strike="noStrike" cap="none" normalizeH="0" baseline="0" smtClean="0">
+            <a:ln>
+              <a:noFill/>
+            </a:ln>
+            <a:solidFill>
+              <a:schemeClr val="tx1"/>
+            </a:solidFill>
+            <a:effectLst/>
+            <a:latin typeface="Arial" charset="0"/>
+          </a:defRPr>
+        </a:defPPr>
+      </a:lstStyle>
+    </a:lnDef>
+  </a:objectDefaults>
+  <a:extraClrSchemeLst>
+    <a:extraClrScheme>
+      <a:clrScheme name="Savitch4Template 1">
+        <a:dk1>
+          <a:srgbClr val="000000"/>
+        </a:dk1>
+        <a:lt1>
+          <a:srgbClr val="FFFFFF"/>
+        </a:lt1>
+        <a:dk2>
+          <a:srgbClr val="000000"/>
+        </a:dk2>
+        <a:lt2>
+          <a:srgbClr val="808080"/>
+        </a:lt2>
+        <a:accent1>
+          <a:srgbClr val="BBE0E3"/>
+        </a:accent1>
+        <a:accent2>
+          <a:srgbClr val="333399"/>
+        </a:accent2>
+        <a:accent3>
+          <a:srgbClr val="FFFFFF"/>
+        </a:accent3>
+        <a:accent4>
+          <a:srgbClr val="000000"/>
+        </a:accent4>
+        <a:accent5>
+          <a:srgbClr val="DAEDEF"/>
+        </a:accent5>
+        <a:accent6>
+          <a:srgbClr val="2D2D8A"/>
+        </a:accent6>
+        <a:hlink>
+          <a:srgbClr val="009999"/>
+        </a:hlink>
+        <a:folHlink>
+          <a:srgbClr val="99CC00"/>
+        </a:folHlink>
+      </a:clrScheme>
+      <a:clrMap bg1="lt1" tx1="dk1" bg2="lt2" tx2="dk2" accent1="accent1" accent2="accent2" accent3="accent3" accent4="accent4" accent5="accent5" accent6="accent6" hlink="hlink" folHlink="folHlink"/>
+    </a:extraClrScheme>
+    <a:extraClrScheme>
+      <a:clrScheme name="Savitch4Template 2">
+        <a:dk1>
+          <a:srgbClr val="000000"/>
+        </a:dk1>
+        <a:lt1>
+          <a:srgbClr val="FFFFFF"/>
+        </a:lt1>
+        <a:dk2>
+          <a:srgbClr val="000000"/>
+        </a:dk2>
+        <a:lt2>
+          <a:srgbClr val="969696"/>
+        </a:lt2>
+        <a:accent1>
+          <a:srgbClr val="FBDF53"/>
+        </a:accent1>
+        <a:accent2>
+          <a:srgbClr val="FF9966"/>
+        </a:accent2>
+        <a:accent3>
+          <a:srgbClr val="FFFFFF"/>
+        </a:accent3>
+        <a:accent4>
+          <a:srgbClr val="000000"/>
+        </a:accent4>
+        <a:accent5>
+          <a:srgbClr val="FDECB3"/>
+        </a:accent5>
+        <a:accent6>
+          <a:srgbClr val="E78A5C"/>
+        </a:accent6>
+        <a:hlink>
+          <a:srgbClr val="CC3300"/>
+        </a:hlink>
+        <a:folHlink>
+          <a:srgbClr val="996600"/>
+        </a:folHlink>
+      </a:clrScheme>
+      <a:clrMap bg1="lt1" tx1="dk1" bg2="lt2" tx2="dk2" accent1="accent1" accent2="accent2" accent3="accent3" accent4="accent4" accent5="accent5" accent6="accent6" hlink="hlink" folHlink="folHlink"/>
+    </a:extraClrScheme>
+    <a:extraClrScheme>
+      <a:clrScheme name="Savitch4Template 3">
+        <a:dk1>
+          <a:srgbClr val="000000"/>
+        </a:dk1>
+        <a:lt1>
+          <a:srgbClr val="FFFFFF"/>
+        </a:lt1>
+        <a:dk2>
+          <a:srgbClr val="000000"/>
+        </a:dk2>
+        <a:lt2>
+          <a:srgbClr val="808080"/>
+        </a:lt2>
+        <a:accent1>
+          <a:srgbClr val="99CCFF"/>
+        </a:accent1>
+        <a:accent2>
+          <a:srgbClr val="CCCCFF"/>
+        </a:accent2>
+        <a:accent3>
+          <a:srgbClr val="FFFFFF"/>
+        </a:accent3>
+        <a:accent4>
+          <a:srgbClr val="000000"/>
+        </a:accent4>
+        <a:accent5>
+          <a:srgbClr val="CAE2FF"/>
+        </a:accent5>
+        <a:accent6>
+          <a:srgbClr val="B9B9E7"/>
+        </a:accent6>
+        <a:hlink>
+          <a:srgbClr val="3333CC"/>
+        </a:hlink>
+        <a:folHlink>
+          <a:srgbClr val="AF67FF"/>
+        </a:folHlink>
+      </a:clrScheme>
+      <a:clrMap bg1="lt1" tx1="dk1" bg2="lt2" tx2="dk2" accent1="accent1" accent2="accent2" accent3="accent3" accent4="accent4" accent5="accent5" accent6="accent6" hlink="hlink" folHlink="folHlink"/>
+    </a:extraClrScheme>
+    <a:extraClrScheme>
+      <a:clrScheme name="Savitch4Template 4">
+        <a:dk1>
+          <a:srgbClr val="000000"/>
+        </a:dk1>
+        <a:lt1>
+          <a:srgbClr val="DEF6F1"/>
+        </a:lt1>
+        <a:dk2>
+          <a:srgbClr val="000000"/>
+        </a:dk2>
+        <a:lt2>
+          <a:srgbClr val="969696"/>
+        </a:lt2>
+        <a:accent1>
+          <a:srgbClr val="FFFFFF"/>
+        </a:accent1>
+        <a:accent2>
+          <a:srgbClr val="8DC6FF"/>
+        </a:accent2>
+        <a:accent3>
+          <a:srgbClr val="ECFAF7"/>
+        </a:accent3>
+        <a:accent4>
+          <a:srgbClr val="000000"/>
+        </a:accent4>
+        <a:accent5>
+          <a:srgbClr val="FFFFFF"/>
+        </a:accent5>
+        <a:accent6>
+          <a:srgbClr val="7FB3E7"/>
+        </a:accent6>
+        <a:hlink>
+          <a:srgbClr val="0066CC"/>
+        </a:hlink>
+        <a:folHlink>
+          <a:srgbClr val="00A800"/>
+        </a:folHlink>
+      </a:clrScheme>
+      <a:clrMap bg1="lt1" tx1="dk1" bg2="lt2" tx2="dk2" accent1="accent1" accent2="accent2" accent3="accent3" accent4="accent4" accent5="accent5" accent6="accent6" hlink="hlink" folHlink="folHlink"/>
+    </a:extraClrScheme>
+    <a:extraClrScheme>
+      <a:clrScheme name="Savitch4Template 5">
+        <a:dk1>
+          <a:srgbClr val="000000"/>
+        </a:dk1>
+        <a:lt1>
+          <a:srgbClr val="FFFFD9"/>
+        </a:lt1>
+        <a:dk2>
+          <a:srgbClr val="000000"/>
+        </a:dk2>
+        <a:lt2>
+          <a:srgbClr val="777777"/>
+        </a:lt2>
+        <a:accent1>
+          <a:srgbClr val="FFFFF7"/>
+        </a:accent1>
+        <a:accent2>
+          <a:srgbClr val="33CCCC"/>
+        </a:accent2>
+        <a:accent3>
+          <a:srgbClr val="FFFFE9"/>
+        </a:accent3>
+        <a:accent4>
+          <a:srgbClr val="000000"/>
+        </a:accent4>
+        <a:accent5>
+          <a:srgbClr val="FFFFFA"/>
+        </a:accent5>
+        <a:accent6>
+          <a:srgbClr val="2DB9B9"/>
+        </a:accent6>
+        <a:hlink>
+          <a:srgbClr val="FF5050"/>
+        </a:hlink>
+        <a:folHlink>
+          <a:srgbClr val="FF9900"/>
+        </a:folHlink>
+      </a:clrScheme>
+      <a:clrMap bg1="lt1" tx1="dk1" bg2="lt2" tx2="dk2" accent1="accent1" accent2="accent2" accent3="accent3" accent4="accent4" accent5="accent5" accent6="accent6" hlink="hlink" folHlink="folHlink"/>
+    </a:extraClrScheme>
+    <a:extraClrScheme>
+      <a:clrScheme name="Savitch4Template 6">
+        <a:dk1>
+          <a:srgbClr val="005A58"/>
+        </a:dk1>
+        <a:lt1>
+          <a:srgbClr val="FFFFFF"/>
+        </a:lt1>
+        <a:dk2>
+          <a:srgbClr val="008080"/>
+        </a:dk2>
+        <a:lt2>
+          <a:srgbClr val="FFFF99"/>
+        </a:lt2>
+        <a:accent1>
+          <a:srgbClr val="006462"/>
+        </a:accent1>
+        <a:accent2>
+          <a:srgbClr val="6D6FC7"/>
+        </a:accent2>
+        <a:accent3>
+          <a:srgbClr val="AAC0C0"/>
+        </a:accent3>
+        <a:accent4>
+          <a:srgbClr val="DADADA"/>
+        </a:accent4>
+        <a:accent5>
+          <a:srgbClr val="AAB8B7"/>
+        </a:accent5>
+        <a:accent6>
+          <a:srgbClr val="6264B4"/>
+        </a:accent6>
+        <a:hlink>
+          <a:srgbClr val="00FFFF"/>
+        </a:hlink>
+        <a:folHlink>
+          <a:srgbClr val="00FF00"/>
+        </a:folHlink>
+      </a:clrScheme>
+      <a:clrMap bg1="dk2" tx1="lt1" bg2="dk1" tx2="lt2" accent1="accent1" accent2="accent2" accent3="accent3" accent4="accent4" accent5="accent5" accent6="accent6" hlink="hlink" folHlink="folHlink"/>
+    </a:extraClrScheme>
+    <a:extraClrScheme>
+      <a:clrScheme name="Savitch4Template 7">
+        <a:dk1>
+          <a:srgbClr val="5C1F00"/>
+        </a:dk1>
+        <a:lt1>
+          <a:srgbClr val="FFFFFF"/>
+        </a:lt1>
+        <a:dk2>
+          <a:srgbClr val="800000"/>
+        </a:dk2>
+        <a:lt2>
+          <a:srgbClr val="DFD293"/>
+        </a:lt2>
+        <a:accent1>
+          <a:srgbClr val="CC3300"/>
+        </a:accent1>
+        <a:accent2>
+          <a:srgbClr val="BE7960"/>
+        </a:accent2>
+        <a:accent3>
+          <a:srgbClr val="C0AAAA"/>
+        </a:accent3>
+        <a:accent4>
+          <a:srgbClr val="DADADA"/>
+        </a:accent4>
+        <a:accent5>
+          <a:srgbClr val="E2ADAA"/>
+        </a:accent5>
+        <a:accent6>
+          <a:srgbClr val="AC6D56"/>
+        </a:accent6>
+        <a:hlink>
+          <a:srgbClr val="FFFF99"/>
+        </a:hlink>
+        <a:folHlink>
+          <a:srgbClr val="D3A219"/>
+        </a:folHlink>
+      </a:clrScheme>
+      <a:clrMap bg1="dk2" tx1="lt1" bg2="dk1" tx2="lt2" accent1="accent1" accent2="accent2" accent3="accent3" accent4="accent4" accent5="accent5" accent6="accent6" hlink="hlink" folHlink="folHlink"/>
+    </a:extraClrScheme>
+    <a:extraClrScheme>
+      <a:clrScheme name="Savitch4Template 8">
+        <a:dk1>
+          <a:srgbClr val="003366"/>
+        </a:dk1>
+        <a:lt1>
+          <a:srgbClr val="FFFFFF"/>
+        </a:lt1>
+        <a:dk2>
+          <a:srgbClr val="000099"/>
+        </a:dk2>
+        <a:lt2>
+          <a:srgbClr val="CCFFFF"/>
+        </a:lt2>
+        <a:accent1>
+          <a:srgbClr val="3366CC"/>
+        </a:accent1>
+        <a:accent2>
+          <a:srgbClr val="00B000"/>
+        </a:accent2>
+        <a:accent3>
+          <a:srgbClr val="AAAACA"/>
+        </a:accent3>
+        <a:accent4>
+          <a:srgbClr val="DADADA"/>
+        </a:accent4>
+        <a:accent5>
+          <a:srgbClr val="ADB8E2"/>
+        </a:accent5>
+        <a:accent6>
+          <a:srgbClr val="009F00"/>
+        </a:accent6>
+        <a:hlink>
+          <a:srgbClr val="66CCFF"/>
+        </a:hlink>
+        <a:folHlink>
+          <a:srgbClr val="FFE701"/>
+        </a:folHlink>
+      </a:clrScheme>
+      <a:clrMap bg1="dk2" tx1="lt1" bg2="dk1" tx2="lt2" accent1="accent1" accent2="accent2" accent3="accent3" accent4="accent4" accent5="accent5" accent6="accent6" hlink="hlink" folHlink="folHlink"/>
+    </a:extraClrScheme>
+    <a:extraClrScheme>
+      <a:clrScheme name="Savitch4Template 9">
+        <a:dk1>
+          <a:srgbClr val="336699"/>
+        </a:dk1>
+        <a:lt1>
+          <a:srgbClr val="FFFFFF"/>
+        </a:lt1>
+        <a:dk2>
+          <a:srgbClr val="000000"/>
+        </a:dk2>
+        <a:lt2>
+          <a:srgbClr val="E3EBF1"/>
+        </a:lt2>
+        <a:accent1>
+          <a:srgbClr val="003399"/>
+        </a:accent1>
+        <a:accent2>
+          <a:srgbClr val="468A4B"/>
+        </a:accent2>
+        <a:accent3>
+          <a:srgbClr val="AAAAAA"/>
+        </a:accent3>
+        <a:accent4>
+          <a:srgbClr val="DADADA"/>
+        </a:accent4>
+        <a:accent5>
+          <a:srgbClr val="AAADCA"/>
+        </a:accent5>
+        <a:accent6>
+          <a:srgbClr val="3F7D43"/>
+        </a:accent6>
+        <a:hlink>
+          <a:srgbClr val="66CCFF"/>
+        </a:hlink>
+        <a:folHlink>
+          <a:srgbClr val="F0E500"/>
+        </a:folHlink>
+      </a:clrScheme>
+      <a:clrMap bg1="dk2" tx1="lt1" bg2="dk1" tx2="lt2" accent1="accent1" accent2="accent2" accent3="accent3" accent4="accent4" accent5="accent5" accent6="accent6" hlink="hlink" folHlink="folHlink"/>
+    </a:extraClrScheme>
+    <a:extraClrScheme>
+      <a:clrScheme name="Savitch4Template 10">
+        <a:dk1>
+          <a:srgbClr val="777777"/>
+        </a:dk1>
+        <a:lt1>
+          <a:srgbClr val="FFFFFF"/>
+        </a:lt1>
+        <a:dk2>
+          <a:srgbClr val="686B5D"/>
+        </a:dk2>
+        <a:lt2>
+          <a:srgbClr val="D1D1CB"/>
+        </a:lt2>
+        <a:accent1>
+          <a:srgbClr val="909082"/>
+        </a:accent1>
+        <a:accent2>
+          <a:srgbClr val="809EA8"/>
+        </a:accent2>
+        <a:accent3>
+          <a:srgbClr val="B9BAB6"/>
+        </a:accent3>
+        <a:accent4>
+          <a:srgbClr val="DADADA"/>
+        </a:accent4>
+        <a:accent5>
+          <a:srgbClr val="C6C6C1"/>
+        </a:accent5>
+        <a:accent6>
+          <a:srgbClr val="738F98"/>
+        </a:accent6>
+        <a:hlink>
+          <a:srgbClr val="FFCC66"/>
+        </a:hlink>
+        <a:folHlink>
+          <a:srgbClr val="E9DCB9"/>
+        </a:folHlink>
+      </a:clrScheme>
+      <a:clrMap bg1="dk2" tx1="lt1" bg2="dk1" tx2="lt2" accent1="accent1" accent2="accent2" accent3="accent3" accent4="accent4" accent5="accent5" accent6="accent6" hlink="hlink" folHlink="folHlink"/>
+    </a:extraClrScheme>
+    <a:extraClrScheme>
+      <a:clrScheme name="Savitch4Template 11">
+        <a:dk1>
+          <a:srgbClr val="3E3E5C"/>
+        </a:dk1>
+        <a:lt1>
+          <a:srgbClr val="FFFFFF"/>
+        </a:lt1>
+        <a:dk2>
+          <a:srgbClr val="666699"/>
+        </a:dk2>
+        <a:lt2>
+          <a:srgbClr val="FFFFFF"/>
+        </a:lt2>
+        <a:accent1>
+          <a:srgbClr val="60597B"/>
+        </a:accent1>
+        <a:accent2>
+          <a:srgbClr val="6666FF"/>
+        </a:accent2>
+        <a:accent3>
+          <a:srgbClr val="B8B8CA"/>
+        </a:accent3>
+        <a:accent4>
+          <a:srgbClr val="DADADA"/>
+        </a:accent4>
+        <a:accent5>
+          <a:srgbClr val="B6B5BF"/>
+        </a:accent5>
+        <a:accent6>
+          <a:srgbClr val="5C5CE7"/>
+        </a:accent6>
+        <a:hlink>
+          <a:srgbClr val="99CCFF"/>
+        </a:hlink>
+        <a:folHlink>
+          <a:srgbClr val="FFFF99"/>
+        </a:folHlink>
+      </a:clrScheme>
+      <a:clrMap bg1="dk2" tx1="lt1" bg2="dk1" tx2="lt2" accent1="accent1" accent2="accent2" accent3="accent3" accent4="accent4" accent5="accent5" accent6="accent6" hlink="hlink" folHlink="folHlink"/>
+    </a:extraClrScheme>
+    <a:extraClrScheme>
+      <a:clrScheme name="Savitch4Template 12">
+        <a:dk1>
+          <a:srgbClr val="2D2015"/>
+        </a:dk1>
+        <a:lt1>
+          <a:srgbClr val="FFFFFF"/>
+        </a:lt1>
+        <a:dk2>
+          <a:srgbClr val="523E26"/>
+        </a:dk2>
+        <a:lt2>
+          <a:srgbClr val="DFC08D"/>
+        </a:lt2>
+        <a:accent1>
+          <a:srgbClr val="8C7B70"/>
+        </a:accent1>
+        <a:accent2>
+          <a:srgbClr val="8F5F2F"/>
+        </a:accent2>
+        <a:accent3>
+          <a:srgbClr val="B3AFAC"/>
+        </a:accent3>
+        <a:accent4>
+          <a:srgbClr val="DADADA"/>
+        </a:accent4>
+        <a:accent5>
+          <a:srgbClr val="C5BFBB"/>
+        </a:accent5>
+        <a:accent6>
+          <a:srgbClr val="81552A"/>
+        </a:accent6>
+        <a:hlink>
+          <a:srgbClr val="CCB400"/>
+        </a:hlink>
+        <a:folHlink>
+          <a:srgbClr val="8C9EA0"/>
+        </a:folHlink>
+      </a:clrScheme>
+      <a:clrMap bg1="dk2" tx1="lt1" bg2="dk1" tx2="lt2" accent1="accent1" accent2="accent2" accent3="accent3" accent4="accent4" accent5="accent5" accent6="accent6" hlink="hlink" folHlink="folHlink"/>
+    </a:extraClrScheme>
+  </a:extraClrSchemeLst>
+  <a:extLst>
+    <a:ext uri="{05A4C25C-085E-4340-85A3-A5531E510DB2}">
+      <thm15:themeFamily xmlns:thm15="http://schemas.microsoft.com/office/thememl/2012/main" name="Theme1" id="{750A18D6-3EC1-43DD-A686-019CC69F3021}" vid="{50F49848-22AE-4E6E-AD54-894542DCD731}"/>
+    </a:ext>
+  </a:extLst>
+</a:theme>
+</file>
+
+<file path=ppt/theme/theme3.xml><?xml version="1.0" encoding="utf-8"?>
 <a:theme xmlns:a="http://schemas.openxmlformats.org/drawingml/2006/main" name="Office Theme">
   <a:themeElements>
     <a:clrScheme name="Office">

--- a/MOD02_Algoritmos_de_ordenamiento_y_busqueda/01 Presentacion/INFO2_MOD2-Ordenamiento_y_Busqueda.pptx
+++ b/MOD02_Algoritmos_de_ordenamiento_y_busqueda/01 Presentacion/INFO2_MOD2-Ordenamiento_y_Busqueda.pptx
@@ -263,7 +263,7 @@
           <a:p>
             <a:fld id="{502DC4F2-4218-4162-BA3D-B14DE8F619FF}" type="datetimeFigureOut">
               <a:rPr lang="en-US" smtClean="0"/>
-              <a:t>1/23/2020</a:t>
+              <a:t>1/26/2020</a:t>
             </a:fld>
             <a:endParaRPr lang="en-US"/>
           </a:p>

--- a/MOD02_Algoritmos_de_ordenamiento_y_busqueda/01 Presentacion/INFO2_MOD2-Ordenamiento_y_Busqueda.pptx
+++ b/MOD02_Algoritmos_de_ordenamiento_y_busqueda/01 Presentacion/INFO2_MOD2-Ordenamiento_y_Busqueda.pptx
@@ -263,7 +263,7 @@
           <a:p>
             <a:fld id="{502DC4F2-4218-4162-BA3D-B14DE8F619FF}" type="datetimeFigureOut">
               <a:rPr lang="en-US" smtClean="0"/>
-              <a:t>1/26/2020</a:t>
+              <a:t>1/28/2020</a:t>
             </a:fld>
             <a:endParaRPr lang="en-US"/>
           </a:p>
@@ -13940,7 +13940,7 @@
             <a:pPr eaLnBrk="1" hangingPunct="1"/>
             <a:r>
               <a:rPr lang="en-US" altLang="en-US" sz="3000" dirty="0"/>
-              <a:t>Selection sort </a:t>
+              <a:t>Bubble Sort </a:t>
             </a:r>
             <a:r>
               <a:rPr lang="en-US" altLang="en-US" sz="3000" dirty="0" err="1"/>
